--- a/Pandas.pptx
+++ b/Pandas.pptx
@@ -1,58 +1,65 @@
 
 <file path=ppt/presentation.xml><?xml version="1.0" encoding="utf-8"?>
-<p:presentation xmlns:a="http://schemas.openxmlformats.org/drawingml/2006/main" xmlns:r="http://schemas.openxmlformats.org/officeDocument/2006/relationships" xmlns:mc="http://schemas.openxmlformats.org/markup-compatibility/2006" xmlns:mv="urn:schemas-microsoft-com:mac:vml" xmlns:p="http://schemas.openxmlformats.org/presentationml/2006/main" xmlns:c="http://schemas.openxmlformats.org/drawingml/2006/chart" xmlns:dgm="http://schemas.openxmlformats.org/drawingml/2006/diagram" xmlns:o="urn:schemas-microsoft-com:office:office" xmlns:v="urn:schemas-microsoft-com:vml" xmlns:pvml="urn:schemas-microsoft-com:office:powerpoint" xmlns:com="http://schemas.openxmlformats.org/drawingml/2006/compatibility" xmlns:p14="http://schemas.microsoft.com/office/powerpoint/2010/main" xmlns:p15="http://schemas.microsoft.com/office/powerpoint/2012/main" autoCompressPictures="0" embedTrueTypeFonts="1" strictFirstAndLastChars="0" saveSubsetFonts="1" showSpecialPlsOnTitleSld="0">
+<p:presentation xmlns:a="http://schemas.openxmlformats.org/drawingml/2006/main" xmlns:r="http://schemas.openxmlformats.org/officeDocument/2006/relationships" xmlns:p="http://schemas.openxmlformats.org/presentationml/2006/main" showSpecialPlsOnTitleSld="0" strictFirstAndLastChars="0" embedTrueTypeFonts="1" saveSubsetFonts="1" autoCompressPictures="0">
   <p:sldMasterIdLst>
-    <p:sldMasterId id="2147483659" r:id="rId3"/>
+    <p:sldMasterId id="2147483659" r:id="rId1"/>
   </p:sldMasterIdLst>
   <p:notesMasterIdLst>
-    <p:notesMasterId r:id="rId4"/>
+    <p:notesMasterId r:id="rId17"/>
   </p:notesMasterIdLst>
   <p:sldIdLst>
-    <p:sldId id="256" r:id="rId5"/>
-    <p:sldId id="257" r:id="rId6"/>
-    <p:sldId id="258" r:id="rId7"/>
-    <p:sldId id="259" r:id="rId8"/>
-    <p:sldId id="260" r:id="rId9"/>
-    <p:sldId id="261" r:id="rId10"/>
-    <p:sldId id="262" r:id="rId11"/>
-    <p:sldId id="263" r:id="rId12"/>
-    <p:sldId id="264" r:id="rId13"/>
-    <p:sldId id="265" r:id="rId14"/>
-    <p:sldId id="266" r:id="rId15"/>
-    <p:sldId id="267" r:id="rId16"/>
-    <p:sldId id="268" r:id="rId17"/>
-    <p:sldId id="269" r:id="rId18"/>
-    <p:sldId id="270" r:id="rId19"/>
+    <p:sldId id="256" r:id="rId2"/>
+    <p:sldId id="257" r:id="rId3"/>
+    <p:sldId id="258" r:id="rId4"/>
+    <p:sldId id="259" r:id="rId5"/>
+    <p:sldId id="260" r:id="rId6"/>
+    <p:sldId id="261" r:id="rId7"/>
+    <p:sldId id="262" r:id="rId8"/>
+    <p:sldId id="263" r:id="rId9"/>
+    <p:sldId id="264" r:id="rId10"/>
+    <p:sldId id="265" r:id="rId11"/>
+    <p:sldId id="266" r:id="rId12"/>
+    <p:sldId id="267" r:id="rId13"/>
+    <p:sldId id="268" r:id="rId14"/>
+    <p:sldId id="269" r:id="rId15"/>
+    <p:sldId id="270" r:id="rId16"/>
   </p:sldIdLst>
-  <p:sldSz cy="5143500" cx="9144000"/>
+  <p:sldSz cx="9144000" cy="5143500" type="screen16x9"/>
   <p:notesSz cx="6858000" cy="9144000"/>
   <p:embeddedFontLst>
     <p:embeddedFont>
-      <p:font typeface="Muli"/>
-      <p:regular r:id="rId20"/>
-      <p:bold r:id="rId21"/>
-      <p:italic r:id="rId22"/>
-      <p:boldItalic r:id="rId23"/>
+      <p:font typeface="Calibri" panose="020F0502020204030204" pitchFamily="34" charset="0"/>
+      <p:regular r:id="rId18"/>
+      <p:bold r:id="rId19"/>
+      <p:italic r:id="rId20"/>
+      <p:boldItalic r:id="rId21"/>
     </p:embeddedFont>
     <p:embeddedFont>
-      <p:font typeface="Lexend Deca"/>
-      <p:regular r:id="rId24"/>
+      <p:font typeface="Lexend Deca" panose="020B0604020202020204" charset="0"/>
+      <p:regular r:id="rId22"/>
     </p:embeddedFont>
     <p:embeddedFont>
-      <p:font typeface="Muli Light"/>
-      <p:regular r:id="rId25"/>
-      <p:bold r:id="rId26"/>
-      <p:italic r:id="rId27"/>
+      <p:font typeface="Muli" panose="020B0604020202020204" charset="0"/>
+      <p:regular r:id="rId23"/>
+      <p:bold r:id="rId24"/>
+      <p:italic r:id="rId25"/>
+      <p:boldItalic r:id="rId26"/>
+    </p:embeddedFont>
+    <p:embeddedFont>
+      <p:font typeface="Muli ExtraBold" panose="020B0604020202020204" charset="0"/>
+      <p:bold r:id="rId27"/>
       <p:boldItalic r:id="rId28"/>
     </p:embeddedFont>
     <p:embeddedFont>
-      <p:font typeface="Muli ExtraBold"/>
-      <p:bold r:id="rId29"/>
-      <p:boldItalic r:id="rId30"/>
+      <p:font typeface="Muli Light" panose="020B0604020202020204" charset="0"/>
+      <p:regular r:id="rId29"/>
+      <p:bold r:id="rId30"/>
+      <p:italic r:id="rId31"/>
+      <p:boldItalic r:id="rId32"/>
     </p:embeddedFont>
   </p:embeddedFontLst>
   <p:defaultTextStyle>
-    <a:defPPr lvl="0" marR="0" rtl="0" algn="l">
+    <a:defPPr marR="0" lvl="0" algn="l" rtl="0">
       <a:lnSpc>
         <a:spcPct val="100000"/>
       </a:lnSpc>
@@ -63,7 +70,7 @@
         <a:spcPts val="0"/>
       </a:spcAft>
     </a:defPPr>
-    <a:lvl1pPr lvl="0" marR="0" rtl="0" algn="l">
+    <a:lvl1pPr marR="0" lvl="0" algn="l" rtl="0">
       <a:lnSpc>
         <a:spcPct val="100000"/>
       </a:lnSpc>
@@ -77,7 +84,7 @@
         <a:srgbClr val="000000"/>
       </a:buClr>
       <a:buFont typeface="Arial"/>
-      <a:defRPr b="0" i="0" sz="1400" u="none" cap="none" strike="noStrike">
+      <a:defRPr sz="1400" b="0" i="0" u="none" strike="noStrike" cap="none">
         <a:solidFill>
           <a:srgbClr val="000000"/>
         </a:solidFill>
@@ -87,7 +94,7 @@
         <a:sym typeface="Arial"/>
       </a:defRPr>
     </a:lvl1pPr>
-    <a:lvl2pPr lvl="1" marR="0" rtl="0" algn="l">
+    <a:lvl2pPr marR="0" lvl="1" algn="l" rtl="0">
       <a:lnSpc>
         <a:spcPct val="100000"/>
       </a:lnSpc>
@@ -101,7 +108,7 @@
         <a:srgbClr val="000000"/>
       </a:buClr>
       <a:buFont typeface="Arial"/>
-      <a:defRPr b="0" i="0" sz="1400" u="none" cap="none" strike="noStrike">
+      <a:defRPr sz="1400" b="0" i="0" u="none" strike="noStrike" cap="none">
         <a:solidFill>
           <a:srgbClr val="000000"/>
         </a:solidFill>
@@ -111,7 +118,7 @@
         <a:sym typeface="Arial"/>
       </a:defRPr>
     </a:lvl2pPr>
-    <a:lvl3pPr lvl="2" marR="0" rtl="0" algn="l">
+    <a:lvl3pPr marR="0" lvl="2" algn="l" rtl="0">
       <a:lnSpc>
         <a:spcPct val="100000"/>
       </a:lnSpc>
@@ -125,7 +132,7 @@
         <a:srgbClr val="000000"/>
       </a:buClr>
       <a:buFont typeface="Arial"/>
-      <a:defRPr b="0" i="0" sz="1400" u="none" cap="none" strike="noStrike">
+      <a:defRPr sz="1400" b="0" i="0" u="none" strike="noStrike" cap="none">
         <a:solidFill>
           <a:srgbClr val="000000"/>
         </a:solidFill>
@@ -135,7 +142,7 @@
         <a:sym typeface="Arial"/>
       </a:defRPr>
     </a:lvl3pPr>
-    <a:lvl4pPr lvl="3" marR="0" rtl="0" algn="l">
+    <a:lvl4pPr marR="0" lvl="3" algn="l" rtl="0">
       <a:lnSpc>
         <a:spcPct val="100000"/>
       </a:lnSpc>
@@ -149,7 +156,7 @@
         <a:srgbClr val="000000"/>
       </a:buClr>
       <a:buFont typeface="Arial"/>
-      <a:defRPr b="0" i="0" sz="1400" u="none" cap="none" strike="noStrike">
+      <a:defRPr sz="1400" b="0" i="0" u="none" strike="noStrike" cap="none">
         <a:solidFill>
           <a:srgbClr val="000000"/>
         </a:solidFill>
@@ -159,7 +166,7 @@
         <a:sym typeface="Arial"/>
       </a:defRPr>
     </a:lvl4pPr>
-    <a:lvl5pPr lvl="4" marR="0" rtl="0" algn="l">
+    <a:lvl5pPr marR="0" lvl="4" algn="l" rtl="0">
       <a:lnSpc>
         <a:spcPct val="100000"/>
       </a:lnSpc>
@@ -173,7 +180,7 @@
         <a:srgbClr val="000000"/>
       </a:buClr>
       <a:buFont typeface="Arial"/>
-      <a:defRPr b="0" i="0" sz="1400" u="none" cap="none" strike="noStrike">
+      <a:defRPr sz="1400" b="0" i="0" u="none" strike="noStrike" cap="none">
         <a:solidFill>
           <a:srgbClr val="000000"/>
         </a:solidFill>
@@ -183,7 +190,7 @@
         <a:sym typeface="Arial"/>
       </a:defRPr>
     </a:lvl5pPr>
-    <a:lvl6pPr lvl="5" marR="0" rtl="0" algn="l">
+    <a:lvl6pPr marR="0" lvl="5" algn="l" rtl="0">
       <a:lnSpc>
         <a:spcPct val="100000"/>
       </a:lnSpc>
@@ -197,7 +204,7 @@
         <a:srgbClr val="000000"/>
       </a:buClr>
       <a:buFont typeface="Arial"/>
-      <a:defRPr b="0" i="0" sz="1400" u="none" cap="none" strike="noStrike">
+      <a:defRPr sz="1400" b="0" i="0" u="none" strike="noStrike" cap="none">
         <a:solidFill>
           <a:srgbClr val="000000"/>
         </a:solidFill>
@@ -207,7 +214,7 @@
         <a:sym typeface="Arial"/>
       </a:defRPr>
     </a:lvl6pPr>
-    <a:lvl7pPr lvl="6" marR="0" rtl="0" algn="l">
+    <a:lvl7pPr marR="0" lvl="6" algn="l" rtl="0">
       <a:lnSpc>
         <a:spcPct val="100000"/>
       </a:lnSpc>
@@ -221,7 +228,7 @@
         <a:srgbClr val="000000"/>
       </a:buClr>
       <a:buFont typeface="Arial"/>
-      <a:defRPr b="0" i="0" sz="1400" u="none" cap="none" strike="noStrike">
+      <a:defRPr sz="1400" b="0" i="0" u="none" strike="noStrike" cap="none">
         <a:solidFill>
           <a:srgbClr val="000000"/>
         </a:solidFill>
@@ -231,7 +238,7 @@
         <a:sym typeface="Arial"/>
       </a:defRPr>
     </a:lvl7pPr>
-    <a:lvl8pPr lvl="7" marR="0" rtl="0" algn="l">
+    <a:lvl8pPr marR="0" lvl="7" algn="l" rtl="0">
       <a:lnSpc>
         <a:spcPct val="100000"/>
       </a:lnSpc>
@@ -245,7 +252,7 @@
         <a:srgbClr val="000000"/>
       </a:buClr>
       <a:buFont typeface="Arial"/>
-      <a:defRPr b="0" i="0" sz="1400" u="none" cap="none" strike="noStrike">
+      <a:defRPr sz="1400" b="0" i="0" u="none" strike="noStrike" cap="none">
         <a:solidFill>
           <a:srgbClr val="000000"/>
         </a:solidFill>
@@ -255,7 +262,7 @@
         <a:sym typeface="Arial"/>
       </a:defRPr>
     </a:lvl8pPr>
-    <a:lvl9pPr lvl="8" marR="0" rtl="0" algn="l">
+    <a:lvl9pPr marR="0" lvl="8" algn="l" rtl="0">
       <a:lnSpc>
         <a:spcPct val="100000"/>
       </a:lnSpc>
@@ -269,7 +276,7 @@
         <a:srgbClr val="000000"/>
       </a:buClr>
       <a:buFont typeface="Arial"/>
-      <a:defRPr b="0" i="0" sz="1400" u="none" cap="none" strike="noStrike">
+      <a:defRPr sz="1400" b="0" i="0" u="none" strike="noStrike" cap="none">
         <a:solidFill>
           <a:srgbClr val="000000"/>
         </a:solidFill>
@@ -284,11 +291,16 @@
 </file>
 
 <file path=ppt/notesMasters/notesMaster1.xml><?xml version="1.0" encoding="utf-8"?>
-<p:notesMaster xmlns:a="http://schemas.openxmlformats.org/drawingml/2006/main" xmlns:r="http://schemas.openxmlformats.org/officeDocument/2006/relationships" xmlns:mc="http://schemas.openxmlformats.org/markup-compatibility/2006" xmlns:mv="urn:schemas-microsoft-com:mac:vml" xmlns:p="http://schemas.openxmlformats.org/presentationml/2006/main" xmlns:c="http://schemas.openxmlformats.org/drawingml/2006/chart" xmlns:dgm="http://schemas.openxmlformats.org/drawingml/2006/diagram" xmlns:o="urn:schemas-microsoft-com:office:office" xmlns:v="urn:schemas-microsoft-com:vml" xmlns:pvml="urn:schemas-microsoft-com:office:powerpoint" xmlns:com="http://schemas.openxmlformats.org/drawingml/2006/compatibility" xmlns:p14="http://schemas.microsoft.com/office/powerpoint/2010/main" xmlns:p15="http://schemas.microsoft.com/office/powerpoint/2012/main">
+<p:notesMaster xmlns:a="http://schemas.openxmlformats.org/drawingml/2006/main" xmlns:r="http://schemas.openxmlformats.org/officeDocument/2006/relationships" xmlns:p="http://schemas.openxmlformats.org/presentationml/2006/main">
   <p:cSld>
+    <p:bg>
+      <p:bgRef idx="1001">
+        <a:schemeClr val="bg1"/>
+      </p:bgRef>
+    </p:bg>
     <p:spTree>
       <p:nvGrpSpPr>
-        <p:cNvPr id="2" name="Shape 2"/>
+        <p:cNvPr id="1" name="Shape 2"/>
         <p:cNvGrpSpPr/>
         <p:nvPr/>
       </p:nvGrpSpPr>
@@ -303,9 +315,11 @@
       <p:sp>
         <p:nvSpPr>
           <p:cNvPr id="3" name="Google Shape;3;n"/>
-          <p:cNvSpPr/>
+          <p:cNvSpPr>
+            <a:spLocks noGrp="1" noRot="1" noChangeAspect="1"/>
+          </p:cNvSpPr>
           <p:nvPr>
-            <p:ph idx="2" type="sldImg"/>
+            <p:ph type="sldImg" idx="2"/>
           </p:nvPr>
         </p:nvSpPr>
         <p:spPr>
@@ -314,9 +328,13 @@
             <a:ext cx="6096300" cy="3429000"/>
           </a:xfrm>
           <a:custGeom>
-            <a:rect b="b" l="l" r="r" t="t"/>
+            <a:avLst/>
+            <a:gdLst/>
+            <a:ahLst/>
+            <a:cxnLst/>
+            <a:rect l="l" t="t" r="r" b="b"/>
             <a:pathLst>
-              <a:path extrusionOk="0" h="120000" w="120000">
+              <a:path w="120000" h="120000" extrusionOk="0">
                 <a:moveTo>
                   <a:pt x="0" y="0"/>
                 </a:moveTo>
@@ -334,23 +352,25 @@
             </a:pathLst>
           </a:custGeom>
           <a:noFill/>
-          <a:ln cap="flat" cmpd="sng" w="9525">
+          <a:ln w="9525" cap="flat" cmpd="sng">
             <a:solidFill>
               <a:srgbClr val="000000"/>
             </a:solidFill>
             <a:prstDash val="solid"/>
             <a:round/>
-            <a:headEnd len="sm" w="sm" type="none"/>
-            <a:tailEnd len="sm" w="sm" type="none"/>
+            <a:headEnd type="none" w="sm" len="sm"/>
+            <a:tailEnd type="none" w="sm" len="sm"/>
           </a:ln>
         </p:spPr>
       </p:sp>
       <p:sp>
         <p:nvSpPr>
           <p:cNvPr id="4" name="Google Shape;4;n"/>
-          <p:cNvSpPr txBox="1"/>
+          <p:cNvSpPr txBox="1">
+            <a:spLocks noGrp="1"/>
+          </p:cNvSpPr>
           <p:nvPr>
-            <p:ph idx="1" type="body"/>
+            <p:ph type="body" idx="1"/>
           </p:nvPr>
         </p:nvSpPr>
         <p:spPr>
@@ -367,11 +387,11 @@
           </a:ln>
         </p:spPr>
         <p:txBody>
-          <a:bodyPr anchorCtr="0" anchor="t" bIns="91425" lIns="91425" spcFirstLastPara="1" rIns="91425" wrap="square" tIns="91425">
+          <a:bodyPr spcFirstLastPara="1" wrap="square" lIns="91425" tIns="91425" rIns="91425" bIns="91425" anchor="t" anchorCtr="0">
             <a:noAutofit/>
           </a:bodyPr>
           <a:lstStyle>
-            <a:lvl1pPr indent="-317500" lvl="0" marL="457200">
+            <a:lvl1pPr marL="457200" lvl="0" indent="-317500">
               <a:spcBef>
                 <a:spcPts val="0"/>
               </a:spcBef>
@@ -382,7 +402,7 @@
               <a:buChar char="●"/>
               <a:defRPr sz="1100"/>
             </a:lvl1pPr>
-            <a:lvl2pPr indent="-317500" lvl="1" marL="914400">
+            <a:lvl2pPr marL="914400" lvl="1" indent="-317500">
               <a:spcBef>
                 <a:spcPts val="0"/>
               </a:spcBef>
@@ -393,7 +413,7 @@
               <a:buChar char="○"/>
               <a:defRPr sz="1100"/>
             </a:lvl2pPr>
-            <a:lvl3pPr indent="-317500" lvl="2" marL="1371600">
+            <a:lvl3pPr marL="1371600" lvl="2" indent="-317500">
               <a:spcBef>
                 <a:spcPts val="0"/>
               </a:spcBef>
@@ -404,7 +424,7 @@
               <a:buChar char="■"/>
               <a:defRPr sz="1100"/>
             </a:lvl3pPr>
-            <a:lvl4pPr indent="-317500" lvl="3" marL="1828800">
+            <a:lvl4pPr marL="1828800" lvl="3" indent="-317500">
               <a:spcBef>
                 <a:spcPts val="0"/>
               </a:spcBef>
@@ -415,7 +435,7 @@
               <a:buChar char="●"/>
               <a:defRPr sz="1100"/>
             </a:lvl4pPr>
-            <a:lvl5pPr indent="-317500" lvl="4" marL="2286000">
+            <a:lvl5pPr marL="2286000" lvl="4" indent="-317500">
               <a:spcBef>
                 <a:spcPts val="0"/>
               </a:spcBef>
@@ -426,7 +446,7 @@
               <a:buChar char="○"/>
               <a:defRPr sz="1100"/>
             </a:lvl5pPr>
-            <a:lvl6pPr indent="-317500" lvl="5" marL="2743200">
+            <a:lvl6pPr marL="2743200" lvl="5" indent="-317500">
               <a:spcBef>
                 <a:spcPts val="0"/>
               </a:spcBef>
@@ -437,7 +457,7 @@
               <a:buChar char="■"/>
               <a:defRPr sz="1100"/>
             </a:lvl6pPr>
-            <a:lvl7pPr indent="-317500" lvl="6" marL="3200400">
+            <a:lvl7pPr marL="3200400" lvl="6" indent="-317500">
               <a:spcBef>
                 <a:spcPts val="0"/>
               </a:spcBef>
@@ -448,7 +468,7 @@
               <a:buChar char="●"/>
               <a:defRPr sz="1100"/>
             </a:lvl7pPr>
-            <a:lvl8pPr indent="-317500" lvl="7" marL="3657600">
+            <a:lvl8pPr marL="3657600" lvl="7" indent="-317500">
               <a:spcBef>
                 <a:spcPts val="0"/>
               </a:spcBef>
@@ -459,7 +479,7 @@
               <a:buChar char="○"/>
               <a:defRPr sz="1100"/>
             </a:lvl8pPr>
-            <a:lvl9pPr indent="-317500" lvl="8" marL="4114800">
+            <a:lvl9pPr marL="4114800" lvl="8" indent="-317500">
               <a:spcBef>
                 <a:spcPts val="0"/>
               </a:spcBef>
@@ -471,14 +491,16 @@
               <a:defRPr sz="1100"/>
             </a:lvl9pPr>
           </a:lstStyle>
-          <a:p/>
+          <a:p>
+            <a:endParaRPr/>
+          </a:p>
         </p:txBody>
       </p:sp>
     </p:spTree>
   </p:cSld>
-  <p:clrMap accent1="accent1" accent2="accent2" accent3="accent3" accent4="accent4" accent5="accent5" accent6="accent6" bg1="lt1" bg2="dk2" tx1="dk1" tx2="lt2" folHlink="folHlink" hlink="hlink"/>
+  <p:clrMap bg1="lt1" tx1="dk1" bg2="dk2" tx2="lt2" accent1="accent1" accent2="accent2" accent3="accent3" accent4="accent4" accent5="accent5" accent6="accent6" hlink="hlink" folHlink="folHlink"/>
   <p:notesStyle>
-    <a:defPPr lvl="0" marR="0" rtl="0" algn="l">
+    <a:defPPr marR="0" lvl="0" algn="l" rtl="0">
       <a:lnSpc>
         <a:spcPct val="100000"/>
       </a:lnSpc>
@@ -489,7 +511,7 @@
         <a:spcPts val="0"/>
       </a:spcAft>
     </a:defPPr>
-    <a:lvl1pPr lvl="0" marR="0" rtl="0" algn="l">
+    <a:lvl1pPr marR="0" lvl="0" algn="l" rtl="0">
       <a:lnSpc>
         <a:spcPct val="100000"/>
       </a:lnSpc>
@@ -503,7 +525,7 @@
         <a:srgbClr val="000000"/>
       </a:buClr>
       <a:buFont typeface="Arial"/>
-      <a:defRPr b="0" i="0" sz="1400" u="none" cap="none" strike="noStrike">
+      <a:defRPr sz="1400" b="0" i="0" u="none" strike="noStrike" cap="none">
         <a:solidFill>
           <a:srgbClr val="000000"/>
         </a:solidFill>
@@ -513,7 +535,7 @@
         <a:sym typeface="Arial"/>
       </a:defRPr>
     </a:lvl1pPr>
-    <a:lvl2pPr lvl="1" marR="0" rtl="0" algn="l">
+    <a:lvl2pPr marR="0" lvl="1" algn="l" rtl="0">
       <a:lnSpc>
         <a:spcPct val="100000"/>
       </a:lnSpc>
@@ -527,7 +549,7 @@
         <a:srgbClr val="000000"/>
       </a:buClr>
       <a:buFont typeface="Arial"/>
-      <a:defRPr b="0" i="0" sz="1400" u="none" cap="none" strike="noStrike">
+      <a:defRPr sz="1400" b="0" i="0" u="none" strike="noStrike" cap="none">
         <a:solidFill>
           <a:srgbClr val="000000"/>
         </a:solidFill>
@@ -537,7 +559,7 @@
         <a:sym typeface="Arial"/>
       </a:defRPr>
     </a:lvl2pPr>
-    <a:lvl3pPr lvl="2" marR="0" rtl="0" algn="l">
+    <a:lvl3pPr marR="0" lvl="2" algn="l" rtl="0">
       <a:lnSpc>
         <a:spcPct val="100000"/>
       </a:lnSpc>
@@ -551,7 +573,7 @@
         <a:srgbClr val="000000"/>
       </a:buClr>
       <a:buFont typeface="Arial"/>
-      <a:defRPr b="0" i="0" sz="1400" u="none" cap="none" strike="noStrike">
+      <a:defRPr sz="1400" b="0" i="0" u="none" strike="noStrike" cap="none">
         <a:solidFill>
           <a:srgbClr val="000000"/>
         </a:solidFill>
@@ -561,7 +583,7 @@
         <a:sym typeface="Arial"/>
       </a:defRPr>
     </a:lvl3pPr>
-    <a:lvl4pPr lvl="3" marR="0" rtl="0" algn="l">
+    <a:lvl4pPr marR="0" lvl="3" algn="l" rtl="0">
       <a:lnSpc>
         <a:spcPct val="100000"/>
       </a:lnSpc>
@@ -575,7 +597,7 @@
         <a:srgbClr val="000000"/>
       </a:buClr>
       <a:buFont typeface="Arial"/>
-      <a:defRPr b="0" i="0" sz="1400" u="none" cap="none" strike="noStrike">
+      <a:defRPr sz="1400" b="0" i="0" u="none" strike="noStrike" cap="none">
         <a:solidFill>
           <a:srgbClr val="000000"/>
         </a:solidFill>
@@ -585,7 +607,7 @@
         <a:sym typeface="Arial"/>
       </a:defRPr>
     </a:lvl4pPr>
-    <a:lvl5pPr lvl="4" marR="0" rtl="0" algn="l">
+    <a:lvl5pPr marR="0" lvl="4" algn="l" rtl="0">
       <a:lnSpc>
         <a:spcPct val="100000"/>
       </a:lnSpc>
@@ -599,7 +621,7 @@
         <a:srgbClr val="000000"/>
       </a:buClr>
       <a:buFont typeface="Arial"/>
-      <a:defRPr b="0" i="0" sz="1400" u="none" cap="none" strike="noStrike">
+      <a:defRPr sz="1400" b="0" i="0" u="none" strike="noStrike" cap="none">
         <a:solidFill>
           <a:srgbClr val="000000"/>
         </a:solidFill>
@@ -609,7 +631,7 @@
         <a:sym typeface="Arial"/>
       </a:defRPr>
     </a:lvl5pPr>
-    <a:lvl6pPr lvl="5" marR="0" rtl="0" algn="l">
+    <a:lvl6pPr marR="0" lvl="5" algn="l" rtl="0">
       <a:lnSpc>
         <a:spcPct val="100000"/>
       </a:lnSpc>
@@ -623,7 +645,7 @@
         <a:srgbClr val="000000"/>
       </a:buClr>
       <a:buFont typeface="Arial"/>
-      <a:defRPr b="0" i="0" sz="1400" u="none" cap="none" strike="noStrike">
+      <a:defRPr sz="1400" b="0" i="0" u="none" strike="noStrike" cap="none">
         <a:solidFill>
           <a:srgbClr val="000000"/>
         </a:solidFill>
@@ -633,7 +655,7 @@
         <a:sym typeface="Arial"/>
       </a:defRPr>
     </a:lvl6pPr>
-    <a:lvl7pPr lvl="6" marR="0" rtl="0" algn="l">
+    <a:lvl7pPr marR="0" lvl="6" algn="l" rtl="0">
       <a:lnSpc>
         <a:spcPct val="100000"/>
       </a:lnSpc>
@@ -647,7 +669,7 @@
         <a:srgbClr val="000000"/>
       </a:buClr>
       <a:buFont typeface="Arial"/>
-      <a:defRPr b="0" i="0" sz="1400" u="none" cap="none" strike="noStrike">
+      <a:defRPr sz="1400" b="0" i="0" u="none" strike="noStrike" cap="none">
         <a:solidFill>
           <a:srgbClr val="000000"/>
         </a:solidFill>
@@ -657,7 +679,7 @@
         <a:sym typeface="Arial"/>
       </a:defRPr>
     </a:lvl7pPr>
-    <a:lvl8pPr lvl="7" marR="0" rtl="0" algn="l">
+    <a:lvl8pPr marR="0" lvl="7" algn="l" rtl="0">
       <a:lnSpc>
         <a:spcPct val="100000"/>
       </a:lnSpc>
@@ -671,7 +693,7 @@
         <a:srgbClr val="000000"/>
       </a:buClr>
       <a:buFont typeface="Arial"/>
-      <a:defRPr b="0" i="0" sz="1400" u="none" cap="none" strike="noStrike">
+      <a:defRPr sz="1400" b="0" i="0" u="none" strike="noStrike" cap="none">
         <a:solidFill>
           <a:srgbClr val="000000"/>
         </a:solidFill>
@@ -681,7 +703,7 @@
         <a:sym typeface="Arial"/>
       </a:defRPr>
     </a:lvl8pPr>
-    <a:lvl9pPr lvl="8" marR="0" rtl="0" algn="l">
+    <a:lvl9pPr marR="0" lvl="8" algn="l" rtl="0">
       <a:lnSpc>
         <a:spcPct val="100000"/>
       </a:lnSpc>
@@ -695,7 +717,7 @@
         <a:srgbClr val="000000"/>
       </a:buClr>
       <a:buFont typeface="Arial"/>
-      <a:defRPr b="0" i="0" sz="1400" u="none" cap="none" strike="noStrike">
+      <a:defRPr sz="1400" b="0" i="0" u="none" strike="noStrike" cap="none">
         <a:solidFill>
           <a:srgbClr val="000000"/>
         </a:solidFill>
@@ -710,11 +732,11 @@
 </file>
 
 <file path=ppt/notesSlides/notesSlide1.xml><?xml version="1.0" encoding="utf-8"?>
-<p:notes xmlns:a="http://schemas.openxmlformats.org/drawingml/2006/main" xmlns:r="http://schemas.openxmlformats.org/officeDocument/2006/relationships" xmlns:mc="http://schemas.openxmlformats.org/markup-compatibility/2006" xmlns:mv="urn:schemas-microsoft-com:mac:vml" xmlns:p="http://schemas.openxmlformats.org/presentationml/2006/main" xmlns:c="http://schemas.openxmlformats.org/drawingml/2006/chart" xmlns:dgm="http://schemas.openxmlformats.org/drawingml/2006/diagram" xmlns:o="urn:schemas-microsoft-com:office:office" xmlns:v="urn:schemas-microsoft-com:vml" xmlns:pvml="urn:schemas-microsoft-com:office:powerpoint" xmlns:com="http://schemas.openxmlformats.org/drawingml/2006/compatibility" xmlns:p14="http://schemas.microsoft.com/office/powerpoint/2010/main" xmlns:p15="http://schemas.microsoft.com/office/powerpoint/2012/main" showMasterPhAnim="0" showMasterSp="0">
+<p:notes xmlns:a="http://schemas.openxmlformats.org/drawingml/2006/main" xmlns:r="http://schemas.openxmlformats.org/officeDocument/2006/relationships" xmlns:p="http://schemas.openxmlformats.org/presentationml/2006/main" showMasterSp="0" showMasterPhAnim="0">
   <p:cSld>
     <p:spTree>
       <p:nvGrpSpPr>
-        <p:cNvPr id="56" name="Shape 56"/>
+        <p:cNvPr id="1" name="Shape 56"/>
         <p:cNvGrpSpPr/>
         <p:nvPr/>
       </p:nvGrpSpPr>
@@ -729,9 +751,11 @@
       <p:sp>
         <p:nvSpPr>
           <p:cNvPr id="57" name="Google Shape;57;g35f391192_00:notes"/>
-          <p:cNvSpPr/>
+          <p:cNvSpPr>
+            <a:spLocks noGrp="1" noRot="1" noChangeAspect="1"/>
+          </p:cNvSpPr>
           <p:nvPr>
-            <p:ph idx="2" type="sldImg"/>
+            <p:ph type="sldImg" idx="2"/>
           </p:nvPr>
         </p:nvSpPr>
         <p:spPr>
@@ -740,9 +764,13 @@
             <a:ext cx="6096300" cy="3429000"/>
           </a:xfrm>
           <a:custGeom>
-            <a:rect b="b" l="l" r="r" t="t"/>
+            <a:avLst/>
+            <a:gdLst/>
+            <a:ahLst/>
+            <a:cxnLst/>
+            <a:rect l="l" t="t" r="r" b="b"/>
             <a:pathLst>
-              <a:path extrusionOk="0" h="120000" w="120000">
+              <a:path w="120000" h="120000" extrusionOk="0">
                 <a:moveTo>
                   <a:pt x="0" y="0"/>
                 </a:moveTo>
@@ -764,9 +792,11 @@
       <p:sp>
         <p:nvSpPr>
           <p:cNvPr id="58" name="Google Shape;58;g35f391192_00:notes"/>
-          <p:cNvSpPr txBox="1"/>
+          <p:cNvSpPr txBox="1">
+            <a:spLocks noGrp="1"/>
+          </p:cNvSpPr>
           <p:nvPr>
-            <p:ph idx="1" type="body"/>
+            <p:ph type="body" idx="1"/>
           </p:nvPr>
         </p:nvSpPr>
         <p:spPr>
@@ -779,12 +809,12 @@
           </a:prstGeom>
         </p:spPr>
         <p:txBody>
-          <a:bodyPr anchorCtr="0" anchor="t" bIns="91425" lIns="91425" spcFirstLastPara="1" rIns="91425" wrap="square" tIns="91425">
+          <a:bodyPr spcFirstLastPara="1" wrap="square" lIns="91425" tIns="91425" rIns="91425" bIns="91425" anchor="t" anchorCtr="0">
             <a:noAutofit/>
           </a:bodyPr>
           <a:lstStyle/>
           <a:p>
-            <a:pPr indent="0" lvl="0" marL="0" rtl="0" algn="l">
+            <a:pPr marL="0" lvl="0" indent="0" algn="l" rtl="0">
               <a:spcBef>
                 <a:spcPts val="0"/>
               </a:spcBef>
@@ -793,9 +823,6 @@
               </a:spcAft>
               <a:buNone/>
             </a:pPr>
-            <a:r>
-              <a:t/>
-            </a:r>
             <a:endParaRPr/>
           </a:p>
         </p:txBody>
@@ -809,11 +836,11 @@
 </file>
 
 <file path=ppt/notesSlides/notesSlide10.xml><?xml version="1.0" encoding="utf-8"?>
-<p:notes xmlns:a="http://schemas.openxmlformats.org/drawingml/2006/main" xmlns:r="http://schemas.openxmlformats.org/officeDocument/2006/relationships" xmlns:mc="http://schemas.openxmlformats.org/markup-compatibility/2006" xmlns:mv="urn:schemas-microsoft-com:mac:vml" xmlns:p="http://schemas.openxmlformats.org/presentationml/2006/main" xmlns:c="http://schemas.openxmlformats.org/drawingml/2006/chart" xmlns:dgm="http://schemas.openxmlformats.org/drawingml/2006/diagram" xmlns:o="urn:schemas-microsoft-com:office:office" xmlns:v="urn:schemas-microsoft-com:vml" xmlns:pvml="urn:schemas-microsoft-com:office:powerpoint" xmlns:com="http://schemas.openxmlformats.org/drawingml/2006/compatibility" xmlns:p14="http://schemas.microsoft.com/office/powerpoint/2010/main" xmlns:p15="http://schemas.microsoft.com/office/powerpoint/2012/main" showMasterPhAnim="0" showMasterSp="0">
+<p:notes xmlns:a="http://schemas.openxmlformats.org/drawingml/2006/main" xmlns:r="http://schemas.openxmlformats.org/officeDocument/2006/relationships" xmlns:p="http://schemas.openxmlformats.org/presentationml/2006/main" showMasterSp="0" showMasterPhAnim="0">
   <p:cSld>
     <p:spTree>
       <p:nvGrpSpPr>
-        <p:cNvPr id="154" name="Shape 154"/>
+        <p:cNvPr id="1" name="Shape 154"/>
         <p:cNvGrpSpPr/>
         <p:nvPr/>
       </p:nvGrpSpPr>
@@ -828,20 +855,26 @@
       <p:sp>
         <p:nvSpPr>
           <p:cNvPr id="155" name="Google Shape;155;g653ae019b3_1_40:notes"/>
-          <p:cNvSpPr/>
+          <p:cNvSpPr>
+            <a:spLocks noGrp="1" noRot="1" noChangeAspect="1"/>
+          </p:cNvSpPr>
           <p:nvPr>
-            <p:ph idx="2" type="sldImg"/>
+            <p:ph type="sldImg" idx="2"/>
           </p:nvPr>
         </p:nvSpPr>
         <p:spPr>
           <a:xfrm>
-            <a:off x="381175" y="685800"/>
-            <a:ext cx="6096300" cy="3429000"/>
+            <a:off x="381000" y="685800"/>
+            <a:ext cx="6096000" cy="3429000"/>
           </a:xfrm>
           <a:custGeom>
-            <a:rect b="b" l="l" r="r" t="t"/>
+            <a:avLst/>
+            <a:gdLst/>
+            <a:ahLst/>
+            <a:cxnLst/>
+            <a:rect l="l" t="t" r="r" b="b"/>
             <a:pathLst>
-              <a:path extrusionOk="0" h="120000" w="120000">
+              <a:path w="120000" h="120000" extrusionOk="0">
                 <a:moveTo>
                   <a:pt x="0" y="0"/>
                 </a:moveTo>
@@ -863,9 +896,11 @@
       <p:sp>
         <p:nvSpPr>
           <p:cNvPr id="156" name="Google Shape;156;g653ae019b3_1_40:notes"/>
-          <p:cNvSpPr txBox="1"/>
+          <p:cNvSpPr txBox="1">
+            <a:spLocks noGrp="1"/>
+          </p:cNvSpPr>
           <p:nvPr>
-            <p:ph idx="1" type="body"/>
+            <p:ph type="body" idx="1"/>
           </p:nvPr>
         </p:nvSpPr>
         <p:spPr>
@@ -878,12 +913,12 @@
           </a:prstGeom>
         </p:spPr>
         <p:txBody>
-          <a:bodyPr anchorCtr="0" anchor="t" bIns="91425" lIns="91425" spcFirstLastPara="1" rIns="91425" wrap="square" tIns="91425">
+          <a:bodyPr spcFirstLastPara="1" wrap="square" lIns="91425" tIns="91425" rIns="91425" bIns="91425" anchor="t" anchorCtr="0">
             <a:noAutofit/>
           </a:bodyPr>
           <a:lstStyle/>
           <a:p>
-            <a:pPr indent="0" lvl="0" marL="0" rtl="0" algn="l">
+            <a:pPr marL="0" lvl="0" indent="0" algn="l" rtl="0">
               <a:spcBef>
                 <a:spcPts val="0"/>
               </a:spcBef>
@@ -892,9 +927,6 @@
               </a:spcAft>
               <a:buNone/>
             </a:pPr>
-            <a:r>
-              <a:t/>
-            </a:r>
             <a:endParaRPr/>
           </a:p>
         </p:txBody>
@@ -908,11 +940,11 @@
 </file>
 
 <file path=ppt/notesSlides/notesSlide11.xml><?xml version="1.0" encoding="utf-8"?>
-<p:notes xmlns:a="http://schemas.openxmlformats.org/drawingml/2006/main" xmlns:r="http://schemas.openxmlformats.org/officeDocument/2006/relationships" xmlns:mc="http://schemas.openxmlformats.org/markup-compatibility/2006" xmlns:mv="urn:schemas-microsoft-com:mac:vml" xmlns:p="http://schemas.openxmlformats.org/presentationml/2006/main" xmlns:c="http://schemas.openxmlformats.org/drawingml/2006/chart" xmlns:dgm="http://schemas.openxmlformats.org/drawingml/2006/diagram" xmlns:o="urn:schemas-microsoft-com:office:office" xmlns:v="urn:schemas-microsoft-com:vml" xmlns:pvml="urn:schemas-microsoft-com:office:powerpoint" xmlns:com="http://schemas.openxmlformats.org/drawingml/2006/compatibility" xmlns:p14="http://schemas.microsoft.com/office/powerpoint/2010/main" xmlns:p15="http://schemas.microsoft.com/office/powerpoint/2012/main" showMasterPhAnim="0" showMasterSp="0">
+<p:notes xmlns:a="http://schemas.openxmlformats.org/drawingml/2006/main" xmlns:r="http://schemas.openxmlformats.org/officeDocument/2006/relationships" xmlns:p="http://schemas.openxmlformats.org/presentationml/2006/main" showMasterSp="0" showMasterPhAnim="0">
   <p:cSld>
     <p:spTree>
       <p:nvGrpSpPr>
-        <p:cNvPr id="162" name="Shape 162"/>
+        <p:cNvPr id="1" name="Shape 162"/>
         <p:cNvGrpSpPr/>
         <p:nvPr/>
       </p:nvGrpSpPr>
@@ -927,9 +959,11 @@
       <p:sp>
         <p:nvSpPr>
           <p:cNvPr id="163" name="Google Shape;163;g653ae019b3_1_49:notes"/>
-          <p:cNvSpPr/>
+          <p:cNvSpPr>
+            <a:spLocks noGrp="1" noRot="1" noChangeAspect="1"/>
+          </p:cNvSpPr>
           <p:nvPr>
-            <p:ph idx="2" type="sldImg"/>
+            <p:ph type="sldImg" idx="2"/>
           </p:nvPr>
         </p:nvSpPr>
         <p:spPr>
@@ -938,9 +972,13 @@
             <a:ext cx="6096300" cy="3429000"/>
           </a:xfrm>
           <a:custGeom>
-            <a:rect b="b" l="l" r="r" t="t"/>
+            <a:avLst/>
+            <a:gdLst/>
+            <a:ahLst/>
+            <a:cxnLst/>
+            <a:rect l="l" t="t" r="r" b="b"/>
             <a:pathLst>
-              <a:path extrusionOk="0" h="120000" w="120000">
+              <a:path w="120000" h="120000" extrusionOk="0">
                 <a:moveTo>
                   <a:pt x="0" y="0"/>
                 </a:moveTo>
@@ -962,9 +1000,11 @@
       <p:sp>
         <p:nvSpPr>
           <p:cNvPr id="164" name="Google Shape;164;g653ae019b3_1_49:notes"/>
-          <p:cNvSpPr txBox="1"/>
+          <p:cNvSpPr txBox="1">
+            <a:spLocks noGrp="1"/>
+          </p:cNvSpPr>
           <p:nvPr>
-            <p:ph idx="1" type="body"/>
+            <p:ph type="body" idx="1"/>
           </p:nvPr>
         </p:nvSpPr>
         <p:spPr>
@@ -977,12 +1017,12 @@
           </a:prstGeom>
         </p:spPr>
         <p:txBody>
-          <a:bodyPr anchorCtr="0" anchor="t" bIns="91425" lIns="91425" spcFirstLastPara="1" rIns="91425" wrap="square" tIns="91425">
+          <a:bodyPr spcFirstLastPara="1" wrap="square" lIns="91425" tIns="91425" rIns="91425" bIns="91425" anchor="t" anchorCtr="0">
             <a:noAutofit/>
           </a:bodyPr>
           <a:lstStyle/>
           <a:p>
-            <a:pPr indent="0" lvl="0" marL="0" rtl="0" algn="l">
+            <a:pPr marL="0" lvl="0" indent="0" algn="l" rtl="0">
               <a:spcBef>
                 <a:spcPts val="0"/>
               </a:spcBef>
@@ -991,9 +1031,6 @@
               </a:spcAft>
               <a:buNone/>
             </a:pPr>
-            <a:r>
-              <a:t/>
-            </a:r>
             <a:endParaRPr/>
           </a:p>
         </p:txBody>
@@ -1007,11 +1044,11 @@
 </file>
 
 <file path=ppt/notesSlides/notesSlide12.xml><?xml version="1.0" encoding="utf-8"?>
-<p:notes xmlns:a="http://schemas.openxmlformats.org/drawingml/2006/main" xmlns:r="http://schemas.openxmlformats.org/officeDocument/2006/relationships" xmlns:mc="http://schemas.openxmlformats.org/markup-compatibility/2006" xmlns:mv="urn:schemas-microsoft-com:mac:vml" xmlns:p="http://schemas.openxmlformats.org/presentationml/2006/main" xmlns:c="http://schemas.openxmlformats.org/drawingml/2006/chart" xmlns:dgm="http://schemas.openxmlformats.org/drawingml/2006/diagram" xmlns:o="urn:schemas-microsoft-com:office:office" xmlns:v="urn:schemas-microsoft-com:vml" xmlns:pvml="urn:schemas-microsoft-com:office:powerpoint" xmlns:com="http://schemas.openxmlformats.org/drawingml/2006/compatibility" xmlns:p14="http://schemas.microsoft.com/office/powerpoint/2010/main" xmlns:p15="http://schemas.microsoft.com/office/powerpoint/2012/main" showMasterPhAnim="0" showMasterSp="0">
+<p:notes xmlns:a="http://schemas.openxmlformats.org/drawingml/2006/main" xmlns:r="http://schemas.openxmlformats.org/officeDocument/2006/relationships" xmlns:p="http://schemas.openxmlformats.org/presentationml/2006/main" showMasterSp="0" showMasterPhAnim="0">
   <p:cSld>
     <p:spTree>
       <p:nvGrpSpPr>
-        <p:cNvPr id="170" name="Shape 170"/>
+        <p:cNvPr id="1" name="Shape 170"/>
         <p:cNvGrpSpPr/>
         <p:nvPr/>
       </p:nvGrpSpPr>
@@ -1026,9 +1063,11 @@
       <p:sp>
         <p:nvSpPr>
           <p:cNvPr id="171" name="Google Shape;171;g35f391192_045:notes"/>
-          <p:cNvSpPr/>
+          <p:cNvSpPr>
+            <a:spLocks noGrp="1" noRot="1" noChangeAspect="1"/>
+          </p:cNvSpPr>
           <p:nvPr>
-            <p:ph idx="2" type="sldImg"/>
+            <p:ph type="sldImg" idx="2"/>
           </p:nvPr>
         </p:nvSpPr>
         <p:spPr>
@@ -1037,9 +1076,13 @@
             <a:ext cx="6096300" cy="3429000"/>
           </a:xfrm>
           <a:custGeom>
-            <a:rect b="b" l="l" r="r" t="t"/>
+            <a:avLst/>
+            <a:gdLst/>
+            <a:ahLst/>
+            <a:cxnLst/>
+            <a:rect l="l" t="t" r="r" b="b"/>
             <a:pathLst>
-              <a:path extrusionOk="0" h="120000" w="120000">
+              <a:path w="120000" h="120000" extrusionOk="0">
                 <a:moveTo>
                   <a:pt x="0" y="0"/>
                 </a:moveTo>
@@ -1061,9 +1104,11 @@
       <p:sp>
         <p:nvSpPr>
           <p:cNvPr id="172" name="Google Shape;172;g35f391192_045:notes"/>
-          <p:cNvSpPr txBox="1"/>
+          <p:cNvSpPr txBox="1">
+            <a:spLocks noGrp="1"/>
+          </p:cNvSpPr>
           <p:nvPr>
-            <p:ph idx="1" type="body"/>
+            <p:ph type="body" idx="1"/>
           </p:nvPr>
         </p:nvSpPr>
         <p:spPr>
@@ -1076,12 +1121,12 @@
           </a:prstGeom>
         </p:spPr>
         <p:txBody>
-          <a:bodyPr anchorCtr="0" anchor="t" bIns="91425" lIns="91425" spcFirstLastPara="1" rIns="91425" wrap="square" tIns="91425">
+          <a:bodyPr spcFirstLastPara="1" wrap="square" lIns="91425" tIns="91425" rIns="91425" bIns="91425" anchor="t" anchorCtr="0">
             <a:noAutofit/>
           </a:bodyPr>
           <a:lstStyle/>
           <a:p>
-            <a:pPr indent="0" lvl="0" marL="0" rtl="0" algn="l">
+            <a:pPr marL="0" lvl="0" indent="0" algn="l" rtl="0">
               <a:spcBef>
                 <a:spcPts val="0"/>
               </a:spcBef>
@@ -1090,9 +1135,6 @@
               </a:spcAft>
               <a:buNone/>
             </a:pPr>
-            <a:r>
-              <a:t/>
-            </a:r>
             <a:endParaRPr/>
           </a:p>
         </p:txBody>
@@ -1106,11 +1148,11 @@
 </file>
 
 <file path=ppt/notesSlides/notesSlide13.xml><?xml version="1.0" encoding="utf-8"?>
-<p:notes xmlns:a="http://schemas.openxmlformats.org/drawingml/2006/main" xmlns:r="http://schemas.openxmlformats.org/officeDocument/2006/relationships" xmlns:mc="http://schemas.openxmlformats.org/markup-compatibility/2006" xmlns:mv="urn:schemas-microsoft-com:mac:vml" xmlns:p="http://schemas.openxmlformats.org/presentationml/2006/main" xmlns:c="http://schemas.openxmlformats.org/drawingml/2006/chart" xmlns:dgm="http://schemas.openxmlformats.org/drawingml/2006/diagram" xmlns:o="urn:schemas-microsoft-com:office:office" xmlns:v="urn:schemas-microsoft-com:vml" xmlns:pvml="urn:schemas-microsoft-com:office:powerpoint" xmlns:com="http://schemas.openxmlformats.org/drawingml/2006/compatibility" xmlns:p14="http://schemas.microsoft.com/office/powerpoint/2010/main" xmlns:p15="http://schemas.microsoft.com/office/powerpoint/2012/main" showMasterPhAnim="0" showMasterSp="0">
+<p:notes xmlns:a="http://schemas.openxmlformats.org/drawingml/2006/main" xmlns:r="http://schemas.openxmlformats.org/officeDocument/2006/relationships" xmlns:p="http://schemas.openxmlformats.org/presentationml/2006/main" showMasterSp="0" showMasterPhAnim="0">
   <p:cSld>
     <p:spTree>
       <p:nvGrpSpPr>
-        <p:cNvPr id="179" name="Shape 179"/>
+        <p:cNvPr id="1" name="Shape 179"/>
         <p:cNvGrpSpPr/>
         <p:nvPr/>
       </p:nvGrpSpPr>
@@ -1125,9 +1167,11 @@
       <p:sp>
         <p:nvSpPr>
           <p:cNvPr id="180" name="Google Shape;180;g653ae019b3_1_6:notes"/>
-          <p:cNvSpPr/>
+          <p:cNvSpPr>
+            <a:spLocks noGrp="1" noRot="1" noChangeAspect="1"/>
+          </p:cNvSpPr>
           <p:nvPr>
-            <p:ph idx="2" type="sldImg"/>
+            <p:ph type="sldImg" idx="2"/>
           </p:nvPr>
         </p:nvSpPr>
         <p:spPr>
@@ -1136,9 +1180,13 @@
             <a:ext cx="6096300" cy="3429000"/>
           </a:xfrm>
           <a:custGeom>
-            <a:rect b="b" l="l" r="r" t="t"/>
+            <a:avLst/>
+            <a:gdLst/>
+            <a:ahLst/>
+            <a:cxnLst/>
+            <a:rect l="l" t="t" r="r" b="b"/>
             <a:pathLst>
-              <a:path extrusionOk="0" h="120000" w="120000">
+              <a:path w="120000" h="120000" extrusionOk="0">
                 <a:moveTo>
                   <a:pt x="0" y="0"/>
                 </a:moveTo>
@@ -1160,9 +1208,11 @@
       <p:sp>
         <p:nvSpPr>
           <p:cNvPr id="181" name="Google Shape;181;g653ae019b3_1_6:notes"/>
-          <p:cNvSpPr txBox="1"/>
+          <p:cNvSpPr txBox="1">
+            <a:spLocks noGrp="1"/>
+          </p:cNvSpPr>
           <p:nvPr>
-            <p:ph idx="1" type="body"/>
+            <p:ph type="body" idx="1"/>
           </p:nvPr>
         </p:nvSpPr>
         <p:spPr>
@@ -1175,12 +1225,12 @@
           </a:prstGeom>
         </p:spPr>
         <p:txBody>
-          <a:bodyPr anchorCtr="0" anchor="t" bIns="91425" lIns="91425" spcFirstLastPara="1" rIns="91425" wrap="square" tIns="91425">
+          <a:bodyPr spcFirstLastPara="1" wrap="square" lIns="91425" tIns="91425" rIns="91425" bIns="91425" anchor="t" anchorCtr="0">
             <a:noAutofit/>
           </a:bodyPr>
           <a:lstStyle/>
           <a:p>
-            <a:pPr indent="0" lvl="0" marL="0" rtl="0" algn="l">
+            <a:pPr marL="0" lvl="0" indent="0" algn="l" rtl="0">
               <a:spcBef>
                 <a:spcPts val="0"/>
               </a:spcBef>
@@ -1189,9 +1239,6 @@
               </a:spcAft>
               <a:buNone/>
             </a:pPr>
-            <a:r>
-              <a:t/>
-            </a:r>
             <a:endParaRPr/>
           </a:p>
         </p:txBody>
@@ -1205,11 +1252,11 @@
 </file>
 
 <file path=ppt/notesSlides/notesSlide14.xml><?xml version="1.0" encoding="utf-8"?>
-<p:notes xmlns:a="http://schemas.openxmlformats.org/drawingml/2006/main" xmlns:r="http://schemas.openxmlformats.org/officeDocument/2006/relationships" xmlns:mc="http://schemas.openxmlformats.org/markup-compatibility/2006" xmlns:mv="urn:schemas-microsoft-com:mac:vml" xmlns:p="http://schemas.openxmlformats.org/presentationml/2006/main" xmlns:c="http://schemas.openxmlformats.org/drawingml/2006/chart" xmlns:dgm="http://schemas.openxmlformats.org/drawingml/2006/diagram" xmlns:o="urn:schemas-microsoft-com:office:office" xmlns:v="urn:schemas-microsoft-com:vml" xmlns:pvml="urn:schemas-microsoft-com:office:powerpoint" xmlns:com="http://schemas.openxmlformats.org/drawingml/2006/compatibility" xmlns:p14="http://schemas.microsoft.com/office/powerpoint/2010/main" xmlns:p15="http://schemas.microsoft.com/office/powerpoint/2012/main" showMasterPhAnim="0" showMasterSp="0">
+<p:notes xmlns:a="http://schemas.openxmlformats.org/drawingml/2006/main" xmlns:r="http://schemas.openxmlformats.org/officeDocument/2006/relationships" xmlns:p="http://schemas.openxmlformats.org/presentationml/2006/main" showMasterSp="0" showMasterPhAnim="0">
   <p:cSld>
     <p:spTree>
       <p:nvGrpSpPr>
-        <p:cNvPr id="193" name="Shape 193"/>
+        <p:cNvPr id="1" name="Shape 193"/>
         <p:cNvGrpSpPr/>
         <p:nvPr/>
       </p:nvGrpSpPr>
@@ -1224,9 +1271,11 @@
       <p:sp>
         <p:nvSpPr>
           <p:cNvPr id="194" name="Google Shape;194;g638f85e620_0_5:notes"/>
-          <p:cNvSpPr/>
+          <p:cNvSpPr>
+            <a:spLocks noGrp="1" noRot="1" noChangeAspect="1"/>
+          </p:cNvSpPr>
           <p:nvPr>
-            <p:ph idx="2" type="sldImg"/>
+            <p:ph type="sldImg" idx="2"/>
           </p:nvPr>
         </p:nvSpPr>
         <p:spPr>
@@ -1235,9 +1284,13 @@
             <a:ext cx="6096300" cy="3429000"/>
           </a:xfrm>
           <a:custGeom>
-            <a:rect b="b" l="l" r="r" t="t"/>
+            <a:avLst/>
+            <a:gdLst/>
+            <a:ahLst/>
+            <a:cxnLst/>
+            <a:rect l="l" t="t" r="r" b="b"/>
             <a:pathLst>
-              <a:path extrusionOk="0" h="120000" w="120000">
+              <a:path w="120000" h="120000" extrusionOk="0">
                 <a:moveTo>
                   <a:pt x="0" y="0"/>
                 </a:moveTo>
@@ -1259,9 +1312,11 @@
       <p:sp>
         <p:nvSpPr>
           <p:cNvPr id="195" name="Google Shape;195;g638f85e620_0_5:notes"/>
-          <p:cNvSpPr txBox="1"/>
+          <p:cNvSpPr txBox="1">
+            <a:spLocks noGrp="1"/>
+          </p:cNvSpPr>
           <p:nvPr>
-            <p:ph idx="1" type="body"/>
+            <p:ph type="body" idx="1"/>
           </p:nvPr>
         </p:nvSpPr>
         <p:spPr>
@@ -1274,12 +1329,12 @@
           </a:prstGeom>
         </p:spPr>
         <p:txBody>
-          <a:bodyPr anchorCtr="0" anchor="t" bIns="91425" lIns="91425" spcFirstLastPara="1" rIns="91425" wrap="square" tIns="91425">
+          <a:bodyPr spcFirstLastPara="1" wrap="square" lIns="91425" tIns="91425" rIns="91425" bIns="91425" anchor="t" anchorCtr="0">
             <a:noAutofit/>
           </a:bodyPr>
           <a:lstStyle/>
           <a:p>
-            <a:pPr indent="0" lvl="0" marL="0" rtl="0" algn="l">
+            <a:pPr marL="0" lvl="0" indent="0" algn="l" rtl="0">
               <a:spcBef>
                 <a:spcPts val="0"/>
               </a:spcBef>
@@ -1288,9 +1343,6 @@
               </a:spcAft>
               <a:buNone/>
             </a:pPr>
-            <a:r>
-              <a:t/>
-            </a:r>
             <a:endParaRPr/>
           </a:p>
         </p:txBody>
@@ -1304,11 +1356,11 @@
 </file>
 
 <file path=ppt/notesSlides/notesSlide15.xml><?xml version="1.0" encoding="utf-8"?>
-<p:notes xmlns:a="http://schemas.openxmlformats.org/drawingml/2006/main" xmlns:r="http://schemas.openxmlformats.org/officeDocument/2006/relationships" xmlns:mc="http://schemas.openxmlformats.org/markup-compatibility/2006" xmlns:mv="urn:schemas-microsoft-com:mac:vml" xmlns:p="http://schemas.openxmlformats.org/presentationml/2006/main" xmlns:c="http://schemas.openxmlformats.org/drawingml/2006/chart" xmlns:dgm="http://schemas.openxmlformats.org/drawingml/2006/diagram" xmlns:o="urn:schemas-microsoft-com:office:office" xmlns:v="urn:schemas-microsoft-com:vml" xmlns:pvml="urn:schemas-microsoft-com:office:powerpoint" xmlns:com="http://schemas.openxmlformats.org/drawingml/2006/compatibility" xmlns:p14="http://schemas.microsoft.com/office/powerpoint/2010/main" xmlns:p15="http://schemas.microsoft.com/office/powerpoint/2012/main" showMasterPhAnim="0" showMasterSp="0">
+<p:notes xmlns:a="http://schemas.openxmlformats.org/drawingml/2006/main" xmlns:r="http://schemas.openxmlformats.org/officeDocument/2006/relationships" xmlns:p="http://schemas.openxmlformats.org/presentationml/2006/main" showMasterSp="0" showMasterPhAnim="0">
   <p:cSld>
     <p:spTree>
       <p:nvGrpSpPr>
-        <p:cNvPr id="203" name="Shape 203"/>
+        <p:cNvPr id="1" name="Shape 203"/>
         <p:cNvGrpSpPr/>
         <p:nvPr/>
       </p:nvGrpSpPr>
@@ -1323,9 +1375,11 @@
       <p:sp>
         <p:nvSpPr>
           <p:cNvPr id="204" name="Google Shape;204;g35ed75ccf_022:notes"/>
-          <p:cNvSpPr/>
+          <p:cNvSpPr>
+            <a:spLocks noGrp="1" noRot="1" noChangeAspect="1"/>
+          </p:cNvSpPr>
           <p:nvPr>
-            <p:ph idx="2" type="sldImg"/>
+            <p:ph type="sldImg" idx="2"/>
           </p:nvPr>
         </p:nvSpPr>
         <p:spPr>
@@ -1334,9 +1388,13 @@
             <a:ext cx="6096300" cy="3429000"/>
           </a:xfrm>
           <a:custGeom>
-            <a:rect b="b" l="l" r="r" t="t"/>
+            <a:avLst/>
+            <a:gdLst/>
+            <a:ahLst/>
+            <a:cxnLst/>
+            <a:rect l="l" t="t" r="r" b="b"/>
             <a:pathLst>
-              <a:path extrusionOk="0" h="120000" w="120000">
+              <a:path w="120000" h="120000" extrusionOk="0">
                 <a:moveTo>
                   <a:pt x="0" y="0"/>
                 </a:moveTo>
@@ -1358,9 +1416,11 @@
       <p:sp>
         <p:nvSpPr>
           <p:cNvPr id="205" name="Google Shape;205;g35ed75ccf_022:notes"/>
-          <p:cNvSpPr txBox="1"/>
+          <p:cNvSpPr txBox="1">
+            <a:spLocks noGrp="1"/>
+          </p:cNvSpPr>
           <p:nvPr>
-            <p:ph idx="1" type="body"/>
+            <p:ph type="body" idx="1"/>
           </p:nvPr>
         </p:nvSpPr>
         <p:spPr>
@@ -1373,12 +1433,12 @@
           </a:prstGeom>
         </p:spPr>
         <p:txBody>
-          <a:bodyPr anchorCtr="0" anchor="t" bIns="91425" lIns="91425" spcFirstLastPara="1" rIns="91425" wrap="square" tIns="91425">
+          <a:bodyPr spcFirstLastPara="1" wrap="square" lIns="91425" tIns="91425" rIns="91425" bIns="91425" anchor="t" anchorCtr="0">
             <a:noAutofit/>
           </a:bodyPr>
           <a:lstStyle/>
           <a:p>
-            <a:pPr indent="0" lvl="0" marL="0" rtl="0" algn="l">
+            <a:pPr marL="0" lvl="0" indent="0" algn="l" rtl="0">
               <a:spcBef>
                 <a:spcPts val="0"/>
               </a:spcBef>
@@ -1387,9 +1447,6 @@
               </a:spcAft>
               <a:buNone/>
             </a:pPr>
-            <a:r>
-              <a:t/>
-            </a:r>
             <a:endParaRPr/>
           </a:p>
         </p:txBody>
@@ -1403,11 +1460,11 @@
 </file>
 
 <file path=ppt/notesSlides/notesSlide2.xml><?xml version="1.0" encoding="utf-8"?>
-<p:notes xmlns:a="http://schemas.openxmlformats.org/drawingml/2006/main" xmlns:r="http://schemas.openxmlformats.org/officeDocument/2006/relationships" xmlns:mc="http://schemas.openxmlformats.org/markup-compatibility/2006" xmlns:mv="urn:schemas-microsoft-com:mac:vml" xmlns:p="http://schemas.openxmlformats.org/presentationml/2006/main" xmlns:c="http://schemas.openxmlformats.org/drawingml/2006/chart" xmlns:dgm="http://schemas.openxmlformats.org/drawingml/2006/diagram" xmlns:o="urn:schemas-microsoft-com:office:office" xmlns:v="urn:schemas-microsoft-com:vml" xmlns:pvml="urn:schemas-microsoft-com:office:powerpoint" xmlns:com="http://schemas.openxmlformats.org/drawingml/2006/compatibility" xmlns:p14="http://schemas.microsoft.com/office/powerpoint/2010/main" xmlns:p15="http://schemas.microsoft.com/office/powerpoint/2012/main" showMasterPhAnim="0" showMasterSp="0">
+<p:notes xmlns:a="http://schemas.openxmlformats.org/drawingml/2006/main" xmlns:r="http://schemas.openxmlformats.org/officeDocument/2006/relationships" xmlns:p="http://schemas.openxmlformats.org/presentationml/2006/main" showMasterSp="0" showMasterPhAnim="0">
   <p:cSld>
     <p:spTree>
       <p:nvGrpSpPr>
-        <p:cNvPr id="68" name="Shape 68"/>
+        <p:cNvPr id="1" name="Shape 68"/>
         <p:cNvGrpSpPr/>
         <p:nvPr/>
       </p:nvGrpSpPr>
@@ -1422,9 +1479,11 @@
       <p:sp>
         <p:nvSpPr>
           <p:cNvPr id="69" name="Google Shape;69;g35f391192_04:notes"/>
-          <p:cNvSpPr/>
+          <p:cNvSpPr>
+            <a:spLocks noGrp="1" noRot="1" noChangeAspect="1"/>
+          </p:cNvSpPr>
           <p:nvPr>
-            <p:ph idx="2" type="sldImg"/>
+            <p:ph type="sldImg" idx="2"/>
           </p:nvPr>
         </p:nvSpPr>
         <p:spPr>
@@ -1433,9 +1492,13 @@
             <a:ext cx="6096300" cy="3429000"/>
           </a:xfrm>
           <a:custGeom>
-            <a:rect b="b" l="l" r="r" t="t"/>
+            <a:avLst/>
+            <a:gdLst/>
+            <a:ahLst/>
+            <a:cxnLst/>
+            <a:rect l="l" t="t" r="r" b="b"/>
             <a:pathLst>
-              <a:path extrusionOk="0" h="120000" w="120000">
+              <a:path w="120000" h="120000" extrusionOk="0">
                 <a:moveTo>
                   <a:pt x="0" y="0"/>
                 </a:moveTo>
@@ -1457,9 +1520,11 @@
       <p:sp>
         <p:nvSpPr>
           <p:cNvPr id="70" name="Google Shape;70;g35f391192_04:notes"/>
-          <p:cNvSpPr txBox="1"/>
+          <p:cNvSpPr txBox="1">
+            <a:spLocks noGrp="1"/>
+          </p:cNvSpPr>
           <p:nvPr>
-            <p:ph idx="1" type="body"/>
+            <p:ph type="body" idx="1"/>
           </p:nvPr>
         </p:nvSpPr>
         <p:spPr>
@@ -1472,12 +1537,12 @@
           </a:prstGeom>
         </p:spPr>
         <p:txBody>
-          <a:bodyPr anchorCtr="0" anchor="t" bIns="91425" lIns="91425" spcFirstLastPara="1" rIns="91425" wrap="square" tIns="91425">
+          <a:bodyPr spcFirstLastPara="1" wrap="square" lIns="91425" tIns="91425" rIns="91425" bIns="91425" anchor="t" anchorCtr="0">
             <a:noAutofit/>
           </a:bodyPr>
           <a:lstStyle/>
           <a:p>
-            <a:pPr indent="0" lvl="0" marL="0" rtl="0" algn="l">
+            <a:pPr marL="0" lvl="0" indent="0" algn="l" rtl="0">
               <a:spcBef>
                 <a:spcPts val="0"/>
               </a:spcBef>
@@ -1486,9 +1551,6 @@
               </a:spcAft>
               <a:buNone/>
             </a:pPr>
-            <a:r>
-              <a:t/>
-            </a:r>
             <a:endParaRPr/>
           </a:p>
         </p:txBody>
@@ -1502,11 +1564,11 @@
 </file>
 
 <file path=ppt/notesSlides/notesSlide3.xml><?xml version="1.0" encoding="utf-8"?>
-<p:notes xmlns:a="http://schemas.openxmlformats.org/drawingml/2006/main" xmlns:r="http://schemas.openxmlformats.org/officeDocument/2006/relationships" xmlns:mc="http://schemas.openxmlformats.org/markup-compatibility/2006" xmlns:mv="urn:schemas-microsoft-com:mac:vml" xmlns:p="http://schemas.openxmlformats.org/presentationml/2006/main" xmlns:c="http://schemas.openxmlformats.org/drawingml/2006/chart" xmlns:dgm="http://schemas.openxmlformats.org/drawingml/2006/diagram" xmlns:o="urn:schemas-microsoft-com:office:office" xmlns:v="urn:schemas-microsoft-com:vml" xmlns:pvml="urn:schemas-microsoft-com:office:powerpoint" xmlns:com="http://schemas.openxmlformats.org/drawingml/2006/compatibility" xmlns:p14="http://schemas.microsoft.com/office/powerpoint/2010/main" xmlns:p15="http://schemas.microsoft.com/office/powerpoint/2012/main" showMasterPhAnim="0" showMasterSp="0">
+<p:notes xmlns:a="http://schemas.openxmlformats.org/drawingml/2006/main" xmlns:r="http://schemas.openxmlformats.org/officeDocument/2006/relationships" xmlns:p="http://schemas.openxmlformats.org/presentationml/2006/main" showMasterSp="0" showMasterPhAnim="0">
   <p:cSld>
     <p:spTree>
       <p:nvGrpSpPr>
-        <p:cNvPr id="77" name="Shape 77"/>
+        <p:cNvPr id="1" name="Shape 77"/>
         <p:cNvGrpSpPr/>
         <p:nvPr/>
       </p:nvGrpSpPr>
@@ -1521,9 +1583,11 @@
       <p:sp>
         <p:nvSpPr>
           <p:cNvPr id="78" name="Google Shape;78;g35f391192_029:notes"/>
-          <p:cNvSpPr/>
+          <p:cNvSpPr>
+            <a:spLocks noGrp="1" noRot="1" noChangeAspect="1"/>
+          </p:cNvSpPr>
           <p:nvPr>
-            <p:ph idx="2" type="sldImg"/>
+            <p:ph type="sldImg" idx="2"/>
           </p:nvPr>
         </p:nvSpPr>
         <p:spPr>
@@ -1532,9 +1596,13 @@
             <a:ext cx="6096300" cy="3429000"/>
           </a:xfrm>
           <a:custGeom>
-            <a:rect b="b" l="l" r="r" t="t"/>
+            <a:avLst/>
+            <a:gdLst/>
+            <a:ahLst/>
+            <a:cxnLst/>
+            <a:rect l="l" t="t" r="r" b="b"/>
             <a:pathLst>
-              <a:path extrusionOk="0" h="120000" w="120000">
+              <a:path w="120000" h="120000" extrusionOk="0">
                 <a:moveTo>
                   <a:pt x="0" y="0"/>
                 </a:moveTo>
@@ -1556,9 +1624,11 @@
       <p:sp>
         <p:nvSpPr>
           <p:cNvPr id="79" name="Google Shape;79;g35f391192_029:notes"/>
-          <p:cNvSpPr txBox="1"/>
+          <p:cNvSpPr txBox="1">
+            <a:spLocks noGrp="1"/>
+          </p:cNvSpPr>
           <p:nvPr>
-            <p:ph idx="1" type="body"/>
+            <p:ph type="body" idx="1"/>
           </p:nvPr>
         </p:nvSpPr>
         <p:spPr>
@@ -1571,12 +1641,12 @@
           </a:prstGeom>
         </p:spPr>
         <p:txBody>
-          <a:bodyPr anchorCtr="0" anchor="t" bIns="91425" lIns="91425" spcFirstLastPara="1" rIns="91425" wrap="square" tIns="91425">
+          <a:bodyPr spcFirstLastPara="1" wrap="square" lIns="91425" tIns="91425" rIns="91425" bIns="91425" anchor="t" anchorCtr="0">
             <a:noAutofit/>
           </a:bodyPr>
           <a:lstStyle/>
           <a:p>
-            <a:pPr indent="0" lvl="0" marL="0" rtl="0" algn="l">
+            <a:pPr marL="0" lvl="0" indent="0" algn="l" rtl="0">
               <a:spcBef>
                 <a:spcPts val="0"/>
               </a:spcBef>
@@ -1585,9 +1655,6 @@
               </a:spcAft>
               <a:buNone/>
             </a:pPr>
-            <a:r>
-              <a:t/>
-            </a:r>
             <a:endParaRPr/>
           </a:p>
         </p:txBody>
@@ -1601,11 +1668,11 @@
 </file>
 
 <file path=ppt/notesSlides/notesSlide4.xml><?xml version="1.0" encoding="utf-8"?>
-<p:notes xmlns:a="http://schemas.openxmlformats.org/drawingml/2006/main" xmlns:r="http://schemas.openxmlformats.org/officeDocument/2006/relationships" xmlns:mc="http://schemas.openxmlformats.org/markup-compatibility/2006" xmlns:mv="urn:schemas-microsoft-com:mac:vml" xmlns:p="http://schemas.openxmlformats.org/presentationml/2006/main" xmlns:c="http://schemas.openxmlformats.org/drawingml/2006/chart" xmlns:dgm="http://schemas.openxmlformats.org/drawingml/2006/diagram" xmlns:o="urn:schemas-microsoft-com:office:office" xmlns:v="urn:schemas-microsoft-com:vml" xmlns:pvml="urn:schemas-microsoft-com:office:powerpoint" xmlns:com="http://schemas.openxmlformats.org/drawingml/2006/compatibility" xmlns:p14="http://schemas.microsoft.com/office/powerpoint/2010/main" xmlns:p15="http://schemas.microsoft.com/office/powerpoint/2012/main" showMasterPhAnim="0" showMasterSp="0">
+<p:notes xmlns:a="http://schemas.openxmlformats.org/drawingml/2006/main" xmlns:r="http://schemas.openxmlformats.org/officeDocument/2006/relationships" xmlns:p="http://schemas.openxmlformats.org/presentationml/2006/main" showMasterSp="0" showMasterPhAnim="0">
   <p:cSld>
     <p:spTree>
       <p:nvGrpSpPr>
-        <p:cNvPr id="86" name="Shape 86"/>
+        <p:cNvPr id="1" name="Shape 86"/>
         <p:cNvGrpSpPr/>
         <p:nvPr/>
       </p:nvGrpSpPr>
@@ -1620,9 +1687,11 @@
       <p:sp>
         <p:nvSpPr>
           <p:cNvPr id="87" name="Google Shape;87;p:notes"/>
-          <p:cNvSpPr/>
+          <p:cNvSpPr>
+            <a:spLocks noGrp="1" noRot="1" noChangeAspect="1"/>
+          </p:cNvSpPr>
           <p:nvPr>
-            <p:ph idx="2" type="sldImg"/>
+            <p:ph type="sldImg" idx="2"/>
           </p:nvPr>
         </p:nvSpPr>
         <p:spPr>
@@ -1631,9 +1700,13 @@
             <a:ext cx="6096300" cy="3429000"/>
           </a:xfrm>
           <a:custGeom>
-            <a:rect b="b" l="l" r="r" t="t"/>
+            <a:avLst/>
+            <a:gdLst/>
+            <a:ahLst/>
+            <a:cxnLst/>
+            <a:rect l="l" t="t" r="r" b="b"/>
             <a:pathLst>
-              <a:path extrusionOk="0" h="120000" w="120000">
+              <a:path w="120000" h="120000" extrusionOk="0">
                 <a:moveTo>
                   <a:pt x="0" y="0"/>
                 </a:moveTo>
@@ -1655,9 +1728,11 @@
       <p:sp>
         <p:nvSpPr>
           <p:cNvPr id="88" name="Google Shape;88;p:notes"/>
-          <p:cNvSpPr txBox="1"/>
+          <p:cNvSpPr txBox="1">
+            <a:spLocks noGrp="1"/>
+          </p:cNvSpPr>
           <p:nvPr>
-            <p:ph idx="1" type="body"/>
+            <p:ph type="body" idx="1"/>
           </p:nvPr>
         </p:nvSpPr>
         <p:spPr>
@@ -1670,12 +1745,12 @@
           </a:prstGeom>
         </p:spPr>
         <p:txBody>
-          <a:bodyPr anchorCtr="0" anchor="t" bIns="91425" lIns="91425" spcFirstLastPara="1" rIns="91425" wrap="square" tIns="91425">
+          <a:bodyPr spcFirstLastPara="1" wrap="square" lIns="91425" tIns="91425" rIns="91425" bIns="91425" anchor="t" anchorCtr="0">
             <a:noAutofit/>
           </a:bodyPr>
           <a:lstStyle/>
           <a:p>
-            <a:pPr indent="0" lvl="0" marL="0" rtl="0" algn="l">
+            <a:pPr marL="0" lvl="0" indent="0" algn="l" rtl="0">
               <a:spcBef>
                 <a:spcPts val="0"/>
               </a:spcBef>
@@ -1684,9 +1759,6 @@
               </a:spcAft>
               <a:buNone/>
             </a:pPr>
-            <a:r>
-              <a:t/>
-            </a:r>
             <a:endParaRPr/>
           </a:p>
         </p:txBody>
@@ -1700,11 +1772,11 @@
 </file>
 
 <file path=ppt/notesSlides/notesSlide5.xml><?xml version="1.0" encoding="utf-8"?>
-<p:notes xmlns:a="http://schemas.openxmlformats.org/drawingml/2006/main" xmlns:r="http://schemas.openxmlformats.org/officeDocument/2006/relationships" xmlns:mc="http://schemas.openxmlformats.org/markup-compatibility/2006" xmlns:mv="urn:schemas-microsoft-com:mac:vml" xmlns:p="http://schemas.openxmlformats.org/presentationml/2006/main" xmlns:c="http://schemas.openxmlformats.org/drawingml/2006/chart" xmlns:dgm="http://schemas.openxmlformats.org/drawingml/2006/diagram" xmlns:o="urn:schemas-microsoft-com:office:office" xmlns:v="urn:schemas-microsoft-com:vml" xmlns:pvml="urn:schemas-microsoft-com:office:powerpoint" xmlns:com="http://schemas.openxmlformats.org/drawingml/2006/compatibility" xmlns:p14="http://schemas.microsoft.com/office/powerpoint/2010/main" xmlns:p15="http://schemas.microsoft.com/office/powerpoint/2012/main" showMasterPhAnim="0" showMasterSp="0">
+<p:notes xmlns:a="http://schemas.openxmlformats.org/drawingml/2006/main" xmlns:r="http://schemas.openxmlformats.org/officeDocument/2006/relationships" xmlns:p="http://schemas.openxmlformats.org/presentationml/2006/main" showMasterSp="0" showMasterPhAnim="0">
   <p:cSld>
     <p:spTree>
       <p:nvGrpSpPr>
-        <p:cNvPr id="92" name="Shape 92"/>
+        <p:cNvPr id="1" name="Shape 92"/>
         <p:cNvGrpSpPr/>
         <p:nvPr/>
       </p:nvGrpSpPr>
@@ -1719,9 +1791,11 @@
       <p:sp>
         <p:nvSpPr>
           <p:cNvPr id="93" name="Google Shape;93;g35ed75ccf_033:notes"/>
-          <p:cNvSpPr/>
+          <p:cNvSpPr>
+            <a:spLocks noGrp="1" noRot="1" noChangeAspect="1"/>
+          </p:cNvSpPr>
           <p:nvPr>
-            <p:ph idx="2" type="sldImg"/>
+            <p:ph type="sldImg" idx="2"/>
           </p:nvPr>
         </p:nvSpPr>
         <p:spPr>
@@ -1730,9 +1804,13 @@
             <a:ext cx="6096300" cy="3429000"/>
           </a:xfrm>
           <a:custGeom>
-            <a:rect b="b" l="l" r="r" t="t"/>
+            <a:avLst/>
+            <a:gdLst/>
+            <a:ahLst/>
+            <a:cxnLst/>
+            <a:rect l="l" t="t" r="r" b="b"/>
             <a:pathLst>
-              <a:path extrusionOk="0" h="120000" w="120000">
+              <a:path w="120000" h="120000" extrusionOk="0">
                 <a:moveTo>
                   <a:pt x="0" y="0"/>
                 </a:moveTo>
@@ -1754,9 +1832,11 @@
       <p:sp>
         <p:nvSpPr>
           <p:cNvPr id="94" name="Google Shape;94;g35ed75ccf_033:notes"/>
-          <p:cNvSpPr txBox="1"/>
+          <p:cNvSpPr txBox="1">
+            <a:spLocks noGrp="1"/>
+          </p:cNvSpPr>
           <p:nvPr>
-            <p:ph idx="1" type="body"/>
+            <p:ph type="body" idx="1"/>
           </p:nvPr>
         </p:nvSpPr>
         <p:spPr>
@@ -1769,12 +1849,12 @@
           </a:prstGeom>
         </p:spPr>
         <p:txBody>
-          <a:bodyPr anchorCtr="0" anchor="t" bIns="91425" lIns="91425" spcFirstLastPara="1" rIns="91425" wrap="square" tIns="91425">
+          <a:bodyPr spcFirstLastPara="1" wrap="square" lIns="91425" tIns="91425" rIns="91425" bIns="91425" anchor="t" anchorCtr="0">
             <a:noAutofit/>
           </a:bodyPr>
           <a:lstStyle/>
           <a:p>
-            <a:pPr indent="0" lvl="0" marL="0" rtl="0" algn="l">
+            <a:pPr marL="0" lvl="0" indent="0" algn="l" rtl="0">
               <a:spcBef>
                 <a:spcPts val="0"/>
               </a:spcBef>
@@ -1783,9 +1863,6 @@
               </a:spcAft>
               <a:buNone/>
             </a:pPr>
-            <a:r>
-              <a:t/>
-            </a:r>
             <a:endParaRPr/>
           </a:p>
         </p:txBody>
@@ -1799,11 +1876,11 @@
 </file>
 
 <file path=ppt/notesSlides/notesSlide6.xml><?xml version="1.0" encoding="utf-8"?>
-<p:notes xmlns:a="http://schemas.openxmlformats.org/drawingml/2006/main" xmlns:r="http://schemas.openxmlformats.org/officeDocument/2006/relationships" xmlns:mc="http://schemas.openxmlformats.org/markup-compatibility/2006" xmlns:mv="urn:schemas-microsoft-com:mac:vml" xmlns:p="http://schemas.openxmlformats.org/presentationml/2006/main" xmlns:c="http://schemas.openxmlformats.org/drawingml/2006/chart" xmlns:dgm="http://schemas.openxmlformats.org/drawingml/2006/diagram" xmlns:o="urn:schemas-microsoft-com:office:office" xmlns:v="urn:schemas-microsoft-com:vml" xmlns:pvml="urn:schemas-microsoft-com:office:powerpoint" xmlns:com="http://schemas.openxmlformats.org/drawingml/2006/compatibility" xmlns:p14="http://schemas.microsoft.com/office/powerpoint/2010/main" xmlns:p15="http://schemas.microsoft.com/office/powerpoint/2012/main" showMasterPhAnim="0" showMasterSp="0">
+<p:notes xmlns:a="http://schemas.openxmlformats.org/drawingml/2006/main" xmlns:r="http://schemas.openxmlformats.org/officeDocument/2006/relationships" xmlns:p="http://schemas.openxmlformats.org/presentationml/2006/main" showMasterSp="0" showMasterPhAnim="0">
   <p:cSld>
     <p:spTree>
       <p:nvGrpSpPr>
-        <p:cNvPr id="103" name="Shape 103"/>
+        <p:cNvPr id="1" name="Shape 103"/>
         <p:cNvGrpSpPr/>
         <p:nvPr/>
       </p:nvGrpSpPr>
@@ -1818,9 +1895,11 @@
       <p:sp>
         <p:nvSpPr>
           <p:cNvPr id="104" name="Google Shape;104;g35ed75ccf_015:notes"/>
-          <p:cNvSpPr/>
+          <p:cNvSpPr>
+            <a:spLocks noGrp="1" noRot="1" noChangeAspect="1"/>
+          </p:cNvSpPr>
           <p:nvPr>
-            <p:ph idx="2" type="sldImg"/>
+            <p:ph type="sldImg" idx="2"/>
           </p:nvPr>
         </p:nvSpPr>
         <p:spPr>
@@ -1829,9 +1908,13 @@
             <a:ext cx="6096300" cy="3429000"/>
           </a:xfrm>
           <a:custGeom>
-            <a:rect b="b" l="l" r="r" t="t"/>
+            <a:avLst/>
+            <a:gdLst/>
+            <a:ahLst/>
+            <a:cxnLst/>
+            <a:rect l="l" t="t" r="r" b="b"/>
             <a:pathLst>
-              <a:path extrusionOk="0" h="120000" w="120000">
+              <a:path w="120000" h="120000" extrusionOk="0">
                 <a:moveTo>
                   <a:pt x="0" y="0"/>
                 </a:moveTo>
@@ -1853,9 +1936,11 @@
       <p:sp>
         <p:nvSpPr>
           <p:cNvPr id="105" name="Google Shape;105;g35ed75ccf_015:notes"/>
-          <p:cNvSpPr txBox="1"/>
+          <p:cNvSpPr txBox="1">
+            <a:spLocks noGrp="1"/>
+          </p:cNvSpPr>
           <p:nvPr>
-            <p:ph idx="1" type="body"/>
+            <p:ph type="body" idx="1"/>
           </p:nvPr>
         </p:nvSpPr>
         <p:spPr>
@@ -1868,12 +1953,12 @@
           </a:prstGeom>
         </p:spPr>
         <p:txBody>
-          <a:bodyPr anchorCtr="0" anchor="t" bIns="91425" lIns="91425" spcFirstLastPara="1" rIns="91425" wrap="square" tIns="91425">
+          <a:bodyPr spcFirstLastPara="1" wrap="square" lIns="91425" tIns="91425" rIns="91425" bIns="91425" anchor="t" anchorCtr="0">
             <a:noAutofit/>
           </a:bodyPr>
           <a:lstStyle/>
           <a:p>
-            <a:pPr indent="0" lvl="0" marL="0" rtl="0" algn="l">
+            <a:pPr marL="0" lvl="0" indent="0" algn="l" rtl="0">
               <a:spcBef>
                 <a:spcPts val="0"/>
               </a:spcBef>
@@ -1882,9 +1967,6 @@
               </a:spcAft>
               <a:buNone/>
             </a:pPr>
-            <a:r>
-              <a:t/>
-            </a:r>
             <a:endParaRPr/>
           </a:p>
         </p:txBody>
@@ -1898,11 +1980,11 @@
 </file>
 
 <file path=ppt/notesSlides/notesSlide7.xml><?xml version="1.0" encoding="utf-8"?>
-<p:notes xmlns:a="http://schemas.openxmlformats.org/drawingml/2006/main" xmlns:r="http://schemas.openxmlformats.org/officeDocument/2006/relationships" xmlns:mc="http://schemas.openxmlformats.org/markup-compatibility/2006" xmlns:mv="urn:schemas-microsoft-com:mac:vml" xmlns:p="http://schemas.openxmlformats.org/presentationml/2006/main" xmlns:c="http://schemas.openxmlformats.org/drawingml/2006/chart" xmlns:dgm="http://schemas.openxmlformats.org/drawingml/2006/diagram" xmlns:o="urn:schemas-microsoft-com:office:office" xmlns:v="urn:schemas-microsoft-com:vml" xmlns:pvml="urn:schemas-microsoft-com:office:powerpoint" xmlns:com="http://schemas.openxmlformats.org/drawingml/2006/compatibility" xmlns:p14="http://schemas.microsoft.com/office/powerpoint/2010/main" xmlns:p15="http://schemas.microsoft.com/office/powerpoint/2012/main" showMasterPhAnim="0" showMasterSp="0">
+<p:notes xmlns:a="http://schemas.openxmlformats.org/drawingml/2006/main" xmlns:r="http://schemas.openxmlformats.org/officeDocument/2006/relationships" xmlns:p="http://schemas.openxmlformats.org/presentationml/2006/main" showMasterSp="0" showMasterPhAnim="0">
   <p:cSld>
     <p:spTree>
       <p:nvGrpSpPr>
-        <p:cNvPr id="126" name="Shape 126"/>
+        <p:cNvPr id="1" name="Shape 126"/>
         <p:cNvGrpSpPr/>
         <p:nvPr/>
       </p:nvGrpSpPr>
@@ -1917,9 +1999,11 @@
       <p:sp>
         <p:nvSpPr>
           <p:cNvPr id="127" name="Google Shape;127;g35f391192_017:notes"/>
-          <p:cNvSpPr/>
+          <p:cNvSpPr>
+            <a:spLocks noGrp="1" noRot="1" noChangeAspect="1"/>
+          </p:cNvSpPr>
           <p:nvPr>
-            <p:ph idx="2" type="sldImg"/>
+            <p:ph type="sldImg" idx="2"/>
           </p:nvPr>
         </p:nvSpPr>
         <p:spPr>
@@ -1928,9 +2012,13 @@
             <a:ext cx="6096300" cy="3429000"/>
           </a:xfrm>
           <a:custGeom>
-            <a:rect b="b" l="l" r="r" t="t"/>
+            <a:avLst/>
+            <a:gdLst/>
+            <a:ahLst/>
+            <a:cxnLst/>
+            <a:rect l="l" t="t" r="r" b="b"/>
             <a:pathLst>
-              <a:path extrusionOk="0" h="120000" w="120000">
+              <a:path w="120000" h="120000" extrusionOk="0">
                 <a:moveTo>
                   <a:pt x="0" y="0"/>
                 </a:moveTo>
@@ -1952,9 +2040,11 @@
       <p:sp>
         <p:nvSpPr>
           <p:cNvPr id="128" name="Google Shape;128;g35f391192_017:notes"/>
-          <p:cNvSpPr txBox="1"/>
+          <p:cNvSpPr txBox="1">
+            <a:spLocks noGrp="1"/>
+          </p:cNvSpPr>
           <p:nvPr>
-            <p:ph idx="1" type="body"/>
+            <p:ph type="body" idx="1"/>
           </p:nvPr>
         </p:nvSpPr>
         <p:spPr>
@@ -1967,12 +2057,12 @@
           </a:prstGeom>
         </p:spPr>
         <p:txBody>
-          <a:bodyPr anchorCtr="0" anchor="t" bIns="91425" lIns="91425" spcFirstLastPara="1" rIns="91425" wrap="square" tIns="91425">
+          <a:bodyPr spcFirstLastPara="1" wrap="square" lIns="91425" tIns="91425" rIns="91425" bIns="91425" anchor="t" anchorCtr="0">
             <a:noAutofit/>
           </a:bodyPr>
           <a:lstStyle/>
           <a:p>
-            <a:pPr indent="0" lvl="0" marL="0" rtl="0" algn="l">
+            <a:pPr marL="0" lvl="0" indent="0" algn="l" rtl="0">
               <a:spcBef>
                 <a:spcPts val="0"/>
               </a:spcBef>
@@ -1981,9 +2071,6 @@
               </a:spcAft>
               <a:buNone/>
             </a:pPr>
-            <a:r>
-              <a:t/>
-            </a:r>
             <a:endParaRPr/>
           </a:p>
         </p:txBody>
@@ -1997,11 +2084,11 @@
 </file>
 
 <file path=ppt/notesSlides/notesSlide8.xml><?xml version="1.0" encoding="utf-8"?>
-<p:notes xmlns:a="http://schemas.openxmlformats.org/drawingml/2006/main" xmlns:r="http://schemas.openxmlformats.org/officeDocument/2006/relationships" xmlns:mc="http://schemas.openxmlformats.org/markup-compatibility/2006" xmlns:mv="urn:schemas-microsoft-com:mac:vml" xmlns:p="http://schemas.openxmlformats.org/presentationml/2006/main" xmlns:c="http://schemas.openxmlformats.org/drawingml/2006/chart" xmlns:dgm="http://schemas.openxmlformats.org/drawingml/2006/diagram" xmlns:o="urn:schemas-microsoft-com:office:office" xmlns:v="urn:schemas-microsoft-com:vml" xmlns:pvml="urn:schemas-microsoft-com:office:powerpoint" xmlns:com="http://schemas.openxmlformats.org/drawingml/2006/compatibility" xmlns:p14="http://schemas.microsoft.com/office/powerpoint/2010/main" xmlns:p15="http://schemas.microsoft.com/office/powerpoint/2012/main" showMasterPhAnim="0" showMasterSp="0">
+<p:notes xmlns:a="http://schemas.openxmlformats.org/drawingml/2006/main" xmlns:r="http://schemas.openxmlformats.org/officeDocument/2006/relationships" xmlns:p="http://schemas.openxmlformats.org/presentationml/2006/main" showMasterSp="0" showMasterPhAnim="0">
   <p:cSld>
     <p:spTree>
       <p:nvGrpSpPr>
-        <p:cNvPr id="133" name="Shape 133"/>
+        <p:cNvPr id="1" name="Shape 133"/>
         <p:cNvGrpSpPr/>
         <p:nvPr/>
       </p:nvGrpSpPr>
@@ -2016,9 +2103,11 @@
       <p:sp>
         <p:nvSpPr>
           <p:cNvPr id="134" name="Google Shape;134;g35f391192_057:notes"/>
-          <p:cNvSpPr/>
+          <p:cNvSpPr>
+            <a:spLocks noGrp="1" noRot="1" noChangeAspect="1"/>
+          </p:cNvSpPr>
           <p:nvPr>
-            <p:ph idx="2" type="sldImg"/>
+            <p:ph type="sldImg" idx="2"/>
           </p:nvPr>
         </p:nvSpPr>
         <p:spPr>
@@ -2027,9 +2116,13 @@
             <a:ext cx="6096300" cy="3429000"/>
           </a:xfrm>
           <a:custGeom>
-            <a:rect b="b" l="l" r="r" t="t"/>
+            <a:avLst/>
+            <a:gdLst/>
+            <a:ahLst/>
+            <a:cxnLst/>
+            <a:rect l="l" t="t" r="r" b="b"/>
             <a:pathLst>
-              <a:path extrusionOk="0" h="120000" w="120000">
+              <a:path w="120000" h="120000" extrusionOk="0">
                 <a:moveTo>
                   <a:pt x="0" y="0"/>
                 </a:moveTo>
@@ -2051,9 +2144,11 @@
       <p:sp>
         <p:nvSpPr>
           <p:cNvPr id="135" name="Google Shape;135;g35f391192_057:notes"/>
-          <p:cNvSpPr txBox="1"/>
+          <p:cNvSpPr txBox="1">
+            <a:spLocks noGrp="1"/>
+          </p:cNvSpPr>
           <p:nvPr>
-            <p:ph idx="1" type="body"/>
+            <p:ph type="body" idx="1"/>
           </p:nvPr>
         </p:nvSpPr>
         <p:spPr>
@@ -2066,12 +2161,12 @@
           </a:prstGeom>
         </p:spPr>
         <p:txBody>
-          <a:bodyPr anchorCtr="0" anchor="t" bIns="91425" lIns="91425" spcFirstLastPara="1" rIns="91425" wrap="square" tIns="91425">
+          <a:bodyPr spcFirstLastPara="1" wrap="square" lIns="91425" tIns="91425" rIns="91425" bIns="91425" anchor="t" anchorCtr="0">
             <a:noAutofit/>
           </a:bodyPr>
           <a:lstStyle/>
           <a:p>
-            <a:pPr indent="0" lvl="0" marL="0" rtl="0" algn="l">
+            <a:pPr marL="0" lvl="0" indent="0" algn="l" rtl="0">
               <a:spcBef>
                 <a:spcPts val="0"/>
               </a:spcBef>
@@ -2080,9 +2175,6 @@
               </a:spcAft>
               <a:buNone/>
             </a:pPr>
-            <a:r>
-              <a:t/>
-            </a:r>
             <a:endParaRPr/>
           </a:p>
         </p:txBody>
@@ -2096,11 +2188,11 @@
 </file>
 
 <file path=ppt/notesSlides/notesSlide9.xml><?xml version="1.0" encoding="utf-8"?>
-<p:notes xmlns:a="http://schemas.openxmlformats.org/drawingml/2006/main" xmlns:r="http://schemas.openxmlformats.org/officeDocument/2006/relationships" xmlns:mc="http://schemas.openxmlformats.org/markup-compatibility/2006" xmlns:mv="urn:schemas-microsoft-com:mac:vml" xmlns:p="http://schemas.openxmlformats.org/presentationml/2006/main" xmlns:c="http://schemas.openxmlformats.org/drawingml/2006/chart" xmlns:dgm="http://schemas.openxmlformats.org/drawingml/2006/diagram" xmlns:o="urn:schemas-microsoft-com:office:office" xmlns:v="urn:schemas-microsoft-com:vml" xmlns:pvml="urn:schemas-microsoft-com:office:powerpoint" xmlns:com="http://schemas.openxmlformats.org/drawingml/2006/compatibility" xmlns:p14="http://schemas.microsoft.com/office/powerpoint/2010/main" xmlns:p15="http://schemas.microsoft.com/office/powerpoint/2012/main" showMasterPhAnim="0" showMasterSp="0">
+<p:notes xmlns:a="http://schemas.openxmlformats.org/drawingml/2006/main" xmlns:r="http://schemas.openxmlformats.org/officeDocument/2006/relationships" xmlns:p="http://schemas.openxmlformats.org/presentationml/2006/main" showMasterSp="0" showMasterPhAnim="0">
   <p:cSld>
     <p:spTree>
       <p:nvGrpSpPr>
-        <p:cNvPr id="141" name="Shape 141"/>
+        <p:cNvPr id="1" name="Shape 141"/>
         <p:cNvGrpSpPr/>
         <p:nvPr/>
       </p:nvGrpSpPr>
@@ -2115,9 +2207,11 @@
       <p:sp>
         <p:nvSpPr>
           <p:cNvPr id="142" name="Google Shape;142;g35ed75ccf_0113:notes"/>
-          <p:cNvSpPr/>
+          <p:cNvSpPr>
+            <a:spLocks noGrp="1" noRot="1" noChangeAspect="1"/>
+          </p:cNvSpPr>
           <p:nvPr>
-            <p:ph idx="2" type="sldImg"/>
+            <p:ph type="sldImg" idx="2"/>
           </p:nvPr>
         </p:nvSpPr>
         <p:spPr>
@@ -2126,9 +2220,13 @@
             <a:ext cx="6096300" cy="3429000"/>
           </a:xfrm>
           <a:custGeom>
-            <a:rect b="b" l="l" r="r" t="t"/>
+            <a:avLst/>
+            <a:gdLst/>
+            <a:ahLst/>
+            <a:cxnLst/>
+            <a:rect l="l" t="t" r="r" b="b"/>
             <a:pathLst>
-              <a:path extrusionOk="0" h="120000" w="120000">
+              <a:path w="120000" h="120000" extrusionOk="0">
                 <a:moveTo>
                   <a:pt x="0" y="0"/>
                 </a:moveTo>
@@ -2150,9 +2248,11 @@
       <p:sp>
         <p:nvSpPr>
           <p:cNvPr id="143" name="Google Shape;143;g35ed75ccf_0113:notes"/>
-          <p:cNvSpPr txBox="1"/>
+          <p:cNvSpPr txBox="1">
+            <a:spLocks noGrp="1"/>
+          </p:cNvSpPr>
           <p:nvPr>
-            <p:ph idx="1" type="body"/>
+            <p:ph type="body" idx="1"/>
           </p:nvPr>
         </p:nvSpPr>
         <p:spPr>
@@ -2165,12 +2265,12 @@
           </a:prstGeom>
         </p:spPr>
         <p:txBody>
-          <a:bodyPr anchorCtr="0" anchor="t" bIns="91425" lIns="91425" spcFirstLastPara="1" rIns="91425" wrap="square" tIns="91425">
+          <a:bodyPr spcFirstLastPara="1" wrap="square" lIns="91425" tIns="91425" rIns="91425" bIns="91425" anchor="t" anchorCtr="0">
             <a:noAutofit/>
           </a:bodyPr>
           <a:lstStyle/>
           <a:p>
-            <a:pPr indent="0" lvl="0" marL="0" rtl="0" algn="l">
+            <a:pPr marL="0" lvl="0" indent="0" algn="l" rtl="0">
               <a:spcBef>
                 <a:spcPts val="0"/>
               </a:spcBef>
@@ -2179,9 +2279,6 @@
               </a:spcAft>
               <a:buNone/>
             </a:pPr>
-            <a:r>
-              <a:t/>
-            </a:r>
             <a:endParaRPr/>
           </a:p>
         </p:txBody>
@@ -2195,11 +2292,11 @@
 </file>
 
 <file path=ppt/slideLayouts/slideLayout1.xml><?xml version="1.0" encoding="utf-8"?>
-<p:sldLayout xmlns:a="http://schemas.openxmlformats.org/drawingml/2006/main" xmlns:r="http://schemas.openxmlformats.org/officeDocument/2006/relationships" xmlns:mc="http://schemas.openxmlformats.org/markup-compatibility/2006" xmlns:mv="urn:schemas-microsoft-com:mac:vml" xmlns:p="http://schemas.openxmlformats.org/presentationml/2006/main" xmlns:c="http://schemas.openxmlformats.org/drawingml/2006/chart" xmlns:dgm="http://schemas.openxmlformats.org/drawingml/2006/diagram" xmlns:o="urn:schemas-microsoft-com:office:office" xmlns:v="urn:schemas-microsoft-com:vml" xmlns:pvml="urn:schemas-microsoft-com:office:powerpoint" xmlns:com="http://schemas.openxmlformats.org/drawingml/2006/compatibility" xmlns:p14="http://schemas.microsoft.com/office/powerpoint/2010/main" xmlns:p15="http://schemas.microsoft.com/office/powerpoint/2012/main" matchingName="Title" type="title">
+<p:sldLayout xmlns:a="http://schemas.openxmlformats.org/drawingml/2006/main" xmlns:r="http://schemas.openxmlformats.org/officeDocument/2006/relationships" xmlns:p="http://schemas.openxmlformats.org/presentationml/2006/main" matchingName="Title" type="title">
   <p:cSld name="TITLE">
     <p:spTree>
       <p:nvGrpSpPr>
-        <p:cNvPr id="9" name="Shape 9"/>
+        <p:cNvPr id="1" name="Shape 9"/>
         <p:cNvGrpSpPr/>
         <p:nvPr/>
       </p:nvGrpSpPr>
@@ -2221,7 +2318,7 @@
           <a:blip r:embed="rId2">
             <a:alphaModFix/>
           </a:blip>
-          <a:srcRect b="0" l="0" r="0" t="0"/>
+          <a:srcRect/>
           <a:stretch/>
         </p:blipFill>
         <p:spPr>
@@ -2241,7 +2338,9 @@
       <p:sp>
         <p:nvSpPr>
           <p:cNvPr id="11" name="Google Shape;11;p2"/>
-          <p:cNvSpPr txBox="1"/>
+          <p:cNvSpPr txBox="1">
+            <a:spLocks noGrp="1"/>
+          </p:cNvSpPr>
           <p:nvPr>
             <p:ph type="ctrTitle"/>
           </p:nvPr>
@@ -2256,7 +2355,7 @@
           </a:prstGeom>
         </p:spPr>
         <p:txBody>
-          <a:bodyPr anchorCtr="0" anchor="ctr" bIns="0" lIns="0" spcFirstLastPara="1" rIns="0" wrap="square" tIns="0">
+          <a:bodyPr spcFirstLastPara="1" wrap="square" lIns="0" tIns="0" rIns="0" bIns="0" anchor="ctr" anchorCtr="0">
             <a:noAutofit/>
           </a:bodyPr>
           <a:lstStyle>
@@ -2360,7 +2459,9 @@
               <a:defRPr sz="5000"/>
             </a:lvl9pPr>
           </a:lstStyle>
-          <a:p/>
+          <a:p>
+            <a:endParaRPr/>
+          </a:p>
         </p:txBody>
       </p:sp>
     </p:spTree>
@@ -2372,11 +2473,11 @@
 </file>
 
 <file path=ppt/slideLayouts/slideLayout10.xml><?xml version="1.0" encoding="utf-8"?>
-<p:sldLayout xmlns:a="http://schemas.openxmlformats.org/drawingml/2006/main" xmlns:r="http://schemas.openxmlformats.org/officeDocument/2006/relationships" xmlns:mc="http://schemas.openxmlformats.org/markup-compatibility/2006" xmlns:mv="urn:schemas-microsoft-com:mac:vml" xmlns:p="http://schemas.openxmlformats.org/presentationml/2006/main" xmlns:c="http://schemas.openxmlformats.org/drawingml/2006/chart" xmlns:dgm="http://schemas.openxmlformats.org/drawingml/2006/diagram" xmlns:o="urn:schemas-microsoft-com:office:office" xmlns:v="urn:schemas-microsoft-com:vml" xmlns:pvml="urn:schemas-microsoft-com:office:powerpoint" xmlns:com="http://schemas.openxmlformats.org/drawingml/2006/compatibility" xmlns:p14="http://schemas.microsoft.com/office/powerpoint/2010/main" xmlns:p15="http://schemas.microsoft.com/office/powerpoint/2012/main" matchingName="Blank · Big circuit">
+<p:sldLayout xmlns:a="http://schemas.openxmlformats.org/drawingml/2006/main" xmlns:r="http://schemas.openxmlformats.org/officeDocument/2006/relationships" xmlns:p="http://schemas.openxmlformats.org/presentationml/2006/main" matchingName="Blank · Big circuit">
   <p:cSld name="BLANK_1">
     <p:spTree>
       <p:nvGrpSpPr>
-        <p:cNvPr id="51" name="Shape 51"/>
+        <p:cNvPr id="1" name="Shape 51"/>
         <p:cNvGrpSpPr/>
         <p:nvPr/>
       </p:nvGrpSpPr>
@@ -2419,9 +2520,11 @@
       <p:sp>
         <p:nvSpPr>
           <p:cNvPr id="53" name="Google Shape;53;p11"/>
-          <p:cNvSpPr txBox="1"/>
+          <p:cNvSpPr txBox="1">
+            <a:spLocks noGrp="1"/>
+          </p:cNvSpPr>
           <p:nvPr>
-            <p:ph idx="12" type="sldNum"/>
+            <p:ph type="sldNum" idx="12"/>
           </p:nvPr>
         </p:nvSpPr>
         <p:spPr>
@@ -2434,7 +2537,7 @@
           </a:prstGeom>
         </p:spPr>
         <p:txBody>
-          <a:bodyPr anchorCtr="0" anchor="ctr" bIns="0" lIns="0" spcFirstLastPara="1" rIns="0" wrap="square" tIns="0">
+          <a:bodyPr spcFirstLastPara="1" wrap="square" lIns="0" tIns="0" rIns="0" bIns="0" anchor="ctr" anchorCtr="0">
             <a:noAutofit/>
           </a:bodyPr>
           <a:lstStyle>
@@ -2476,7 +2579,7 @@
             </a:lvl9pPr>
           </a:lstStyle>
           <a:p>
-            <a:pPr indent="0" lvl="0" marL="0" rtl="0" algn="r">
+            <a:pPr marL="0" lvl="0" indent="0" algn="r" rtl="0">
               <a:spcBef>
                 <a:spcPts val="0"/>
               </a:spcBef>
@@ -2502,11 +2605,11 @@
 </file>
 
 <file path=ppt/slideLayouts/slideLayout11.xml><?xml version="1.0" encoding="utf-8"?>
-<p:sldLayout xmlns:a="http://schemas.openxmlformats.org/drawingml/2006/main" xmlns:r="http://schemas.openxmlformats.org/officeDocument/2006/relationships" xmlns:mc="http://schemas.openxmlformats.org/markup-compatibility/2006" xmlns:mv="urn:schemas-microsoft-com:mac:vml" xmlns:p="http://schemas.openxmlformats.org/presentationml/2006/main" xmlns:c="http://schemas.openxmlformats.org/drawingml/2006/chart" xmlns:dgm="http://schemas.openxmlformats.org/drawingml/2006/diagram" xmlns:o="urn:schemas-microsoft-com:office:office" xmlns:v="urn:schemas-microsoft-com:vml" xmlns:pvml="urn:schemas-microsoft-com:office:powerpoint" xmlns:com="http://schemas.openxmlformats.org/drawingml/2006/compatibility" xmlns:p14="http://schemas.microsoft.com/office/powerpoint/2010/main" xmlns:p15="http://schemas.microsoft.com/office/powerpoint/2012/main" matchingName="Blank">
+<p:sldLayout xmlns:a="http://schemas.openxmlformats.org/drawingml/2006/main" xmlns:r="http://schemas.openxmlformats.org/officeDocument/2006/relationships" xmlns:p="http://schemas.openxmlformats.org/presentationml/2006/main" matchingName="Blank">
   <p:cSld name="BLANK_1_1">
     <p:spTree>
       <p:nvGrpSpPr>
-        <p:cNvPr id="54" name="Shape 54"/>
+        <p:cNvPr id="1" name="Shape 54"/>
         <p:cNvGrpSpPr/>
         <p:nvPr/>
       </p:nvGrpSpPr>
@@ -2521,9 +2624,11 @@
       <p:sp>
         <p:nvSpPr>
           <p:cNvPr id="55" name="Google Shape;55;p12"/>
-          <p:cNvSpPr txBox="1"/>
+          <p:cNvSpPr txBox="1">
+            <a:spLocks noGrp="1"/>
+          </p:cNvSpPr>
           <p:nvPr>
-            <p:ph idx="12" type="sldNum"/>
+            <p:ph type="sldNum" idx="12"/>
           </p:nvPr>
         </p:nvSpPr>
         <p:spPr>
@@ -2536,7 +2641,7 @@
           </a:prstGeom>
         </p:spPr>
         <p:txBody>
-          <a:bodyPr anchorCtr="0" anchor="ctr" bIns="0" lIns="0" spcFirstLastPara="1" rIns="0" wrap="square" tIns="0">
+          <a:bodyPr spcFirstLastPara="1" wrap="square" lIns="0" tIns="0" rIns="0" bIns="0" anchor="ctr" anchorCtr="0">
             <a:noAutofit/>
           </a:bodyPr>
           <a:lstStyle>
@@ -2578,7 +2683,7 @@
             </a:lvl9pPr>
           </a:lstStyle>
           <a:p>
-            <a:pPr indent="0" lvl="0" marL="0" rtl="0" algn="r">
+            <a:pPr marL="0" lvl="0" indent="0" algn="r" rtl="0">
               <a:spcBef>
                 <a:spcPts val="0"/>
               </a:spcBef>
@@ -2604,11 +2709,11 @@
 </file>
 
 <file path=ppt/slideLayouts/slideLayout2.xml><?xml version="1.0" encoding="utf-8"?>
-<p:sldLayout xmlns:a="http://schemas.openxmlformats.org/drawingml/2006/main" xmlns:r="http://schemas.openxmlformats.org/officeDocument/2006/relationships" xmlns:mc="http://schemas.openxmlformats.org/markup-compatibility/2006" xmlns:mv="urn:schemas-microsoft-com:mac:vml" xmlns:p="http://schemas.openxmlformats.org/presentationml/2006/main" xmlns:c="http://schemas.openxmlformats.org/drawingml/2006/chart" xmlns:dgm="http://schemas.openxmlformats.org/drawingml/2006/diagram" xmlns:o="urn:schemas-microsoft-com:office:office" xmlns:v="urn:schemas-microsoft-com:vml" xmlns:pvml="urn:schemas-microsoft-com:office:powerpoint" xmlns:com="http://schemas.openxmlformats.org/drawingml/2006/compatibility" xmlns:p14="http://schemas.microsoft.com/office/powerpoint/2010/main" xmlns:p15="http://schemas.microsoft.com/office/powerpoint/2012/main" matchingName="Subtitle">
+<p:sldLayout xmlns:a="http://schemas.openxmlformats.org/drawingml/2006/main" xmlns:r="http://schemas.openxmlformats.org/officeDocument/2006/relationships" xmlns:p="http://schemas.openxmlformats.org/presentationml/2006/main" matchingName="Subtitle">
   <p:cSld name="TITLE_1">
     <p:spTree>
       <p:nvGrpSpPr>
-        <p:cNvPr id="12" name="Shape 12"/>
+        <p:cNvPr id="1" name="Shape 12"/>
         <p:cNvGrpSpPr/>
         <p:nvPr/>
       </p:nvGrpSpPr>
@@ -2651,7 +2756,9 @@
       <p:sp>
         <p:nvSpPr>
           <p:cNvPr id="14" name="Google Shape;14;p3"/>
-          <p:cNvSpPr txBox="1"/>
+          <p:cNvSpPr txBox="1">
+            <a:spLocks noGrp="1"/>
+          </p:cNvSpPr>
           <p:nvPr>
             <p:ph type="ctrTitle"/>
           </p:nvPr>
@@ -2666,7 +2773,7 @@
           </a:prstGeom>
         </p:spPr>
         <p:txBody>
-          <a:bodyPr anchorCtr="0" anchor="b" bIns="0" lIns="0" spcFirstLastPara="1" rIns="0" wrap="square" tIns="0">
+          <a:bodyPr spcFirstLastPara="1" wrap="square" lIns="0" tIns="0" rIns="0" bIns="0" anchor="b" anchorCtr="0">
             <a:noAutofit/>
           </a:bodyPr>
           <a:lstStyle>
@@ -2770,15 +2877,19 @@
               <a:defRPr sz="3600"/>
             </a:lvl9pPr>
           </a:lstStyle>
-          <a:p/>
+          <a:p>
+            <a:endParaRPr/>
+          </a:p>
         </p:txBody>
       </p:sp>
       <p:sp>
         <p:nvSpPr>
           <p:cNvPr id="15" name="Google Shape;15;p3"/>
-          <p:cNvSpPr txBox="1"/>
+          <p:cNvSpPr txBox="1">
+            <a:spLocks noGrp="1"/>
+          </p:cNvSpPr>
           <p:nvPr>
-            <p:ph idx="1" type="subTitle"/>
+            <p:ph type="subTitle" idx="1"/>
           </p:nvPr>
         </p:nvSpPr>
         <p:spPr>
@@ -2791,7 +2902,7 @@
           </a:prstGeom>
         </p:spPr>
         <p:txBody>
-          <a:bodyPr anchorCtr="0" anchor="t" bIns="0" lIns="0" spcFirstLastPara="1" rIns="0" wrap="square" tIns="0">
+          <a:bodyPr spcFirstLastPara="1" wrap="square" lIns="0" tIns="0" rIns="0" bIns="0" anchor="t" anchorCtr="0">
             <a:noAutofit/>
           </a:bodyPr>
           <a:lstStyle>
@@ -2958,7 +3069,9 @@
               </a:defRPr>
             </a:lvl9pPr>
           </a:lstStyle>
-          <a:p/>
+          <a:p>
+            <a:endParaRPr/>
+          </a:p>
         </p:txBody>
       </p:sp>
     </p:spTree>
@@ -2970,11 +3083,11 @@
 </file>
 
 <file path=ppt/slideLayouts/slideLayout3.xml><?xml version="1.0" encoding="utf-8"?>
-<p:sldLayout xmlns:a="http://schemas.openxmlformats.org/drawingml/2006/main" xmlns:r="http://schemas.openxmlformats.org/officeDocument/2006/relationships" xmlns:mc="http://schemas.openxmlformats.org/markup-compatibility/2006" xmlns:mv="urn:schemas-microsoft-com:mac:vml" xmlns:p="http://schemas.openxmlformats.org/presentationml/2006/main" xmlns:c="http://schemas.openxmlformats.org/drawingml/2006/chart" xmlns:dgm="http://schemas.openxmlformats.org/drawingml/2006/diagram" xmlns:o="urn:schemas-microsoft-com:office:office" xmlns:v="urn:schemas-microsoft-com:vml" xmlns:pvml="urn:schemas-microsoft-com:office:powerpoint" xmlns:com="http://schemas.openxmlformats.org/drawingml/2006/compatibility" xmlns:p14="http://schemas.microsoft.com/office/powerpoint/2010/main" xmlns:p15="http://schemas.microsoft.com/office/powerpoint/2012/main" matchingName="Quote">
+<p:sldLayout xmlns:a="http://schemas.openxmlformats.org/drawingml/2006/main" xmlns:r="http://schemas.openxmlformats.org/officeDocument/2006/relationships" xmlns:p="http://schemas.openxmlformats.org/presentationml/2006/main" matchingName="Quote">
   <p:cSld name="TITLE_1_1">
     <p:spTree>
       <p:nvGrpSpPr>
-        <p:cNvPr id="16" name="Shape 16"/>
+        <p:cNvPr id="1" name="Shape 16"/>
         <p:cNvGrpSpPr/>
         <p:nvPr/>
       </p:nvGrpSpPr>
@@ -3047,7 +3160,7 @@
               </a:gs>
             </a:gsLst>
             <a:path path="circle">
-              <a:fillToRect b="50%" l="50%" r="50%" t="50%"/>
+              <a:fillToRect l="50000" t="50000" r="50000" b="50000"/>
             </a:path>
             <a:tileRect/>
           </a:gradFill>
@@ -3056,12 +3169,12 @@
           </a:ln>
         </p:spPr>
         <p:txBody>
-          <a:bodyPr anchorCtr="0" anchor="ctr" bIns="91425" lIns="91425" spcFirstLastPara="1" rIns="91425" wrap="square" tIns="91425">
+          <a:bodyPr spcFirstLastPara="1" wrap="square" lIns="91425" tIns="91425" rIns="91425" bIns="91425" anchor="ctr" anchorCtr="0">
             <a:noAutofit/>
           </a:bodyPr>
           <a:lstStyle/>
           <a:p>
-            <a:pPr indent="0" lvl="0" marL="0" rtl="0" algn="l">
+            <a:pPr marL="0" lvl="0" indent="0" algn="l" rtl="0">
               <a:spcBef>
                 <a:spcPts val="0"/>
               </a:spcBef>
@@ -3070,9 +3183,6 @@
               </a:spcAft>
               <a:buNone/>
             </a:pPr>
-            <a:r>
-              <a:t/>
-            </a:r>
             <a:endParaRPr/>
           </a:p>
         </p:txBody>
@@ -3080,9 +3190,11 @@
       <p:sp>
         <p:nvSpPr>
           <p:cNvPr id="19" name="Google Shape;19;p4"/>
-          <p:cNvSpPr txBox="1"/>
+          <p:cNvSpPr txBox="1">
+            <a:spLocks noGrp="1"/>
+          </p:cNvSpPr>
           <p:nvPr>
-            <p:ph idx="1" type="body"/>
+            <p:ph type="body" idx="1"/>
           </p:nvPr>
         </p:nvSpPr>
         <p:spPr>
@@ -3095,11 +3207,11 @@
           </a:prstGeom>
         </p:spPr>
         <p:txBody>
-          <a:bodyPr anchorCtr="0" anchor="t" bIns="0" lIns="0" spcFirstLastPara="1" rIns="0" wrap="square" tIns="0">
+          <a:bodyPr spcFirstLastPara="1" wrap="square" lIns="0" tIns="0" rIns="0" bIns="0" anchor="t" anchorCtr="0">
             <a:noAutofit/>
           </a:bodyPr>
           <a:lstStyle>
-            <a:lvl1pPr indent="-419100" lvl="0" marL="457200" rtl="0">
+            <a:lvl1pPr marL="457200" lvl="0" indent="-419100" rtl="0">
               <a:spcBef>
                 <a:spcPts val="600"/>
               </a:spcBef>
@@ -3116,7 +3228,7 @@
                 <a:sym typeface="Lexend Deca"/>
               </a:defRPr>
             </a:lvl1pPr>
-            <a:lvl2pPr indent="-419100" lvl="1" marL="914400" rtl="0">
+            <a:lvl2pPr marL="914400" lvl="1" indent="-419100" rtl="0">
               <a:spcBef>
                 <a:spcPts val="0"/>
               </a:spcBef>
@@ -3133,7 +3245,7 @@
                 <a:sym typeface="Lexend Deca"/>
               </a:defRPr>
             </a:lvl2pPr>
-            <a:lvl3pPr indent="-419100" lvl="2" marL="1371600" rtl="0">
+            <a:lvl3pPr marL="1371600" lvl="2" indent="-419100" rtl="0">
               <a:spcBef>
                 <a:spcPts val="0"/>
               </a:spcBef>
@@ -3150,7 +3262,7 @@
                 <a:sym typeface="Lexend Deca"/>
               </a:defRPr>
             </a:lvl3pPr>
-            <a:lvl4pPr indent="-419100" lvl="3" marL="1828800" rtl="0">
+            <a:lvl4pPr marL="1828800" lvl="3" indent="-419100" rtl="0">
               <a:spcBef>
                 <a:spcPts val="0"/>
               </a:spcBef>
@@ -3167,7 +3279,7 @@
                 <a:sym typeface="Lexend Deca"/>
               </a:defRPr>
             </a:lvl4pPr>
-            <a:lvl5pPr indent="-419100" lvl="4" marL="2286000" rtl="0">
+            <a:lvl5pPr marL="2286000" lvl="4" indent="-419100" rtl="0">
               <a:spcBef>
                 <a:spcPts val="0"/>
               </a:spcBef>
@@ -3184,7 +3296,7 @@
                 <a:sym typeface="Lexend Deca"/>
               </a:defRPr>
             </a:lvl5pPr>
-            <a:lvl6pPr indent="-419100" lvl="5" marL="2743200" rtl="0">
+            <a:lvl6pPr marL="2743200" lvl="5" indent="-419100" rtl="0">
               <a:spcBef>
                 <a:spcPts val="0"/>
               </a:spcBef>
@@ -3201,7 +3313,7 @@
                 <a:sym typeface="Lexend Deca"/>
               </a:defRPr>
             </a:lvl6pPr>
-            <a:lvl7pPr indent="-419100" lvl="6" marL="3200400" rtl="0">
+            <a:lvl7pPr marL="3200400" lvl="6" indent="-419100" rtl="0">
               <a:spcBef>
                 <a:spcPts val="0"/>
               </a:spcBef>
@@ -3218,7 +3330,7 @@
                 <a:sym typeface="Lexend Deca"/>
               </a:defRPr>
             </a:lvl7pPr>
-            <a:lvl8pPr indent="-419100" lvl="7" marL="3657600" rtl="0">
+            <a:lvl8pPr marL="3657600" lvl="7" indent="-419100" rtl="0">
               <a:spcBef>
                 <a:spcPts val="0"/>
               </a:spcBef>
@@ -3235,7 +3347,7 @@
                 <a:sym typeface="Lexend Deca"/>
               </a:defRPr>
             </a:lvl8pPr>
-            <a:lvl9pPr indent="-419100" lvl="8" marL="4114800">
+            <a:lvl9pPr marL="4114800" lvl="8" indent="-419100">
               <a:spcBef>
                 <a:spcPts val="0"/>
               </a:spcBef>
@@ -3253,7 +3365,9 @@
               </a:defRPr>
             </a:lvl9pPr>
           </a:lstStyle>
-          <a:p/>
+          <a:p>
+            <a:endParaRPr/>
+          </a:p>
         </p:txBody>
       </p:sp>
       <p:sp>
@@ -3276,12 +3390,12 @@
           </a:ln>
         </p:spPr>
         <p:txBody>
-          <a:bodyPr anchorCtr="0" anchor="t" bIns="0" lIns="0" spcFirstLastPara="1" rIns="0" wrap="square" tIns="0">
+          <a:bodyPr spcFirstLastPara="1" wrap="square" lIns="0" tIns="0" rIns="0" bIns="0" anchor="t" anchorCtr="0">
             <a:noAutofit/>
           </a:bodyPr>
           <a:lstStyle/>
           <a:p>
-            <a:pPr indent="0" lvl="0" marL="0" rtl="0" algn="l">
+            <a:pPr marL="0" lvl="0" indent="0" algn="l" rtl="0">
               <a:spcBef>
                 <a:spcPts val="0"/>
               </a:spcBef>
@@ -3317,9 +3431,11 @@
       <p:sp>
         <p:nvSpPr>
           <p:cNvPr id="21" name="Google Shape;21;p4"/>
-          <p:cNvSpPr txBox="1"/>
+          <p:cNvSpPr txBox="1">
+            <a:spLocks noGrp="1"/>
+          </p:cNvSpPr>
           <p:nvPr>
-            <p:ph idx="12" type="sldNum"/>
+            <p:ph type="sldNum" idx="12"/>
           </p:nvPr>
         </p:nvSpPr>
         <p:spPr>
@@ -3332,7 +3448,7 @@
           </a:prstGeom>
         </p:spPr>
         <p:txBody>
-          <a:bodyPr anchorCtr="0" anchor="ctr" bIns="0" lIns="0" spcFirstLastPara="1" rIns="0" wrap="square" tIns="0">
+          <a:bodyPr spcFirstLastPara="1" wrap="square" lIns="0" tIns="0" rIns="0" bIns="0" anchor="ctr" anchorCtr="0">
             <a:noAutofit/>
           </a:bodyPr>
           <a:lstStyle>
@@ -3374,7 +3490,7 @@
             </a:lvl9pPr>
           </a:lstStyle>
           <a:p>
-            <a:pPr indent="0" lvl="0" marL="0" rtl="0" algn="r">
+            <a:pPr marL="0" lvl="0" indent="0" algn="r" rtl="0">
               <a:spcBef>
                 <a:spcPts val="0"/>
               </a:spcBef>
@@ -3400,11 +3516,11 @@
 </file>
 
 <file path=ppt/slideLayouts/slideLayout4.xml><?xml version="1.0" encoding="utf-8"?>
-<p:sldLayout xmlns:a="http://schemas.openxmlformats.org/drawingml/2006/main" xmlns:r="http://schemas.openxmlformats.org/officeDocument/2006/relationships" xmlns:mc="http://schemas.openxmlformats.org/markup-compatibility/2006" xmlns:mv="urn:schemas-microsoft-com:mac:vml" xmlns:p="http://schemas.openxmlformats.org/presentationml/2006/main" xmlns:c="http://schemas.openxmlformats.org/drawingml/2006/chart" xmlns:dgm="http://schemas.openxmlformats.org/drawingml/2006/diagram" xmlns:o="urn:schemas-microsoft-com:office:office" xmlns:v="urn:schemas-microsoft-com:vml" xmlns:pvml="urn:schemas-microsoft-com:office:powerpoint" xmlns:com="http://schemas.openxmlformats.org/drawingml/2006/compatibility" xmlns:p14="http://schemas.microsoft.com/office/powerpoint/2010/main" xmlns:p15="http://schemas.microsoft.com/office/powerpoint/2012/main" matchingName="Title + 1 column" type="tx">
+<p:sldLayout xmlns:a="http://schemas.openxmlformats.org/drawingml/2006/main" xmlns:r="http://schemas.openxmlformats.org/officeDocument/2006/relationships" xmlns:p="http://schemas.openxmlformats.org/presentationml/2006/main" matchingName="Title + 1 column" type="tx">
   <p:cSld name="TITLE_AND_BODY">
     <p:spTree>
       <p:nvGrpSpPr>
-        <p:cNvPr id="22" name="Shape 22"/>
+        <p:cNvPr id="1" name="Shape 22"/>
         <p:cNvGrpSpPr/>
         <p:nvPr/>
       </p:nvGrpSpPr>
@@ -3447,7 +3563,9 @@
       <p:sp>
         <p:nvSpPr>
           <p:cNvPr id="24" name="Google Shape;24;p5"/>
-          <p:cNvSpPr txBox="1"/>
+          <p:cNvSpPr txBox="1">
+            <a:spLocks noGrp="1"/>
+          </p:cNvSpPr>
           <p:nvPr>
             <p:ph type="title"/>
           </p:nvPr>
@@ -3462,7 +3580,7 @@
           </a:prstGeom>
         </p:spPr>
         <p:txBody>
-          <a:bodyPr anchorCtr="0" anchor="b" bIns="0" lIns="0" spcFirstLastPara="1" rIns="0" wrap="square" tIns="0">
+          <a:bodyPr spcFirstLastPara="1" wrap="square" lIns="0" tIns="0" rIns="0" bIns="0" anchor="b" anchorCtr="0">
             <a:noAutofit/>
           </a:bodyPr>
           <a:lstStyle>
@@ -3566,15 +3684,19 @@
               <a:defRPr/>
             </a:lvl9pPr>
           </a:lstStyle>
-          <a:p/>
+          <a:p>
+            <a:endParaRPr/>
+          </a:p>
         </p:txBody>
       </p:sp>
       <p:sp>
         <p:nvSpPr>
           <p:cNvPr id="25" name="Google Shape;25;p5"/>
-          <p:cNvSpPr txBox="1"/>
+          <p:cNvSpPr txBox="1">
+            <a:spLocks noGrp="1"/>
+          </p:cNvSpPr>
           <p:nvPr>
-            <p:ph idx="1" type="body"/>
+            <p:ph type="body" idx="1"/>
           </p:nvPr>
         </p:nvSpPr>
         <p:spPr>
@@ -3587,11 +3709,11 @@
           </a:prstGeom>
         </p:spPr>
         <p:txBody>
-          <a:bodyPr anchorCtr="0" anchor="t" bIns="0" lIns="0" spcFirstLastPara="1" rIns="0" wrap="square" tIns="0">
+          <a:bodyPr spcFirstLastPara="1" wrap="square" lIns="0" tIns="0" rIns="0" bIns="0" anchor="t" anchorCtr="0">
             <a:noAutofit/>
           </a:bodyPr>
           <a:lstStyle>
-            <a:lvl1pPr indent="-381000" lvl="0" marL="457200">
+            <a:lvl1pPr marL="457200" lvl="0" indent="-381000">
               <a:spcBef>
                 <a:spcPts val="600"/>
               </a:spcBef>
@@ -3602,7 +3724,7 @@
               <a:buChar char="⬡"/>
               <a:defRPr/>
             </a:lvl1pPr>
-            <a:lvl2pPr indent="-381000" lvl="1" marL="914400">
+            <a:lvl2pPr marL="914400" lvl="1" indent="-381000">
               <a:spcBef>
                 <a:spcPts val="0"/>
               </a:spcBef>
@@ -3613,7 +3735,7 @@
               <a:buChar char="∙"/>
               <a:defRPr/>
             </a:lvl2pPr>
-            <a:lvl3pPr indent="-381000" lvl="2" marL="1371600">
+            <a:lvl3pPr marL="1371600" lvl="2" indent="-381000">
               <a:spcBef>
                 <a:spcPts val="0"/>
               </a:spcBef>
@@ -3624,7 +3746,7 @@
               <a:buChar char="∙"/>
               <a:defRPr/>
             </a:lvl3pPr>
-            <a:lvl4pPr indent="-381000" lvl="3" marL="1828800">
+            <a:lvl4pPr marL="1828800" lvl="3" indent="-381000">
               <a:spcBef>
                 <a:spcPts val="0"/>
               </a:spcBef>
@@ -3635,7 +3757,7 @@
               <a:buChar char="●"/>
               <a:defRPr/>
             </a:lvl4pPr>
-            <a:lvl5pPr indent="-381000" lvl="4" marL="2286000">
+            <a:lvl5pPr marL="2286000" lvl="4" indent="-381000">
               <a:spcBef>
                 <a:spcPts val="0"/>
               </a:spcBef>
@@ -3646,7 +3768,7 @@
               <a:buChar char="○"/>
               <a:defRPr/>
             </a:lvl5pPr>
-            <a:lvl6pPr indent="-381000" lvl="5" marL="2743200">
+            <a:lvl6pPr marL="2743200" lvl="5" indent="-381000">
               <a:spcBef>
                 <a:spcPts val="0"/>
               </a:spcBef>
@@ -3657,7 +3779,7 @@
               <a:buChar char="■"/>
               <a:defRPr/>
             </a:lvl6pPr>
-            <a:lvl7pPr indent="-381000" lvl="6" marL="3200400">
+            <a:lvl7pPr marL="3200400" lvl="6" indent="-381000">
               <a:spcBef>
                 <a:spcPts val="0"/>
               </a:spcBef>
@@ -3668,7 +3790,7 @@
               <a:buChar char="●"/>
               <a:defRPr/>
             </a:lvl7pPr>
-            <a:lvl8pPr indent="-381000" lvl="7" marL="3657600">
+            <a:lvl8pPr marL="3657600" lvl="7" indent="-381000">
               <a:spcBef>
                 <a:spcPts val="0"/>
               </a:spcBef>
@@ -3679,7 +3801,7 @@
               <a:buChar char="○"/>
               <a:defRPr/>
             </a:lvl8pPr>
-            <a:lvl9pPr indent="-381000" lvl="8" marL="4114800">
+            <a:lvl9pPr marL="4114800" lvl="8" indent="-381000">
               <a:spcBef>
                 <a:spcPts val="0"/>
               </a:spcBef>
@@ -3691,15 +3813,19 @@
               <a:defRPr/>
             </a:lvl9pPr>
           </a:lstStyle>
-          <a:p/>
+          <a:p>
+            <a:endParaRPr/>
+          </a:p>
         </p:txBody>
       </p:sp>
       <p:sp>
         <p:nvSpPr>
           <p:cNvPr id="26" name="Google Shape;26;p5"/>
-          <p:cNvSpPr txBox="1"/>
+          <p:cNvSpPr txBox="1">
+            <a:spLocks noGrp="1"/>
+          </p:cNvSpPr>
           <p:nvPr>
-            <p:ph idx="12" type="sldNum"/>
+            <p:ph type="sldNum" idx="12"/>
           </p:nvPr>
         </p:nvSpPr>
         <p:spPr>
@@ -3712,7 +3838,7 @@
           </a:prstGeom>
         </p:spPr>
         <p:txBody>
-          <a:bodyPr anchorCtr="0" anchor="ctr" bIns="0" lIns="0" spcFirstLastPara="1" rIns="0" wrap="square" tIns="0">
+          <a:bodyPr spcFirstLastPara="1" wrap="square" lIns="0" tIns="0" rIns="0" bIns="0" anchor="ctr" anchorCtr="0">
             <a:noAutofit/>
           </a:bodyPr>
           <a:lstStyle>
@@ -3754,7 +3880,7 @@
             </a:lvl9pPr>
           </a:lstStyle>
           <a:p>
-            <a:pPr indent="0" lvl="0" marL="0" rtl="0" algn="r">
+            <a:pPr marL="0" lvl="0" indent="0" algn="r" rtl="0">
               <a:spcBef>
                 <a:spcPts val="0"/>
               </a:spcBef>
@@ -3780,11 +3906,11 @@
 </file>
 
 <file path=ppt/slideLayouts/slideLayout5.xml><?xml version="1.0" encoding="utf-8"?>
-<p:sldLayout xmlns:a="http://schemas.openxmlformats.org/drawingml/2006/main" xmlns:r="http://schemas.openxmlformats.org/officeDocument/2006/relationships" xmlns:mc="http://schemas.openxmlformats.org/markup-compatibility/2006" xmlns:mv="urn:schemas-microsoft-com:mac:vml" xmlns:p="http://schemas.openxmlformats.org/presentationml/2006/main" xmlns:c="http://schemas.openxmlformats.org/drawingml/2006/chart" xmlns:dgm="http://schemas.openxmlformats.org/drawingml/2006/diagram" xmlns:o="urn:schemas-microsoft-com:office:office" xmlns:v="urn:schemas-microsoft-com:vml" xmlns:pvml="urn:schemas-microsoft-com:office:powerpoint" xmlns:com="http://schemas.openxmlformats.org/drawingml/2006/compatibility" xmlns:p14="http://schemas.microsoft.com/office/powerpoint/2010/main" xmlns:p15="http://schemas.microsoft.com/office/powerpoint/2012/main" matchingName="Title + 2 columns" type="twoColTx">
+<p:sldLayout xmlns:a="http://schemas.openxmlformats.org/drawingml/2006/main" xmlns:r="http://schemas.openxmlformats.org/officeDocument/2006/relationships" xmlns:p="http://schemas.openxmlformats.org/presentationml/2006/main" matchingName="Title + 2 columns" type="twoColTx">
   <p:cSld name="TITLE_AND_TWO_COLUMNS">
     <p:spTree>
       <p:nvGrpSpPr>
-        <p:cNvPr id="27" name="Shape 27"/>
+        <p:cNvPr id="1" name="Shape 27"/>
         <p:cNvGrpSpPr/>
         <p:nvPr/>
       </p:nvGrpSpPr>
@@ -3827,7 +3953,9 @@
       <p:sp>
         <p:nvSpPr>
           <p:cNvPr id="29" name="Google Shape;29;p6"/>
-          <p:cNvSpPr txBox="1"/>
+          <p:cNvSpPr txBox="1">
+            <a:spLocks noGrp="1"/>
+          </p:cNvSpPr>
           <p:nvPr>
             <p:ph type="title"/>
           </p:nvPr>
@@ -3842,7 +3970,7 @@
           </a:prstGeom>
         </p:spPr>
         <p:txBody>
-          <a:bodyPr anchorCtr="0" anchor="b" bIns="0" lIns="0" spcFirstLastPara="1" rIns="0" wrap="square" tIns="0">
+          <a:bodyPr spcFirstLastPara="1" wrap="square" lIns="0" tIns="0" rIns="0" bIns="0" anchor="b" anchorCtr="0">
             <a:noAutofit/>
           </a:bodyPr>
           <a:lstStyle>
@@ -3946,15 +4074,19 @@
               <a:defRPr/>
             </a:lvl9pPr>
           </a:lstStyle>
-          <a:p/>
+          <a:p>
+            <a:endParaRPr/>
+          </a:p>
         </p:txBody>
       </p:sp>
       <p:sp>
         <p:nvSpPr>
           <p:cNvPr id="30" name="Google Shape;30;p6"/>
-          <p:cNvSpPr txBox="1"/>
+          <p:cNvSpPr txBox="1">
+            <a:spLocks noGrp="1"/>
+          </p:cNvSpPr>
           <p:nvPr>
-            <p:ph idx="1" type="body"/>
+            <p:ph type="body" idx="1"/>
           </p:nvPr>
         </p:nvSpPr>
         <p:spPr>
@@ -3967,11 +4099,11 @@
           </a:prstGeom>
         </p:spPr>
         <p:txBody>
-          <a:bodyPr anchorCtr="0" anchor="t" bIns="0" lIns="0" spcFirstLastPara="1" rIns="0" wrap="square" tIns="0">
+          <a:bodyPr spcFirstLastPara="1" wrap="square" lIns="0" tIns="0" rIns="0" bIns="0" anchor="t" anchorCtr="0">
             <a:noAutofit/>
           </a:bodyPr>
           <a:lstStyle>
-            <a:lvl1pPr indent="-355600" lvl="0" marL="457200">
+            <a:lvl1pPr marL="457200" lvl="0" indent="-355600">
               <a:spcBef>
                 <a:spcPts val="600"/>
               </a:spcBef>
@@ -3982,7 +4114,7 @@
               <a:buChar char="⬡"/>
               <a:defRPr sz="2000"/>
             </a:lvl1pPr>
-            <a:lvl2pPr indent="-355600" lvl="1" marL="914400">
+            <a:lvl2pPr marL="914400" lvl="1" indent="-355600">
               <a:spcBef>
                 <a:spcPts val="0"/>
               </a:spcBef>
@@ -3993,7 +4125,7 @@
               <a:buChar char="∙"/>
               <a:defRPr sz="2000"/>
             </a:lvl2pPr>
-            <a:lvl3pPr indent="-355600" lvl="2" marL="1371600">
+            <a:lvl3pPr marL="1371600" lvl="2" indent="-355600">
               <a:spcBef>
                 <a:spcPts val="0"/>
               </a:spcBef>
@@ -4004,7 +4136,7 @@
               <a:buChar char="∙"/>
               <a:defRPr sz="2000"/>
             </a:lvl3pPr>
-            <a:lvl4pPr indent="-355600" lvl="3" marL="1828800">
+            <a:lvl4pPr marL="1828800" lvl="3" indent="-355600">
               <a:spcBef>
                 <a:spcPts val="0"/>
               </a:spcBef>
@@ -4015,7 +4147,7 @@
               <a:buChar char="●"/>
               <a:defRPr sz="2000"/>
             </a:lvl4pPr>
-            <a:lvl5pPr indent="-355600" lvl="4" marL="2286000">
+            <a:lvl5pPr marL="2286000" lvl="4" indent="-355600">
               <a:spcBef>
                 <a:spcPts val="0"/>
               </a:spcBef>
@@ -4026,7 +4158,7 @@
               <a:buChar char="○"/>
               <a:defRPr sz="2000"/>
             </a:lvl5pPr>
-            <a:lvl6pPr indent="-355600" lvl="5" marL="2743200">
+            <a:lvl6pPr marL="2743200" lvl="5" indent="-355600">
               <a:spcBef>
                 <a:spcPts val="0"/>
               </a:spcBef>
@@ -4037,7 +4169,7 @@
               <a:buChar char="■"/>
               <a:defRPr sz="2000"/>
             </a:lvl6pPr>
-            <a:lvl7pPr indent="-355600" lvl="6" marL="3200400">
+            <a:lvl7pPr marL="3200400" lvl="6" indent="-355600">
               <a:spcBef>
                 <a:spcPts val="0"/>
               </a:spcBef>
@@ -4048,7 +4180,7 @@
               <a:buChar char="●"/>
               <a:defRPr sz="2000"/>
             </a:lvl7pPr>
-            <a:lvl8pPr indent="-355600" lvl="7" marL="3657600">
+            <a:lvl8pPr marL="3657600" lvl="7" indent="-355600">
               <a:spcBef>
                 <a:spcPts val="0"/>
               </a:spcBef>
@@ -4059,7 +4191,7 @@
               <a:buChar char="○"/>
               <a:defRPr sz="2000"/>
             </a:lvl8pPr>
-            <a:lvl9pPr indent="-355600" lvl="8" marL="4114800">
+            <a:lvl9pPr marL="4114800" lvl="8" indent="-355600">
               <a:spcBef>
                 <a:spcPts val="0"/>
               </a:spcBef>
@@ -4071,15 +4203,19 @@
               <a:defRPr sz="2000"/>
             </a:lvl9pPr>
           </a:lstStyle>
-          <a:p/>
+          <a:p>
+            <a:endParaRPr/>
+          </a:p>
         </p:txBody>
       </p:sp>
       <p:sp>
         <p:nvSpPr>
           <p:cNvPr id="31" name="Google Shape;31;p6"/>
-          <p:cNvSpPr txBox="1"/>
+          <p:cNvSpPr txBox="1">
+            <a:spLocks noGrp="1"/>
+          </p:cNvSpPr>
           <p:nvPr>
-            <p:ph idx="2" type="body"/>
+            <p:ph type="body" idx="2"/>
           </p:nvPr>
         </p:nvSpPr>
         <p:spPr>
@@ -4092,11 +4228,11 @@
           </a:prstGeom>
         </p:spPr>
         <p:txBody>
-          <a:bodyPr anchorCtr="0" anchor="t" bIns="0" lIns="0" spcFirstLastPara="1" rIns="0" wrap="square" tIns="0">
+          <a:bodyPr spcFirstLastPara="1" wrap="square" lIns="0" tIns="0" rIns="0" bIns="0" anchor="t" anchorCtr="0">
             <a:noAutofit/>
           </a:bodyPr>
           <a:lstStyle>
-            <a:lvl1pPr indent="-355600" lvl="0" marL="457200">
+            <a:lvl1pPr marL="457200" lvl="0" indent="-355600">
               <a:spcBef>
                 <a:spcPts val="600"/>
               </a:spcBef>
@@ -4107,7 +4243,7 @@
               <a:buChar char="⬡"/>
               <a:defRPr sz="2000"/>
             </a:lvl1pPr>
-            <a:lvl2pPr indent="-355600" lvl="1" marL="914400">
+            <a:lvl2pPr marL="914400" lvl="1" indent="-355600">
               <a:spcBef>
                 <a:spcPts val="0"/>
               </a:spcBef>
@@ -4118,7 +4254,7 @@
               <a:buChar char="∙"/>
               <a:defRPr sz="2000"/>
             </a:lvl2pPr>
-            <a:lvl3pPr indent="-355600" lvl="2" marL="1371600">
+            <a:lvl3pPr marL="1371600" lvl="2" indent="-355600">
               <a:spcBef>
                 <a:spcPts val="0"/>
               </a:spcBef>
@@ -4129,7 +4265,7 @@
               <a:buChar char="∙"/>
               <a:defRPr sz="2000"/>
             </a:lvl3pPr>
-            <a:lvl4pPr indent="-355600" lvl="3" marL="1828800">
+            <a:lvl4pPr marL="1828800" lvl="3" indent="-355600">
               <a:spcBef>
                 <a:spcPts val="0"/>
               </a:spcBef>
@@ -4140,7 +4276,7 @@
               <a:buChar char="●"/>
               <a:defRPr sz="2000"/>
             </a:lvl4pPr>
-            <a:lvl5pPr indent="-355600" lvl="4" marL="2286000">
+            <a:lvl5pPr marL="2286000" lvl="4" indent="-355600">
               <a:spcBef>
                 <a:spcPts val="0"/>
               </a:spcBef>
@@ -4151,7 +4287,7 @@
               <a:buChar char="○"/>
               <a:defRPr sz="2000"/>
             </a:lvl5pPr>
-            <a:lvl6pPr indent="-355600" lvl="5" marL="2743200">
+            <a:lvl6pPr marL="2743200" lvl="5" indent="-355600">
               <a:spcBef>
                 <a:spcPts val="0"/>
               </a:spcBef>
@@ -4162,7 +4298,7 @@
               <a:buChar char="■"/>
               <a:defRPr sz="2000"/>
             </a:lvl6pPr>
-            <a:lvl7pPr indent="-355600" lvl="6" marL="3200400">
+            <a:lvl7pPr marL="3200400" lvl="6" indent="-355600">
               <a:spcBef>
                 <a:spcPts val="0"/>
               </a:spcBef>
@@ -4173,7 +4309,7 @@
               <a:buChar char="●"/>
               <a:defRPr sz="2000"/>
             </a:lvl7pPr>
-            <a:lvl8pPr indent="-355600" lvl="7" marL="3657600">
+            <a:lvl8pPr marL="3657600" lvl="7" indent="-355600">
               <a:spcBef>
                 <a:spcPts val="0"/>
               </a:spcBef>
@@ -4184,7 +4320,7 @@
               <a:buChar char="○"/>
               <a:defRPr sz="2000"/>
             </a:lvl8pPr>
-            <a:lvl9pPr indent="-355600" lvl="8" marL="4114800">
+            <a:lvl9pPr marL="4114800" lvl="8" indent="-355600">
               <a:spcBef>
                 <a:spcPts val="0"/>
               </a:spcBef>
@@ -4196,15 +4332,19 @@
               <a:defRPr sz="2000"/>
             </a:lvl9pPr>
           </a:lstStyle>
-          <a:p/>
+          <a:p>
+            <a:endParaRPr/>
+          </a:p>
         </p:txBody>
       </p:sp>
       <p:sp>
         <p:nvSpPr>
           <p:cNvPr id="32" name="Google Shape;32;p6"/>
-          <p:cNvSpPr txBox="1"/>
+          <p:cNvSpPr txBox="1">
+            <a:spLocks noGrp="1"/>
+          </p:cNvSpPr>
           <p:nvPr>
-            <p:ph idx="12" type="sldNum"/>
+            <p:ph type="sldNum" idx="12"/>
           </p:nvPr>
         </p:nvSpPr>
         <p:spPr>
@@ -4217,7 +4357,7 @@
           </a:prstGeom>
         </p:spPr>
         <p:txBody>
-          <a:bodyPr anchorCtr="0" anchor="ctr" bIns="0" lIns="0" spcFirstLastPara="1" rIns="0" wrap="square" tIns="0">
+          <a:bodyPr spcFirstLastPara="1" wrap="square" lIns="0" tIns="0" rIns="0" bIns="0" anchor="ctr" anchorCtr="0">
             <a:noAutofit/>
           </a:bodyPr>
           <a:lstStyle>
@@ -4259,7 +4399,7 @@
             </a:lvl9pPr>
           </a:lstStyle>
           <a:p>
-            <a:pPr indent="0" lvl="0" marL="0" rtl="0" algn="r">
+            <a:pPr marL="0" lvl="0" indent="0" algn="r" rtl="0">
               <a:spcBef>
                 <a:spcPts val="0"/>
               </a:spcBef>
@@ -4285,11 +4425,11 @@
 </file>
 
 <file path=ppt/slideLayouts/slideLayout6.xml><?xml version="1.0" encoding="utf-8"?>
-<p:sldLayout xmlns:a="http://schemas.openxmlformats.org/drawingml/2006/main" xmlns:r="http://schemas.openxmlformats.org/officeDocument/2006/relationships" xmlns:mc="http://schemas.openxmlformats.org/markup-compatibility/2006" xmlns:mv="urn:schemas-microsoft-com:mac:vml" xmlns:p="http://schemas.openxmlformats.org/presentationml/2006/main" xmlns:c="http://schemas.openxmlformats.org/drawingml/2006/chart" xmlns:dgm="http://schemas.openxmlformats.org/drawingml/2006/diagram" xmlns:o="urn:schemas-microsoft-com:office:office" xmlns:v="urn:schemas-microsoft-com:vml" xmlns:pvml="urn:schemas-microsoft-com:office:powerpoint" xmlns:com="http://schemas.openxmlformats.org/drawingml/2006/compatibility" xmlns:p14="http://schemas.microsoft.com/office/powerpoint/2010/main" xmlns:p15="http://schemas.microsoft.com/office/powerpoint/2012/main" matchingName="Title + 3 columns">
+<p:sldLayout xmlns:a="http://schemas.openxmlformats.org/drawingml/2006/main" xmlns:r="http://schemas.openxmlformats.org/officeDocument/2006/relationships" xmlns:p="http://schemas.openxmlformats.org/presentationml/2006/main" matchingName="Title + 3 columns">
   <p:cSld name="TITLE_AND_TWO_COLUMNS_1">
     <p:spTree>
       <p:nvGrpSpPr>
-        <p:cNvPr id="33" name="Shape 33"/>
+        <p:cNvPr id="1" name="Shape 33"/>
         <p:cNvGrpSpPr/>
         <p:nvPr/>
       </p:nvGrpSpPr>
@@ -4332,7 +4472,9 @@
       <p:sp>
         <p:nvSpPr>
           <p:cNvPr id="35" name="Google Shape;35;p7"/>
-          <p:cNvSpPr txBox="1"/>
+          <p:cNvSpPr txBox="1">
+            <a:spLocks noGrp="1"/>
+          </p:cNvSpPr>
           <p:nvPr>
             <p:ph type="title"/>
           </p:nvPr>
@@ -4347,7 +4489,7 @@
           </a:prstGeom>
         </p:spPr>
         <p:txBody>
-          <a:bodyPr anchorCtr="0" anchor="b" bIns="0" lIns="0" spcFirstLastPara="1" rIns="0" wrap="square" tIns="0">
+          <a:bodyPr spcFirstLastPara="1" wrap="square" lIns="0" tIns="0" rIns="0" bIns="0" anchor="b" anchorCtr="0">
             <a:noAutofit/>
           </a:bodyPr>
           <a:lstStyle>
@@ -4451,15 +4593,19 @@
               <a:defRPr/>
             </a:lvl9pPr>
           </a:lstStyle>
-          <a:p/>
+          <a:p>
+            <a:endParaRPr/>
+          </a:p>
         </p:txBody>
       </p:sp>
       <p:sp>
         <p:nvSpPr>
           <p:cNvPr id="36" name="Google Shape;36;p7"/>
-          <p:cNvSpPr txBox="1"/>
+          <p:cNvSpPr txBox="1">
+            <a:spLocks noGrp="1"/>
+          </p:cNvSpPr>
           <p:nvPr>
-            <p:ph idx="1" type="body"/>
+            <p:ph type="body" idx="1"/>
           </p:nvPr>
         </p:nvSpPr>
         <p:spPr>
@@ -4472,11 +4618,11 @@
           </a:prstGeom>
         </p:spPr>
         <p:txBody>
-          <a:bodyPr anchorCtr="0" anchor="t" bIns="0" lIns="0" spcFirstLastPara="1" rIns="0" wrap="square" tIns="0">
+          <a:bodyPr spcFirstLastPara="1" wrap="square" lIns="0" tIns="0" rIns="0" bIns="0" anchor="t" anchorCtr="0">
             <a:noAutofit/>
           </a:bodyPr>
           <a:lstStyle>
-            <a:lvl1pPr indent="-330200" lvl="0" marL="457200" rtl="0">
+            <a:lvl1pPr marL="457200" lvl="0" indent="-330200" rtl="0">
               <a:spcBef>
                 <a:spcPts val="600"/>
               </a:spcBef>
@@ -4487,7 +4633,7 @@
               <a:buChar char="⬡"/>
               <a:defRPr sz="1600"/>
             </a:lvl1pPr>
-            <a:lvl2pPr indent="-330200" lvl="1" marL="914400" rtl="0">
+            <a:lvl2pPr marL="914400" lvl="1" indent="-330200" rtl="0">
               <a:spcBef>
                 <a:spcPts val="0"/>
               </a:spcBef>
@@ -4498,7 +4644,7 @@
               <a:buChar char="∙"/>
               <a:defRPr sz="1600"/>
             </a:lvl2pPr>
-            <a:lvl3pPr indent="-330200" lvl="2" marL="1371600" rtl="0">
+            <a:lvl3pPr marL="1371600" lvl="2" indent="-330200" rtl="0">
               <a:spcBef>
                 <a:spcPts val="0"/>
               </a:spcBef>
@@ -4509,7 +4655,7 @@
               <a:buChar char="∙"/>
               <a:defRPr sz="1600"/>
             </a:lvl3pPr>
-            <a:lvl4pPr indent="-330200" lvl="3" marL="1828800" rtl="0">
+            <a:lvl4pPr marL="1828800" lvl="3" indent="-330200" rtl="0">
               <a:spcBef>
                 <a:spcPts val="0"/>
               </a:spcBef>
@@ -4520,7 +4666,7 @@
               <a:buChar char="●"/>
               <a:defRPr sz="1600"/>
             </a:lvl4pPr>
-            <a:lvl5pPr indent="-330200" lvl="4" marL="2286000" rtl="0">
+            <a:lvl5pPr marL="2286000" lvl="4" indent="-330200" rtl="0">
               <a:spcBef>
                 <a:spcPts val="0"/>
               </a:spcBef>
@@ -4531,7 +4677,7 @@
               <a:buChar char="○"/>
               <a:defRPr sz="1600"/>
             </a:lvl5pPr>
-            <a:lvl6pPr indent="-330200" lvl="5" marL="2743200" rtl="0">
+            <a:lvl6pPr marL="2743200" lvl="5" indent="-330200" rtl="0">
               <a:spcBef>
                 <a:spcPts val="0"/>
               </a:spcBef>
@@ -4542,7 +4688,7 @@
               <a:buChar char="■"/>
               <a:defRPr sz="1600"/>
             </a:lvl6pPr>
-            <a:lvl7pPr indent="-330200" lvl="6" marL="3200400" rtl="0">
+            <a:lvl7pPr marL="3200400" lvl="6" indent="-330200" rtl="0">
               <a:spcBef>
                 <a:spcPts val="0"/>
               </a:spcBef>
@@ -4553,7 +4699,7 @@
               <a:buChar char="●"/>
               <a:defRPr sz="1600"/>
             </a:lvl7pPr>
-            <a:lvl8pPr indent="-330200" lvl="7" marL="3657600" rtl="0">
+            <a:lvl8pPr marL="3657600" lvl="7" indent="-330200" rtl="0">
               <a:spcBef>
                 <a:spcPts val="0"/>
               </a:spcBef>
@@ -4564,7 +4710,7 @@
               <a:buChar char="○"/>
               <a:defRPr sz="1600"/>
             </a:lvl8pPr>
-            <a:lvl9pPr indent="-330200" lvl="8" marL="4114800" rtl="0">
+            <a:lvl9pPr marL="4114800" lvl="8" indent="-330200" rtl="0">
               <a:spcBef>
                 <a:spcPts val="0"/>
               </a:spcBef>
@@ -4576,15 +4722,19 @@
               <a:defRPr sz="1600"/>
             </a:lvl9pPr>
           </a:lstStyle>
-          <a:p/>
+          <a:p>
+            <a:endParaRPr/>
+          </a:p>
         </p:txBody>
       </p:sp>
       <p:sp>
         <p:nvSpPr>
           <p:cNvPr id="37" name="Google Shape;37;p7"/>
-          <p:cNvSpPr txBox="1"/>
+          <p:cNvSpPr txBox="1">
+            <a:spLocks noGrp="1"/>
+          </p:cNvSpPr>
           <p:nvPr>
-            <p:ph idx="2" type="body"/>
+            <p:ph type="body" idx="2"/>
           </p:nvPr>
         </p:nvSpPr>
         <p:spPr>
@@ -4597,11 +4747,11 @@
           </a:prstGeom>
         </p:spPr>
         <p:txBody>
-          <a:bodyPr anchorCtr="0" anchor="t" bIns="0" lIns="0" spcFirstLastPara="1" rIns="0" wrap="square" tIns="0">
+          <a:bodyPr spcFirstLastPara="1" wrap="square" lIns="0" tIns="0" rIns="0" bIns="0" anchor="t" anchorCtr="0">
             <a:noAutofit/>
           </a:bodyPr>
           <a:lstStyle>
-            <a:lvl1pPr indent="-330200" lvl="0" marL="457200" rtl="0">
+            <a:lvl1pPr marL="457200" lvl="0" indent="-330200" rtl="0">
               <a:spcBef>
                 <a:spcPts val="600"/>
               </a:spcBef>
@@ -4612,7 +4762,7 @@
               <a:buChar char="⬡"/>
               <a:defRPr sz="1600"/>
             </a:lvl1pPr>
-            <a:lvl2pPr indent="-330200" lvl="1" marL="914400" rtl="0">
+            <a:lvl2pPr marL="914400" lvl="1" indent="-330200" rtl="0">
               <a:spcBef>
                 <a:spcPts val="0"/>
               </a:spcBef>
@@ -4623,7 +4773,7 @@
               <a:buChar char="∙"/>
               <a:defRPr sz="1600"/>
             </a:lvl2pPr>
-            <a:lvl3pPr indent="-330200" lvl="2" marL="1371600" rtl="0">
+            <a:lvl3pPr marL="1371600" lvl="2" indent="-330200" rtl="0">
               <a:spcBef>
                 <a:spcPts val="0"/>
               </a:spcBef>
@@ -4634,7 +4784,7 @@
               <a:buChar char="∙"/>
               <a:defRPr sz="1600"/>
             </a:lvl3pPr>
-            <a:lvl4pPr indent="-330200" lvl="3" marL="1828800" rtl="0">
+            <a:lvl4pPr marL="1828800" lvl="3" indent="-330200" rtl="0">
               <a:spcBef>
                 <a:spcPts val="0"/>
               </a:spcBef>
@@ -4645,7 +4795,7 @@
               <a:buChar char="●"/>
               <a:defRPr sz="1600"/>
             </a:lvl4pPr>
-            <a:lvl5pPr indent="-330200" lvl="4" marL="2286000" rtl="0">
+            <a:lvl5pPr marL="2286000" lvl="4" indent="-330200" rtl="0">
               <a:spcBef>
                 <a:spcPts val="0"/>
               </a:spcBef>
@@ -4656,7 +4806,7 @@
               <a:buChar char="○"/>
               <a:defRPr sz="1600"/>
             </a:lvl5pPr>
-            <a:lvl6pPr indent="-330200" lvl="5" marL="2743200" rtl="0">
+            <a:lvl6pPr marL="2743200" lvl="5" indent="-330200" rtl="0">
               <a:spcBef>
                 <a:spcPts val="0"/>
               </a:spcBef>
@@ -4667,7 +4817,7 @@
               <a:buChar char="■"/>
               <a:defRPr sz="1600"/>
             </a:lvl6pPr>
-            <a:lvl7pPr indent="-330200" lvl="6" marL="3200400" rtl="0">
+            <a:lvl7pPr marL="3200400" lvl="6" indent="-330200" rtl="0">
               <a:spcBef>
                 <a:spcPts val="0"/>
               </a:spcBef>
@@ -4678,7 +4828,7 @@
               <a:buChar char="●"/>
               <a:defRPr sz="1600"/>
             </a:lvl7pPr>
-            <a:lvl8pPr indent="-330200" lvl="7" marL="3657600" rtl="0">
+            <a:lvl8pPr marL="3657600" lvl="7" indent="-330200" rtl="0">
               <a:spcBef>
                 <a:spcPts val="0"/>
               </a:spcBef>
@@ -4689,7 +4839,7 @@
               <a:buChar char="○"/>
               <a:defRPr sz="1600"/>
             </a:lvl8pPr>
-            <a:lvl9pPr indent="-330200" lvl="8" marL="4114800" rtl="0">
+            <a:lvl9pPr marL="4114800" lvl="8" indent="-330200" rtl="0">
               <a:spcBef>
                 <a:spcPts val="0"/>
               </a:spcBef>
@@ -4701,15 +4851,19 @@
               <a:defRPr sz="1600"/>
             </a:lvl9pPr>
           </a:lstStyle>
-          <a:p/>
+          <a:p>
+            <a:endParaRPr/>
+          </a:p>
         </p:txBody>
       </p:sp>
       <p:sp>
         <p:nvSpPr>
           <p:cNvPr id="38" name="Google Shape;38;p7"/>
-          <p:cNvSpPr txBox="1"/>
+          <p:cNvSpPr txBox="1">
+            <a:spLocks noGrp="1"/>
+          </p:cNvSpPr>
           <p:nvPr>
-            <p:ph idx="3" type="body"/>
+            <p:ph type="body" idx="3"/>
           </p:nvPr>
         </p:nvSpPr>
         <p:spPr>
@@ -4722,11 +4876,11 @@
           </a:prstGeom>
         </p:spPr>
         <p:txBody>
-          <a:bodyPr anchorCtr="0" anchor="t" bIns="0" lIns="0" spcFirstLastPara="1" rIns="0" wrap="square" tIns="0">
+          <a:bodyPr spcFirstLastPara="1" wrap="square" lIns="0" tIns="0" rIns="0" bIns="0" anchor="t" anchorCtr="0">
             <a:noAutofit/>
           </a:bodyPr>
           <a:lstStyle>
-            <a:lvl1pPr indent="-330200" lvl="0" marL="457200" rtl="0">
+            <a:lvl1pPr marL="457200" lvl="0" indent="-330200" rtl="0">
               <a:spcBef>
                 <a:spcPts val="600"/>
               </a:spcBef>
@@ -4737,7 +4891,7 @@
               <a:buChar char="⬡"/>
               <a:defRPr sz="1600"/>
             </a:lvl1pPr>
-            <a:lvl2pPr indent="-330200" lvl="1" marL="914400" rtl="0">
+            <a:lvl2pPr marL="914400" lvl="1" indent="-330200" rtl="0">
               <a:spcBef>
                 <a:spcPts val="0"/>
               </a:spcBef>
@@ -4748,7 +4902,7 @@
               <a:buChar char="∙"/>
               <a:defRPr sz="1600"/>
             </a:lvl2pPr>
-            <a:lvl3pPr indent="-330200" lvl="2" marL="1371600" rtl="0">
+            <a:lvl3pPr marL="1371600" lvl="2" indent="-330200" rtl="0">
               <a:spcBef>
                 <a:spcPts val="0"/>
               </a:spcBef>
@@ -4759,7 +4913,7 @@
               <a:buChar char="∙"/>
               <a:defRPr sz="1600"/>
             </a:lvl3pPr>
-            <a:lvl4pPr indent="-330200" lvl="3" marL="1828800" rtl="0">
+            <a:lvl4pPr marL="1828800" lvl="3" indent="-330200" rtl="0">
               <a:spcBef>
                 <a:spcPts val="0"/>
               </a:spcBef>
@@ -4770,7 +4924,7 @@
               <a:buChar char="●"/>
               <a:defRPr sz="1600"/>
             </a:lvl4pPr>
-            <a:lvl5pPr indent="-330200" lvl="4" marL="2286000" rtl="0">
+            <a:lvl5pPr marL="2286000" lvl="4" indent="-330200" rtl="0">
               <a:spcBef>
                 <a:spcPts val="0"/>
               </a:spcBef>
@@ -4781,7 +4935,7 @@
               <a:buChar char="○"/>
               <a:defRPr sz="1600"/>
             </a:lvl5pPr>
-            <a:lvl6pPr indent="-330200" lvl="5" marL="2743200" rtl="0">
+            <a:lvl6pPr marL="2743200" lvl="5" indent="-330200" rtl="0">
               <a:spcBef>
                 <a:spcPts val="0"/>
               </a:spcBef>
@@ -4792,7 +4946,7 @@
               <a:buChar char="■"/>
               <a:defRPr sz="1600"/>
             </a:lvl6pPr>
-            <a:lvl7pPr indent="-330200" lvl="6" marL="3200400" rtl="0">
+            <a:lvl7pPr marL="3200400" lvl="6" indent="-330200" rtl="0">
               <a:spcBef>
                 <a:spcPts val="0"/>
               </a:spcBef>
@@ -4803,7 +4957,7 @@
               <a:buChar char="●"/>
               <a:defRPr sz="1600"/>
             </a:lvl7pPr>
-            <a:lvl8pPr indent="-330200" lvl="7" marL="3657600" rtl="0">
+            <a:lvl8pPr marL="3657600" lvl="7" indent="-330200" rtl="0">
               <a:spcBef>
                 <a:spcPts val="0"/>
               </a:spcBef>
@@ -4814,7 +4968,7 @@
               <a:buChar char="○"/>
               <a:defRPr sz="1600"/>
             </a:lvl8pPr>
-            <a:lvl9pPr indent="-330200" lvl="8" marL="4114800" rtl="0">
+            <a:lvl9pPr marL="4114800" lvl="8" indent="-330200" rtl="0">
               <a:spcBef>
                 <a:spcPts val="0"/>
               </a:spcBef>
@@ -4826,15 +4980,19 @@
               <a:defRPr sz="1600"/>
             </a:lvl9pPr>
           </a:lstStyle>
-          <a:p/>
+          <a:p>
+            <a:endParaRPr/>
+          </a:p>
         </p:txBody>
       </p:sp>
       <p:sp>
         <p:nvSpPr>
           <p:cNvPr id="39" name="Google Shape;39;p7"/>
-          <p:cNvSpPr txBox="1"/>
+          <p:cNvSpPr txBox="1">
+            <a:spLocks noGrp="1"/>
+          </p:cNvSpPr>
           <p:nvPr>
-            <p:ph idx="12" type="sldNum"/>
+            <p:ph type="sldNum" idx="12"/>
           </p:nvPr>
         </p:nvSpPr>
         <p:spPr>
@@ -4847,7 +5005,7 @@
           </a:prstGeom>
         </p:spPr>
         <p:txBody>
-          <a:bodyPr anchorCtr="0" anchor="ctr" bIns="0" lIns="0" spcFirstLastPara="1" rIns="0" wrap="square" tIns="0">
+          <a:bodyPr spcFirstLastPara="1" wrap="square" lIns="0" tIns="0" rIns="0" bIns="0" anchor="ctr" anchorCtr="0">
             <a:noAutofit/>
           </a:bodyPr>
           <a:lstStyle>
@@ -4889,7 +5047,7 @@
             </a:lvl9pPr>
           </a:lstStyle>
           <a:p>
-            <a:pPr indent="0" lvl="0" marL="0" rtl="0" algn="r">
+            <a:pPr marL="0" lvl="0" indent="0" algn="r" rtl="0">
               <a:spcBef>
                 <a:spcPts val="0"/>
               </a:spcBef>
@@ -4915,11 +5073,11 @@
 </file>
 
 <file path=ppt/slideLayouts/slideLayout7.xml><?xml version="1.0" encoding="utf-8"?>
-<p:sldLayout xmlns:a="http://schemas.openxmlformats.org/drawingml/2006/main" xmlns:r="http://schemas.openxmlformats.org/officeDocument/2006/relationships" xmlns:mc="http://schemas.openxmlformats.org/markup-compatibility/2006" xmlns:mv="urn:schemas-microsoft-com:mac:vml" xmlns:p="http://schemas.openxmlformats.org/presentationml/2006/main" xmlns:c="http://schemas.openxmlformats.org/drawingml/2006/chart" xmlns:dgm="http://schemas.openxmlformats.org/drawingml/2006/diagram" xmlns:o="urn:schemas-microsoft-com:office:office" xmlns:v="urn:schemas-microsoft-com:vml" xmlns:pvml="urn:schemas-microsoft-com:office:powerpoint" xmlns:com="http://schemas.openxmlformats.org/drawingml/2006/compatibility" xmlns:p14="http://schemas.microsoft.com/office/powerpoint/2010/main" xmlns:p15="http://schemas.microsoft.com/office/powerpoint/2012/main" matchingName="Title only" type="titleOnly">
+<p:sldLayout xmlns:a="http://schemas.openxmlformats.org/drawingml/2006/main" xmlns:r="http://schemas.openxmlformats.org/officeDocument/2006/relationships" xmlns:p="http://schemas.openxmlformats.org/presentationml/2006/main" matchingName="Title only" type="titleOnly">
   <p:cSld name="TITLE_ONLY">
     <p:spTree>
       <p:nvGrpSpPr>
-        <p:cNvPr id="40" name="Shape 40"/>
+        <p:cNvPr id="1" name="Shape 40"/>
         <p:cNvGrpSpPr/>
         <p:nvPr/>
       </p:nvGrpSpPr>
@@ -4962,7 +5120,9 @@
       <p:sp>
         <p:nvSpPr>
           <p:cNvPr id="42" name="Google Shape;42;p8"/>
-          <p:cNvSpPr txBox="1"/>
+          <p:cNvSpPr txBox="1">
+            <a:spLocks noGrp="1"/>
+          </p:cNvSpPr>
           <p:nvPr>
             <p:ph type="title"/>
           </p:nvPr>
@@ -4977,7 +5137,7 @@
           </a:prstGeom>
         </p:spPr>
         <p:txBody>
-          <a:bodyPr anchorCtr="0" anchor="b" bIns="0" lIns="0" spcFirstLastPara="1" rIns="0" wrap="square" tIns="0">
+          <a:bodyPr spcFirstLastPara="1" wrap="square" lIns="0" tIns="0" rIns="0" bIns="0" anchor="b" anchorCtr="0">
             <a:noAutofit/>
           </a:bodyPr>
           <a:lstStyle>
@@ -5081,15 +5241,19 @@
               <a:defRPr/>
             </a:lvl9pPr>
           </a:lstStyle>
-          <a:p/>
+          <a:p>
+            <a:endParaRPr/>
+          </a:p>
         </p:txBody>
       </p:sp>
       <p:sp>
         <p:nvSpPr>
           <p:cNvPr id="43" name="Google Shape;43;p8"/>
-          <p:cNvSpPr txBox="1"/>
+          <p:cNvSpPr txBox="1">
+            <a:spLocks noGrp="1"/>
+          </p:cNvSpPr>
           <p:nvPr>
-            <p:ph idx="12" type="sldNum"/>
+            <p:ph type="sldNum" idx="12"/>
           </p:nvPr>
         </p:nvSpPr>
         <p:spPr>
@@ -5102,7 +5266,7 @@
           </a:prstGeom>
         </p:spPr>
         <p:txBody>
-          <a:bodyPr anchorCtr="0" anchor="ctr" bIns="0" lIns="0" spcFirstLastPara="1" rIns="0" wrap="square" tIns="0">
+          <a:bodyPr spcFirstLastPara="1" wrap="square" lIns="0" tIns="0" rIns="0" bIns="0" anchor="ctr" anchorCtr="0">
             <a:noAutofit/>
           </a:bodyPr>
           <a:lstStyle>
@@ -5144,7 +5308,7 @@
             </a:lvl9pPr>
           </a:lstStyle>
           <a:p>
-            <a:pPr indent="0" lvl="0" marL="0" rtl="0" algn="r">
+            <a:pPr marL="0" lvl="0" indent="0" algn="r" rtl="0">
               <a:spcBef>
                 <a:spcPts val="0"/>
               </a:spcBef>
@@ -5170,11 +5334,11 @@
 </file>
 
 <file path=ppt/slideLayouts/slideLayout8.xml><?xml version="1.0" encoding="utf-8"?>
-<p:sldLayout xmlns:a="http://schemas.openxmlformats.org/drawingml/2006/main" xmlns:r="http://schemas.openxmlformats.org/officeDocument/2006/relationships" xmlns:mc="http://schemas.openxmlformats.org/markup-compatibility/2006" xmlns:mv="urn:schemas-microsoft-com:mac:vml" xmlns:p="http://schemas.openxmlformats.org/presentationml/2006/main" xmlns:c="http://schemas.openxmlformats.org/drawingml/2006/chart" xmlns:dgm="http://schemas.openxmlformats.org/drawingml/2006/diagram" xmlns:o="urn:schemas-microsoft-com:office:office" xmlns:v="urn:schemas-microsoft-com:vml" xmlns:pvml="urn:schemas-microsoft-com:office:powerpoint" xmlns:com="http://schemas.openxmlformats.org/drawingml/2006/compatibility" xmlns:p14="http://schemas.microsoft.com/office/powerpoint/2010/main" xmlns:p15="http://schemas.microsoft.com/office/powerpoint/2012/main" matchingName="Caption">
+<p:sldLayout xmlns:a="http://schemas.openxmlformats.org/drawingml/2006/main" xmlns:r="http://schemas.openxmlformats.org/officeDocument/2006/relationships" xmlns:p="http://schemas.openxmlformats.org/presentationml/2006/main" matchingName="Caption">
   <p:cSld name="CAPTION_ONLY">
     <p:spTree>
       <p:nvGrpSpPr>
-        <p:cNvPr id="44" name="Shape 44"/>
+        <p:cNvPr id="1" name="Shape 44"/>
         <p:cNvGrpSpPr/>
         <p:nvPr/>
       </p:nvGrpSpPr>
@@ -5217,9 +5381,11 @@
       <p:sp>
         <p:nvSpPr>
           <p:cNvPr id="46" name="Google Shape;46;p9"/>
-          <p:cNvSpPr txBox="1"/>
+          <p:cNvSpPr txBox="1">
+            <a:spLocks noGrp="1"/>
+          </p:cNvSpPr>
           <p:nvPr>
-            <p:ph idx="1" type="body"/>
+            <p:ph type="body" idx="1"/>
           </p:nvPr>
         </p:nvSpPr>
         <p:spPr>
@@ -5232,11 +5398,11 @@
           </a:prstGeom>
         </p:spPr>
         <p:txBody>
-          <a:bodyPr anchorCtr="0" anchor="t" bIns="0" lIns="0" spcFirstLastPara="1" rIns="0" wrap="square" tIns="0">
+          <a:bodyPr spcFirstLastPara="1" wrap="square" lIns="0" tIns="0" rIns="0" bIns="0" anchor="t" anchorCtr="0">
             <a:noAutofit/>
           </a:bodyPr>
           <a:lstStyle>
-            <a:lvl1pPr indent="-228600" lvl="0" marL="457200">
+            <a:lvl1pPr marL="457200" lvl="0" indent="-228600">
               <a:spcBef>
                 <a:spcPts val="360"/>
               </a:spcBef>
@@ -5248,15 +5414,19 @@
               <a:defRPr sz="1400"/>
             </a:lvl1pPr>
           </a:lstStyle>
-          <a:p/>
+          <a:p>
+            <a:endParaRPr/>
+          </a:p>
         </p:txBody>
       </p:sp>
       <p:sp>
         <p:nvSpPr>
           <p:cNvPr id="47" name="Google Shape;47;p9"/>
-          <p:cNvSpPr txBox="1"/>
+          <p:cNvSpPr txBox="1">
+            <a:spLocks noGrp="1"/>
+          </p:cNvSpPr>
           <p:nvPr>
-            <p:ph idx="12" type="sldNum"/>
+            <p:ph type="sldNum" idx="12"/>
           </p:nvPr>
         </p:nvSpPr>
         <p:spPr>
@@ -5269,7 +5439,7 @@
           </a:prstGeom>
         </p:spPr>
         <p:txBody>
-          <a:bodyPr anchorCtr="0" anchor="ctr" bIns="0" lIns="0" spcFirstLastPara="1" rIns="0" wrap="square" tIns="0">
+          <a:bodyPr spcFirstLastPara="1" wrap="square" lIns="0" tIns="0" rIns="0" bIns="0" anchor="ctr" anchorCtr="0">
             <a:noAutofit/>
           </a:bodyPr>
           <a:lstStyle>
@@ -5311,7 +5481,7 @@
             </a:lvl9pPr>
           </a:lstStyle>
           <a:p>
-            <a:pPr indent="0" lvl="0" marL="0" rtl="0" algn="r">
+            <a:pPr marL="0" lvl="0" indent="0" algn="r" rtl="0">
               <a:spcBef>
                 <a:spcPts val="0"/>
               </a:spcBef>
@@ -5337,11 +5507,11 @@
 </file>
 
 <file path=ppt/slideLayouts/slideLayout9.xml><?xml version="1.0" encoding="utf-8"?>
-<p:sldLayout xmlns:a="http://schemas.openxmlformats.org/drawingml/2006/main" xmlns:r="http://schemas.openxmlformats.org/officeDocument/2006/relationships" xmlns:mc="http://schemas.openxmlformats.org/markup-compatibility/2006" xmlns:mv="urn:schemas-microsoft-com:mac:vml" xmlns:p="http://schemas.openxmlformats.org/presentationml/2006/main" xmlns:c="http://schemas.openxmlformats.org/drawingml/2006/chart" xmlns:dgm="http://schemas.openxmlformats.org/drawingml/2006/diagram" xmlns:o="urn:schemas-microsoft-com:office:office" xmlns:v="urn:schemas-microsoft-com:vml" xmlns:pvml="urn:schemas-microsoft-com:office:powerpoint" xmlns:com="http://schemas.openxmlformats.org/drawingml/2006/compatibility" xmlns:p14="http://schemas.microsoft.com/office/powerpoint/2010/main" xmlns:p15="http://schemas.microsoft.com/office/powerpoint/2012/main" matchingName="Blank · Small circuit" type="blank">
+<p:sldLayout xmlns:a="http://schemas.openxmlformats.org/drawingml/2006/main" xmlns:r="http://schemas.openxmlformats.org/officeDocument/2006/relationships" xmlns:p="http://schemas.openxmlformats.org/presentationml/2006/main" matchingName="Blank · Small circuit" type="blank">
   <p:cSld name="BLANK">
     <p:spTree>
       <p:nvGrpSpPr>
-        <p:cNvPr id="48" name="Shape 48"/>
+        <p:cNvPr id="1" name="Shape 48"/>
         <p:cNvGrpSpPr/>
         <p:nvPr/>
       </p:nvGrpSpPr>
@@ -5384,9 +5554,11 @@
       <p:sp>
         <p:nvSpPr>
           <p:cNvPr id="50" name="Google Shape;50;p10"/>
-          <p:cNvSpPr txBox="1"/>
+          <p:cNvSpPr txBox="1">
+            <a:spLocks noGrp="1"/>
+          </p:cNvSpPr>
           <p:nvPr>
-            <p:ph idx="12" type="sldNum"/>
+            <p:ph type="sldNum" idx="12"/>
           </p:nvPr>
         </p:nvSpPr>
         <p:spPr>
@@ -5399,7 +5571,7 @@
           </a:prstGeom>
         </p:spPr>
         <p:txBody>
-          <a:bodyPr anchorCtr="0" anchor="ctr" bIns="0" lIns="0" spcFirstLastPara="1" rIns="0" wrap="square" tIns="0">
+          <a:bodyPr spcFirstLastPara="1" wrap="square" lIns="0" tIns="0" rIns="0" bIns="0" anchor="ctr" anchorCtr="0">
             <a:noAutofit/>
           </a:bodyPr>
           <a:lstStyle>
@@ -5441,7 +5613,7 @@
             </a:lvl9pPr>
           </a:lstStyle>
           <a:p>
-            <a:pPr indent="0" lvl="0" marL="0" rtl="0" algn="r">
+            <a:pPr marL="0" lvl="0" indent="0" algn="r" rtl="0">
               <a:spcBef>
                 <a:spcPts val="0"/>
               </a:spcBef>
@@ -5467,7 +5639,7 @@
 </file>
 
 <file path=ppt/slideMasters/slideMaster1.xml><?xml version="1.0" encoding="utf-8"?>
-<p:sldMaster xmlns:a="http://schemas.openxmlformats.org/drawingml/2006/main" xmlns:r="http://schemas.openxmlformats.org/officeDocument/2006/relationships" xmlns:mc="http://schemas.openxmlformats.org/markup-compatibility/2006" xmlns:mv="urn:schemas-microsoft-com:mac:vml" xmlns:p="http://schemas.openxmlformats.org/presentationml/2006/main" xmlns:c="http://schemas.openxmlformats.org/drawingml/2006/chart" xmlns:dgm="http://schemas.openxmlformats.org/drawingml/2006/diagram" xmlns:o="urn:schemas-microsoft-com:office:office" xmlns:v="urn:schemas-microsoft-com:vml" xmlns:pvml="urn:schemas-microsoft-com:office:powerpoint" xmlns:com="http://schemas.openxmlformats.org/drawingml/2006/compatibility" xmlns:p14="http://schemas.microsoft.com/office/powerpoint/2010/main" xmlns:p15="http://schemas.microsoft.com/office/powerpoint/2012/main">
+<p:sldMaster xmlns:a="http://schemas.openxmlformats.org/drawingml/2006/main" xmlns:r="http://schemas.openxmlformats.org/officeDocument/2006/relationships" xmlns:p="http://schemas.openxmlformats.org/presentationml/2006/main">
   <p:cSld name="simple-light">
     <p:bg>
       <p:bgPr>
@@ -5485,11 +5657,12 @@
           </a:gsLst>
           <a:lin ang="8100019" scaled="0"/>
         </a:gradFill>
+        <a:effectLst/>
       </p:bgPr>
     </p:bg>
     <p:spTree>
       <p:nvGrpSpPr>
-        <p:cNvPr id="5" name="Shape 5"/>
+        <p:cNvPr id="1" name="Shape 5"/>
         <p:cNvGrpSpPr/>
         <p:nvPr/>
       </p:nvGrpSpPr>
@@ -5504,7 +5677,9 @@
       <p:sp>
         <p:nvSpPr>
           <p:cNvPr id="6" name="Google Shape;6;p1"/>
-          <p:cNvSpPr txBox="1"/>
+          <p:cNvSpPr txBox="1">
+            <a:spLocks noGrp="1"/>
+          </p:cNvSpPr>
           <p:nvPr>
             <p:ph type="title"/>
           </p:nvPr>
@@ -5523,7 +5698,7 @@
           </a:ln>
         </p:spPr>
         <p:txBody>
-          <a:bodyPr anchorCtr="0" anchor="b" bIns="0" lIns="0" spcFirstLastPara="1" rIns="0" wrap="square" tIns="0">
+          <a:bodyPr spcFirstLastPara="1" wrap="square" lIns="0" tIns="0" rIns="0" bIns="0" anchor="b" anchorCtr="0">
             <a:noAutofit/>
           </a:bodyPr>
           <a:lstStyle>
@@ -5540,7 +5715,7 @@
               <a:buSzPts val="3200"/>
               <a:buFont typeface="Lexend Deca"/>
               <a:buNone/>
-              <a:defRPr b="1" sz="3200">
+              <a:defRPr sz="3200" b="1">
                 <a:solidFill>
                   <a:schemeClr val="lt1"/>
                 </a:solidFill>
@@ -5563,7 +5738,7 @@
               <a:buSzPts val="3200"/>
               <a:buFont typeface="Lexend Deca"/>
               <a:buNone/>
-              <a:defRPr b="1" sz="3200">
+              <a:defRPr sz="3200" b="1">
                 <a:solidFill>
                   <a:schemeClr val="lt1"/>
                 </a:solidFill>
@@ -5586,7 +5761,7 @@
               <a:buSzPts val="3200"/>
               <a:buFont typeface="Lexend Deca"/>
               <a:buNone/>
-              <a:defRPr b="1" sz="3200">
+              <a:defRPr sz="3200" b="1">
                 <a:solidFill>
                   <a:schemeClr val="lt1"/>
                 </a:solidFill>
@@ -5609,7 +5784,7 @@
               <a:buSzPts val="3200"/>
               <a:buFont typeface="Lexend Deca"/>
               <a:buNone/>
-              <a:defRPr b="1" sz="3200">
+              <a:defRPr sz="3200" b="1">
                 <a:solidFill>
                   <a:schemeClr val="lt1"/>
                 </a:solidFill>
@@ -5632,7 +5807,7 @@
               <a:buSzPts val="3200"/>
               <a:buFont typeface="Lexend Deca"/>
               <a:buNone/>
-              <a:defRPr b="1" sz="3200">
+              <a:defRPr sz="3200" b="1">
                 <a:solidFill>
                   <a:schemeClr val="lt1"/>
                 </a:solidFill>
@@ -5655,7 +5830,7 @@
               <a:buSzPts val="3200"/>
               <a:buFont typeface="Lexend Deca"/>
               <a:buNone/>
-              <a:defRPr b="1" sz="3200">
+              <a:defRPr sz="3200" b="1">
                 <a:solidFill>
                   <a:schemeClr val="lt1"/>
                 </a:solidFill>
@@ -5678,7 +5853,7 @@
               <a:buSzPts val="3200"/>
               <a:buFont typeface="Lexend Deca"/>
               <a:buNone/>
-              <a:defRPr b="1" sz="3200">
+              <a:defRPr sz="3200" b="1">
                 <a:solidFill>
                   <a:schemeClr val="lt1"/>
                 </a:solidFill>
@@ -5701,7 +5876,7 @@
               <a:buSzPts val="3200"/>
               <a:buFont typeface="Lexend Deca"/>
               <a:buNone/>
-              <a:defRPr b="1" sz="3200">
+              <a:defRPr sz="3200" b="1">
                 <a:solidFill>
                   <a:schemeClr val="lt1"/>
                 </a:solidFill>
@@ -5724,7 +5899,7 @@
               <a:buSzPts val="3200"/>
               <a:buFont typeface="Lexend Deca"/>
               <a:buNone/>
-              <a:defRPr b="1" sz="3200">
+              <a:defRPr sz="3200" b="1">
                 <a:solidFill>
                   <a:schemeClr val="lt1"/>
                 </a:solidFill>
@@ -5735,15 +5910,19 @@
               </a:defRPr>
             </a:lvl9pPr>
           </a:lstStyle>
-          <a:p/>
+          <a:p>
+            <a:endParaRPr/>
+          </a:p>
         </p:txBody>
       </p:sp>
       <p:sp>
         <p:nvSpPr>
           <p:cNvPr id="7" name="Google Shape;7;p1"/>
-          <p:cNvSpPr txBox="1"/>
+          <p:cNvSpPr txBox="1">
+            <a:spLocks noGrp="1"/>
+          </p:cNvSpPr>
           <p:nvPr>
-            <p:ph idx="1" type="body"/>
+            <p:ph type="body" idx="1"/>
           </p:nvPr>
         </p:nvSpPr>
         <p:spPr>
@@ -5760,11 +5939,11 @@
           </a:ln>
         </p:spPr>
         <p:txBody>
-          <a:bodyPr anchorCtr="0" anchor="t" bIns="0" lIns="0" spcFirstLastPara="1" rIns="0" wrap="square" tIns="0">
+          <a:bodyPr spcFirstLastPara="1" wrap="square" lIns="0" tIns="0" rIns="0" bIns="0" anchor="t" anchorCtr="0">
             <a:noAutofit/>
           </a:bodyPr>
           <a:lstStyle>
-            <a:lvl1pPr indent="-342900" lvl="0" marL="457200">
+            <a:lvl1pPr marL="457200" lvl="0" indent="-342900">
               <a:lnSpc>
                 <a:spcPct val="115000"/>
               </a:lnSpc>
@@ -5790,7 +5969,7 @@
                 <a:sym typeface="Muli Light"/>
               </a:defRPr>
             </a:lvl1pPr>
-            <a:lvl2pPr indent="-381000" lvl="1" marL="914400">
+            <a:lvl2pPr marL="914400" lvl="1" indent="-381000">
               <a:lnSpc>
                 <a:spcPct val="115000"/>
               </a:lnSpc>
@@ -5816,7 +5995,7 @@
                 <a:sym typeface="Muli Light"/>
               </a:defRPr>
             </a:lvl2pPr>
-            <a:lvl3pPr indent="-381000" lvl="2" marL="1371600">
+            <a:lvl3pPr marL="1371600" lvl="2" indent="-381000">
               <a:lnSpc>
                 <a:spcPct val="115000"/>
               </a:lnSpc>
@@ -5842,7 +6021,7 @@
                 <a:sym typeface="Muli Light"/>
               </a:defRPr>
             </a:lvl3pPr>
-            <a:lvl4pPr indent="-381000" lvl="3" marL="1828800">
+            <a:lvl4pPr marL="1828800" lvl="3" indent="-381000">
               <a:lnSpc>
                 <a:spcPct val="115000"/>
               </a:lnSpc>
@@ -5868,7 +6047,7 @@
                 <a:sym typeface="Muli Light"/>
               </a:defRPr>
             </a:lvl4pPr>
-            <a:lvl5pPr indent="-381000" lvl="4" marL="2286000">
+            <a:lvl5pPr marL="2286000" lvl="4" indent="-381000">
               <a:lnSpc>
                 <a:spcPct val="115000"/>
               </a:lnSpc>
@@ -5894,7 +6073,7 @@
                 <a:sym typeface="Muli Light"/>
               </a:defRPr>
             </a:lvl5pPr>
-            <a:lvl6pPr indent="-381000" lvl="5" marL="2743200">
+            <a:lvl6pPr marL="2743200" lvl="5" indent="-381000">
               <a:lnSpc>
                 <a:spcPct val="115000"/>
               </a:lnSpc>
@@ -5920,7 +6099,7 @@
                 <a:sym typeface="Muli Light"/>
               </a:defRPr>
             </a:lvl6pPr>
-            <a:lvl7pPr indent="-381000" lvl="6" marL="3200400">
+            <a:lvl7pPr marL="3200400" lvl="6" indent="-381000">
               <a:lnSpc>
                 <a:spcPct val="115000"/>
               </a:lnSpc>
@@ -5946,7 +6125,7 @@
                 <a:sym typeface="Muli Light"/>
               </a:defRPr>
             </a:lvl7pPr>
-            <a:lvl8pPr indent="-381000" lvl="7" marL="3657600">
+            <a:lvl8pPr marL="3657600" lvl="7" indent="-381000">
               <a:lnSpc>
                 <a:spcPct val="115000"/>
               </a:lnSpc>
@@ -5972,7 +6151,7 @@
                 <a:sym typeface="Muli Light"/>
               </a:defRPr>
             </a:lvl8pPr>
-            <a:lvl9pPr indent="-381000" lvl="8" marL="4114800">
+            <a:lvl9pPr marL="4114800" lvl="8" indent="-381000">
               <a:lnSpc>
                 <a:spcPct val="115000"/>
               </a:lnSpc>
@@ -5999,15 +6178,19 @@
               </a:defRPr>
             </a:lvl9pPr>
           </a:lstStyle>
-          <a:p/>
+          <a:p>
+            <a:endParaRPr/>
+          </a:p>
         </p:txBody>
       </p:sp>
       <p:sp>
         <p:nvSpPr>
           <p:cNvPr id="8" name="Google Shape;8;p1"/>
-          <p:cNvSpPr txBox="1"/>
+          <p:cNvSpPr txBox="1">
+            <a:spLocks noGrp="1"/>
+          </p:cNvSpPr>
           <p:nvPr>
-            <p:ph idx="12" type="sldNum"/>
+            <p:ph type="sldNum" idx="12"/>
           </p:nvPr>
         </p:nvSpPr>
         <p:spPr>
@@ -6024,7 +6207,7 @@
           </a:ln>
         </p:spPr>
         <p:txBody>
-          <a:bodyPr anchorCtr="0" anchor="ctr" bIns="0" lIns="0" spcFirstLastPara="1" rIns="0" wrap="square" tIns="0">
+          <a:bodyPr spcFirstLastPara="1" wrap="square" lIns="0" tIns="0" rIns="0" bIns="0" anchor="ctr" anchorCtr="0">
             <a:noAutofit/>
           </a:bodyPr>
           <a:lstStyle>
@@ -6138,7 +6321,7 @@
             </a:lvl9pPr>
           </a:lstStyle>
           <a:p>
-            <a:pPr indent="0" lvl="0" marL="0" rtl="0" algn="r">
+            <a:pPr marL="0" lvl="0" indent="0" algn="r" rtl="0">
               <a:spcBef>
                 <a:spcPts val="0"/>
               </a:spcBef>
@@ -6157,7 +6340,7 @@
       </p:sp>
     </p:spTree>
   </p:cSld>
-  <p:clrMap accent1="accent1" accent2="accent2" accent3="accent3" accent4="accent4" accent5="accent5" accent6="accent6" bg1="lt1" bg2="dk2" tx1="dk1" tx2="lt2" folHlink="folHlink" hlink="hlink"/>
+  <p:clrMap bg1="lt1" tx1="dk1" bg2="dk2" tx2="lt2" accent1="accent1" accent2="accent2" accent3="accent3" accent4="accent4" accent5="accent5" accent6="accent6" hlink="hlink" folHlink="folHlink"/>
   <p:sldLayoutIdLst>
     <p:sldLayoutId id="2147483648" r:id="rId1"/>
     <p:sldLayoutId id="2147483649" r:id="rId2"/>
@@ -6174,10 +6357,10 @@
   <p:transition>
     <p:fade thruBlk="1"/>
   </p:transition>
-  <p:hf dt="0" ftr="0" hdr="0"/>
+  <p:hf hdr="0" ftr="0" dt="0"/>
   <p:txStyles>
     <p:titleStyle>
-      <a:defPPr lvl="0" marR="0" rtl="0" algn="l">
+      <a:defPPr marR="0" lvl="0" algn="l" rtl="0">
         <a:lnSpc>
           <a:spcPct val="100000"/>
         </a:lnSpc>
@@ -6188,7 +6371,7 @@
           <a:spcPts val="0"/>
         </a:spcAft>
       </a:defPPr>
-      <a:lvl1pPr lvl="0" marR="0" rtl="0" algn="l">
+      <a:lvl1pPr marR="0" lvl="0" algn="l" rtl="0">
         <a:lnSpc>
           <a:spcPct val="100000"/>
         </a:lnSpc>
@@ -6202,7 +6385,7 @@
           <a:srgbClr val="000000"/>
         </a:buClr>
         <a:buFont typeface="Arial"/>
-        <a:defRPr b="0" i="0" sz="1400" u="none" cap="none" strike="noStrike">
+        <a:defRPr sz="1400" b="0" i="0" u="none" strike="noStrike" cap="none">
           <a:solidFill>
             <a:srgbClr val="000000"/>
           </a:solidFill>
@@ -6212,7 +6395,7 @@
           <a:sym typeface="Arial"/>
         </a:defRPr>
       </a:lvl1pPr>
-      <a:lvl2pPr lvl="1" marR="0" rtl="0" algn="l">
+      <a:lvl2pPr marR="0" lvl="1" algn="l" rtl="0">
         <a:lnSpc>
           <a:spcPct val="100000"/>
         </a:lnSpc>
@@ -6226,7 +6409,7 @@
           <a:srgbClr val="000000"/>
         </a:buClr>
         <a:buFont typeface="Arial"/>
-        <a:defRPr b="0" i="0" sz="1400" u="none" cap="none" strike="noStrike">
+        <a:defRPr sz="1400" b="0" i="0" u="none" strike="noStrike" cap="none">
           <a:solidFill>
             <a:srgbClr val="000000"/>
           </a:solidFill>
@@ -6236,7 +6419,7 @@
           <a:sym typeface="Arial"/>
         </a:defRPr>
       </a:lvl2pPr>
-      <a:lvl3pPr lvl="2" marR="0" rtl="0" algn="l">
+      <a:lvl3pPr marR="0" lvl="2" algn="l" rtl="0">
         <a:lnSpc>
           <a:spcPct val="100000"/>
         </a:lnSpc>
@@ -6250,7 +6433,7 @@
           <a:srgbClr val="000000"/>
         </a:buClr>
         <a:buFont typeface="Arial"/>
-        <a:defRPr b="0" i="0" sz="1400" u="none" cap="none" strike="noStrike">
+        <a:defRPr sz="1400" b="0" i="0" u="none" strike="noStrike" cap="none">
           <a:solidFill>
             <a:srgbClr val="000000"/>
           </a:solidFill>
@@ -6260,7 +6443,7 @@
           <a:sym typeface="Arial"/>
         </a:defRPr>
       </a:lvl3pPr>
-      <a:lvl4pPr lvl="3" marR="0" rtl="0" algn="l">
+      <a:lvl4pPr marR="0" lvl="3" algn="l" rtl="0">
         <a:lnSpc>
           <a:spcPct val="100000"/>
         </a:lnSpc>
@@ -6274,7 +6457,7 @@
           <a:srgbClr val="000000"/>
         </a:buClr>
         <a:buFont typeface="Arial"/>
-        <a:defRPr b="0" i="0" sz="1400" u="none" cap="none" strike="noStrike">
+        <a:defRPr sz="1400" b="0" i="0" u="none" strike="noStrike" cap="none">
           <a:solidFill>
             <a:srgbClr val="000000"/>
           </a:solidFill>
@@ -6284,7 +6467,7 @@
           <a:sym typeface="Arial"/>
         </a:defRPr>
       </a:lvl4pPr>
-      <a:lvl5pPr lvl="4" marR="0" rtl="0" algn="l">
+      <a:lvl5pPr marR="0" lvl="4" algn="l" rtl="0">
         <a:lnSpc>
           <a:spcPct val="100000"/>
         </a:lnSpc>
@@ -6298,7 +6481,7 @@
           <a:srgbClr val="000000"/>
         </a:buClr>
         <a:buFont typeface="Arial"/>
-        <a:defRPr b="0" i="0" sz="1400" u="none" cap="none" strike="noStrike">
+        <a:defRPr sz="1400" b="0" i="0" u="none" strike="noStrike" cap="none">
           <a:solidFill>
             <a:srgbClr val="000000"/>
           </a:solidFill>
@@ -6308,7 +6491,7 @@
           <a:sym typeface="Arial"/>
         </a:defRPr>
       </a:lvl5pPr>
-      <a:lvl6pPr lvl="5" marR="0" rtl="0" algn="l">
+      <a:lvl6pPr marR="0" lvl="5" algn="l" rtl="0">
         <a:lnSpc>
           <a:spcPct val="100000"/>
         </a:lnSpc>
@@ -6322,7 +6505,7 @@
           <a:srgbClr val="000000"/>
         </a:buClr>
         <a:buFont typeface="Arial"/>
-        <a:defRPr b="0" i="0" sz="1400" u="none" cap="none" strike="noStrike">
+        <a:defRPr sz="1400" b="0" i="0" u="none" strike="noStrike" cap="none">
           <a:solidFill>
             <a:srgbClr val="000000"/>
           </a:solidFill>
@@ -6332,7 +6515,7 @@
           <a:sym typeface="Arial"/>
         </a:defRPr>
       </a:lvl6pPr>
-      <a:lvl7pPr lvl="6" marR="0" rtl="0" algn="l">
+      <a:lvl7pPr marR="0" lvl="6" algn="l" rtl="0">
         <a:lnSpc>
           <a:spcPct val="100000"/>
         </a:lnSpc>
@@ -6346,7 +6529,7 @@
           <a:srgbClr val="000000"/>
         </a:buClr>
         <a:buFont typeface="Arial"/>
-        <a:defRPr b="0" i="0" sz="1400" u="none" cap="none" strike="noStrike">
+        <a:defRPr sz="1400" b="0" i="0" u="none" strike="noStrike" cap="none">
           <a:solidFill>
             <a:srgbClr val="000000"/>
           </a:solidFill>
@@ -6356,7 +6539,7 @@
           <a:sym typeface="Arial"/>
         </a:defRPr>
       </a:lvl7pPr>
-      <a:lvl8pPr lvl="7" marR="0" rtl="0" algn="l">
+      <a:lvl8pPr marR="0" lvl="7" algn="l" rtl="0">
         <a:lnSpc>
           <a:spcPct val="100000"/>
         </a:lnSpc>
@@ -6370,7 +6553,7 @@
           <a:srgbClr val="000000"/>
         </a:buClr>
         <a:buFont typeface="Arial"/>
-        <a:defRPr b="0" i="0" sz="1400" u="none" cap="none" strike="noStrike">
+        <a:defRPr sz="1400" b="0" i="0" u="none" strike="noStrike" cap="none">
           <a:solidFill>
             <a:srgbClr val="000000"/>
           </a:solidFill>
@@ -6380,7 +6563,7 @@
           <a:sym typeface="Arial"/>
         </a:defRPr>
       </a:lvl8pPr>
-      <a:lvl9pPr lvl="8" marR="0" rtl="0" algn="l">
+      <a:lvl9pPr marR="0" lvl="8" algn="l" rtl="0">
         <a:lnSpc>
           <a:spcPct val="100000"/>
         </a:lnSpc>
@@ -6394,7 +6577,7 @@
           <a:srgbClr val="000000"/>
         </a:buClr>
         <a:buFont typeface="Arial"/>
-        <a:defRPr b="0" i="0" sz="1400" u="none" cap="none" strike="noStrike">
+        <a:defRPr sz="1400" b="0" i="0" u="none" strike="noStrike" cap="none">
           <a:solidFill>
             <a:srgbClr val="000000"/>
           </a:solidFill>
@@ -6406,7 +6589,7 @@
       </a:lvl9pPr>
     </p:titleStyle>
     <p:bodyStyle>
-      <a:defPPr lvl="0" marR="0" rtl="0" algn="l">
+      <a:defPPr marR="0" lvl="0" algn="l" rtl="0">
         <a:lnSpc>
           <a:spcPct val="100000"/>
         </a:lnSpc>
@@ -6417,7 +6600,7 @@
           <a:spcPts val="0"/>
         </a:spcAft>
       </a:defPPr>
-      <a:lvl1pPr lvl="0" marR="0" rtl="0" algn="l">
+      <a:lvl1pPr marR="0" lvl="0" algn="l" rtl="0">
         <a:lnSpc>
           <a:spcPct val="100000"/>
         </a:lnSpc>
@@ -6431,7 +6614,7 @@
           <a:srgbClr val="000000"/>
         </a:buClr>
         <a:buFont typeface="Arial"/>
-        <a:defRPr b="0" i="0" sz="1400" u="none" cap="none" strike="noStrike">
+        <a:defRPr sz="1400" b="0" i="0" u="none" strike="noStrike" cap="none">
           <a:solidFill>
             <a:srgbClr val="000000"/>
           </a:solidFill>
@@ -6441,7 +6624,7 @@
           <a:sym typeface="Arial"/>
         </a:defRPr>
       </a:lvl1pPr>
-      <a:lvl2pPr lvl="1" marR="0" rtl="0" algn="l">
+      <a:lvl2pPr marR="0" lvl="1" algn="l" rtl="0">
         <a:lnSpc>
           <a:spcPct val="100000"/>
         </a:lnSpc>
@@ -6455,7 +6638,7 @@
           <a:srgbClr val="000000"/>
         </a:buClr>
         <a:buFont typeface="Arial"/>
-        <a:defRPr b="0" i="0" sz="1400" u="none" cap="none" strike="noStrike">
+        <a:defRPr sz="1400" b="0" i="0" u="none" strike="noStrike" cap="none">
           <a:solidFill>
             <a:srgbClr val="000000"/>
           </a:solidFill>
@@ -6465,7 +6648,7 @@
           <a:sym typeface="Arial"/>
         </a:defRPr>
       </a:lvl2pPr>
-      <a:lvl3pPr lvl="2" marR="0" rtl="0" algn="l">
+      <a:lvl3pPr marR="0" lvl="2" algn="l" rtl="0">
         <a:lnSpc>
           <a:spcPct val="100000"/>
         </a:lnSpc>
@@ -6479,7 +6662,7 @@
           <a:srgbClr val="000000"/>
         </a:buClr>
         <a:buFont typeface="Arial"/>
-        <a:defRPr b="0" i="0" sz="1400" u="none" cap="none" strike="noStrike">
+        <a:defRPr sz="1400" b="0" i="0" u="none" strike="noStrike" cap="none">
           <a:solidFill>
             <a:srgbClr val="000000"/>
           </a:solidFill>
@@ -6489,7 +6672,7 @@
           <a:sym typeface="Arial"/>
         </a:defRPr>
       </a:lvl3pPr>
-      <a:lvl4pPr lvl="3" marR="0" rtl="0" algn="l">
+      <a:lvl4pPr marR="0" lvl="3" algn="l" rtl="0">
         <a:lnSpc>
           <a:spcPct val="100000"/>
         </a:lnSpc>
@@ -6503,7 +6686,7 @@
           <a:srgbClr val="000000"/>
         </a:buClr>
         <a:buFont typeface="Arial"/>
-        <a:defRPr b="0" i="0" sz="1400" u="none" cap="none" strike="noStrike">
+        <a:defRPr sz="1400" b="0" i="0" u="none" strike="noStrike" cap="none">
           <a:solidFill>
             <a:srgbClr val="000000"/>
           </a:solidFill>
@@ -6513,7 +6696,7 @@
           <a:sym typeface="Arial"/>
         </a:defRPr>
       </a:lvl4pPr>
-      <a:lvl5pPr lvl="4" marR="0" rtl="0" algn="l">
+      <a:lvl5pPr marR="0" lvl="4" algn="l" rtl="0">
         <a:lnSpc>
           <a:spcPct val="100000"/>
         </a:lnSpc>
@@ -6527,7 +6710,7 @@
           <a:srgbClr val="000000"/>
         </a:buClr>
         <a:buFont typeface="Arial"/>
-        <a:defRPr b="0" i="0" sz="1400" u="none" cap="none" strike="noStrike">
+        <a:defRPr sz="1400" b="0" i="0" u="none" strike="noStrike" cap="none">
           <a:solidFill>
             <a:srgbClr val="000000"/>
           </a:solidFill>
@@ -6537,7 +6720,7 @@
           <a:sym typeface="Arial"/>
         </a:defRPr>
       </a:lvl5pPr>
-      <a:lvl6pPr lvl="5" marR="0" rtl="0" algn="l">
+      <a:lvl6pPr marR="0" lvl="5" algn="l" rtl="0">
         <a:lnSpc>
           <a:spcPct val="100000"/>
         </a:lnSpc>
@@ -6551,7 +6734,7 @@
           <a:srgbClr val="000000"/>
         </a:buClr>
         <a:buFont typeface="Arial"/>
-        <a:defRPr b="0" i="0" sz="1400" u="none" cap="none" strike="noStrike">
+        <a:defRPr sz="1400" b="0" i="0" u="none" strike="noStrike" cap="none">
           <a:solidFill>
             <a:srgbClr val="000000"/>
           </a:solidFill>
@@ -6561,7 +6744,7 @@
           <a:sym typeface="Arial"/>
         </a:defRPr>
       </a:lvl6pPr>
-      <a:lvl7pPr lvl="6" marR="0" rtl="0" algn="l">
+      <a:lvl7pPr marR="0" lvl="6" algn="l" rtl="0">
         <a:lnSpc>
           <a:spcPct val="100000"/>
         </a:lnSpc>
@@ -6575,7 +6758,7 @@
           <a:srgbClr val="000000"/>
         </a:buClr>
         <a:buFont typeface="Arial"/>
-        <a:defRPr b="0" i="0" sz="1400" u="none" cap="none" strike="noStrike">
+        <a:defRPr sz="1400" b="0" i="0" u="none" strike="noStrike" cap="none">
           <a:solidFill>
             <a:srgbClr val="000000"/>
           </a:solidFill>
@@ -6585,7 +6768,7 @@
           <a:sym typeface="Arial"/>
         </a:defRPr>
       </a:lvl7pPr>
-      <a:lvl8pPr lvl="7" marR="0" rtl="0" algn="l">
+      <a:lvl8pPr marR="0" lvl="7" algn="l" rtl="0">
         <a:lnSpc>
           <a:spcPct val="100000"/>
         </a:lnSpc>
@@ -6599,7 +6782,7 @@
           <a:srgbClr val="000000"/>
         </a:buClr>
         <a:buFont typeface="Arial"/>
-        <a:defRPr b="0" i="0" sz="1400" u="none" cap="none" strike="noStrike">
+        <a:defRPr sz="1400" b="0" i="0" u="none" strike="noStrike" cap="none">
           <a:solidFill>
             <a:srgbClr val="000000"/>
           </a:solidFill>
@@ -6609,7 +6792,7 @@
           <a:sym typeface="Arial"/>
         </a:defRPr>
       </a:lvl8pPr>
-      <a:lvl9pPr lvl="8" marR="0" rtl="0" algn="l">
+      <a:lvl9pPr marR="0" lvl="8" algn="l" rtl="0">
         <a:lnSpc>
           <a:spcPct val="100000"/>
         </a:lnSpc>
@@ -6623,7 +6806,7 @@
           <a:srgbClr val="000000"/>
         </a:buClr>
         <a:buFont typeface="Arial"/>
-        <a:defRPr b="0" i="0" sz="1400" u="none" cap="none" strike="noStrike">
+        <a:defRPr sz="1400" b="0" i="0" u="none" strike="noStrike" cap="none">
           <a:solidFill>
             <a:srgbClr val="000000"/>
           </a:solidFill>
@@ -6635,7 +6818,7 @@
       </a:lvl9pPr>
     </p:bodyStyle>
     <p:otherStyle>
-      <a:defPPr lvl="0" marR="0" rtl="0" algn="l">
+      <a:defPPr marR="0" lvl="0" algn="l" rtl="0">
         <a:lnSpc>
           <a:spcPct val="100000"/>
         </a:lnSpc>
@@ -6646,7 +6829,7 @@
           <a:spcPts val="0"/>
         </a:spcAft>
       </a:defPPr>
-      <a:lvl1pPr lvl="0" marR="0" rtl="0" algn="l">
+      <a:lvl1pPr marR="0" lvl="0" algn="l" rtl="0">
         <a:lnSpc>
           <a:spcPct val="100000"/>
         </a:lnSpc>
@@ -6660,7 +6843,7 @@
           <a:srgbClr val="000000"/>
         </a:buClr>
         <a:buFont typeface="Arial"/>
-        <a:defRPr b="0" i="0" sz="1400" u="none" cap="none" strike="noStrike">
+        <a:defRPr sz="1400" b="0" i="0" u="none" strike="noStrike" cap="none">
           <a:solidFill>
             <a:srgbClr val="000000"/>
           </a:solidFill>
@@ -6670,7 +6853,7 @@
           <a:sym typeface="Arial"/>
         </a:defRPr>
       </a:lvl1pPr>
-      <a:lvl2pPr lvl="1" marR="0" rtl="0" algn="l">
+      <a:lvl2pPr marR="0" lvl="1" algn="l" rtl="0">
         <a:lnSpc>
           <a:spcPct val="100000"/>
         </a:lnSpc>
@@ -6684,7 +6867,7 @@
           <a:srgbClr val="000000"/>
         </a:buClr>
         <a:buFont typeface="Arial"/>
-        <a:defRPr b="0" i="0" sz="1400" u="none" cap="none" strike="noStrike">
+        <a:defRPr sz="1400" b="0" i="0" u="none" strike="noStrike" cap="none">
           <a:solidFill>
             <a:srgbClr val="000000"/>
           </a:solidFill>
@@ -6694,7 +6877,7 @@
           <a:sym typeface="Arial"/>
         </a:defRPr>
       </a:lvl2pPr>
-      <a:lvl3pPr lvl="2" marR="0" rtl="0" algn="l">
+      <a:lvl3pPr marR="0" lvl="2" algn="l" rtl="0">
         <a:lnSpc>
           <a:spcPct val="100000"/>
         </a:lnSpc>
@@ -6708,7 +6891,7 @@
           <a:srgbClr val="000000"/>
         </a:buClr>
         <a:buFont typeface="Arial"/>
-        <a:defRPr b="0" i="0" sz="1400" u="none" cap="none" strike="noStrike">
+        <a:defRPr sz="1400" b="0" i="0" u="none" strike="noStrike" cap="none">
           <a:solidFill>
             <a:srgbClr val="000000"/>
           </a:solidFill>
@@ -6718,7 +6901,7 @@
           <a:sym typeface="Arial"/>
         </a:defRPr>
       </a:lvl3pPr>
-      <a:lvl4pPr lvl="3" marR="0" rtl="0" algn="l">
+      <a:lvl4pPr marR="0" lvl="3" algn="l" rtl="0">
         <a:lnSpc>
           <a:spcPct val="100000"/>
         </a:lnSpc>
@@ -6732,7 +6915,7 @@
           <a:srgbClr val="000000"/>
         </a:buClr>
         <a:buFont typeface="Arial"/>
-        <a:defRPr b="0" i="0" sz="1400" u="none" cap="none" strike="noStrike">
+        <a:defRPr sz="1400" b="0" i="0" u="none" strike="noStrike" cap="none">
           <a:solidFill>
             <a:srgbClr val="000000"/>
           </a:solidFill>
@@ -6742,7 +6925,7 @@
           <a:sym typeface="Arial"/>
         </a:defRPr>
       </a:lvl4pPr>
-      <a:lvl5pPr lvl="4" marR="0" rtl="0" algn="l">
+      <a:lvl5pPr marR="0" lvl="4" algn="l" rtl="0">
         <a:lnSpc>
           <a:spcPct val="100000"/>
         </a:lnSpc>
@@ -6756,7 +6939,7 @@
           <a:srgbClr val="000000"/>
         </a:buClr>
         <a:buFont typeface="Arial"/>
-        <a:defRPr b="0" i="0" sz="1400" u="none" cap="none" strike="noStrike">
+        <a:defRPr sz="1400" b="0" i="0" u="none" strike="noStrike" cap="none">
           <a:solidFill>
             <a:srgbClr val="000000"/>
           </a:solidFill>
@@ -6766,7 +6949,7 @@
           <a:sym typeface="Arial"/>
         </a:defRPr>
       </a:lvl5pPr>
-      <a:lvl6pPr lvl="5" marR="0" rtl="0" algn="l">
+      <a:lvl6pPr marR="0" lvl="5" algn="l" rtl="0">
         <a:lnSpc>
           <a:spcPct val="100000"/>
         </a:lnSpc>
@@ -6780,7 +6963,7 @@
           <a:srgbClr val="000000"/>
         </a:buClr>
         <a:buFont typeface="Arial"/>
-        <a:defRPr b="0" i="0" sz="1400" u="none" cap="none" strike="noStrike">
+        <a:defRPr sz="1400" b="0" i="0" u="none" strike="noStrike" cap="none">
           <a:solidFill>
             <a:srgbClr val="000000"/>
           </a:solidFill>
@@ -6790,7 +6973,7 @@
           <a:sym typeface="Arial"/>
         </a:defRPr>
       </a:lvl6pPr>
-      <a:lvl7pPr lvl="6" marR="0" rtl="0" algn="l">
+      <a:lvl7pPr marR="0" lvl="6" algn="l" rtl="0">
         <a:lnSpc>
           <a:spcPct val="100000"/>
         </a:lnSpc>
@@ -6804,7 +6987,7 @@
           <a:srgbClr val="000000"/>
         </a:buClr>
         <a:buFont typeface="Arial"/>
-        <a:defRPr b="0" i="0" sz="1400" u="none" cap="none" strike="noStrike">
+        <a:defRPr sz="1400" b="0" i="0" u="none" strike="noStrike" cap="none">
           <a:solidFill>
             <a:srgbClr val="000000"/>
           </a:solidFill>
@@ -6814,7 +6997,7 @@
           <a:sym typeface="Arial"/>
         </a:defRPr>
       </a:lvl7pPr>
-      <a:lvl8pPr lvl="7" marR="0" rtl="0" algn="l">
+      <a:lvl8pPr marR="0" lvl="7" algn="l" rtl="0">
         <a:lnSpc>
           <a:spcPct val="100000"/>
         </a:lnSpc>
@@ -6828,7 +7011,7 @@
           <a:srgbClr val="000000"/>
         </a:buClr>
         <a:buFont typeface="Arial"/>
-        <a:defRPr b="0" i="0" sz="1400" u="none" cap="none" strike="noStrike">
+        <a:defRPr sz="1400" b="0" i="0" u="none" strike="noStrike" cap="none">
           <a:solidFill>
             <a:srgbClr val="000000"/>
           </a:solidFill>
@@ -6838,7 +7021,7 @@
           <a:sym typeface="Arial"/>
         </a:defRPr>
       </a:lvl8pPr>
-      <a:lvl9pPr lvl="8" marR="0" rtl="0" algn="l">
+      <a:lvl9pPr marR="0" lvl="8" algn="l" rtl="0">
         <a:lnSpc>
           <a:spcPct val="100000"/>
         </a:lnSpc>
@@ -6852,7 +7035,7 @@
           <a:srgbClr val="000000"/>
         </a:buClr>
         <a:buFont typeface="Arial"/>
-        <a:defRPr b="0" i="0" sz="1400" u="none" cap="none" strike="noStrike">
+        <a:defRPr sz="1400" b="0" i="0" u="none" strike="noStrike" cap="none">
           <a:solidFill>
             <a:srgbClr val="000000"/>
           </a:solidFill>
@@ -6868,11 +7051,11 @@
 </file>
 
 <file path=ppt/slides/slide1.xml><?xml version="1.0" encoding="utf-8"?>
-<p:sld xmlns:a="http://schemas.openxmlformats.org/drawingml/2006/main" xmlns:r="http://schemas.openxmlformats.org/officeDocument/2006/relationships" xmlns:mc="http://schemas.openxmlformats.org/markup-compatibility/2006" xmlns:mv="urn:schemas-microsoft-com:mac:vml" xmlns:p="http://schemas.openxmlformats.org/presentationml/2006/main" xmlns:c="http://schemas.openxmlformats.org/drawingml/2006/chart" xmlns:dgm="http://schemas.openxmlformats.org/drawingml/2006/diagram" xmlns:o="urn:schemas-microsoft-com:office:office" xmlns:v="urn:schemas-microsoft-com:vml" xmlns:pvml="urn:schemas-microsoft-com:office:powerpoint" xmlns:com="http://schemas.openxmlformats.org/drawingml/2006/compatibility" xmlns:p14="http://schemas.microsoft.com/office/powerpoint/2010/main" xmlns:p15="http://schemas.microsoft.com/office/powerpoint/2012/main">
+<p:sld xmlns:a="http://schemas.openxmlformats.org/drawingml/2006/main" xmlns:r="http://schemas.openxmlformats.org/officeDocument/2006/relationships" xmlns:p="http://schemas.openxmlformats.org/presentationml/2006/main">
   <p:cSld>
     <p:spTree>
       <p:nvGrpSpPr>
-        <p:cNvPr id="59" name="Shape 59"/>
+        <p:cNvPr id="1" name="Shape 59"/>
         <p:cNvGrpSpPr/>
         <p:nvPr/>
       </p:nvGrpSpPr>
@@ -7083,7 +7266,9 @@
       <p:sp>
         <p:nvSpPr>
           <p:cNvPr id="67" name="Google Shape;67;p13"/>
-          <p:cNvSpPr txBox="1"/>
+          <p:cNvSpPr txBox="1">
+            <a:spLocks noGrp="1"/>
+          </p:cNvSpPr>
           <p:nvPr>
             <p:ph type="ctrTitle"/>
           </p:nvPr>
@@ -7098,12 +7283,12 @@
           </a:prstGeom>
         </p:spPr>
         <p:txBody>
-          <a:bodyPr anchorCtr="0" anchor="ctr" bIns="0" lIns="0" spcFirstLastPara="1" rIns="0" wrap="square" tIns="0">
+          <a:bodyPr spcFirstLastPara="1" wrap="square" lIns="0" tIns="0" rIns="0" bIns="0" anchor="ctr" anchorCtr="0">
             <a:noAutofit/>
           </a:bodyPr>
           <a:lstStyle/>
           <a:p>
-            <a:pPr indent="0" lvl="0" marL="0" rtl="0" algn="l">
+            <a:pPr marL="0" lvl="0" indent="0" algn="l" rtl="0">
               <a:spcBef>
                 <a:spcPts val="0"/>
               </a:spcBef>
@@ -7129,11 +7314,11 @@
 </file>
 
 <file path=ppt/slides/slide10.xml><?xml version="1.0" encoding="utf-8"?>
-<p:sld xmlns:a="http://schemas.openxmlformats.org/drawingml/2006/main" xmlns:r="http://schemas.openxmlformats.org/officeDocument/2006/relationships" xmlns:mc="http://schemas.openxmlformats.org/markup-compatibility/2006" xmlns:mv="urn:schemas-microsoft-com:mac:vml" xmlns:p="http://schemas.openxmlformats.org/presentationml/2006/main" xmlns:c="http://schemas.openxmlformats.org/drawingml/2006/chart" xmlns:dgm="http://schemas.openxmlformats.org/drawingml/2006/diagram" xmlns:o="urn:schemas-microsoft-com:office:office" xmlns:v="urn:schemas-microsoft-com:vml" xmlns:pvml="urn:schemas-microsoft-com:office:powerpoint" xmlns:com="http://schemas.openxmlformats.org/drawingml/2006/compatibility" xmlns:p14="http://schemas.microsoft.com/office/powerpoint/2010/main" xmlns:p15="http://schemas.microsoft.com/office/powerpoint/2012/main">
+<p:sld xmlns:a="http://schemas.openxmlformats.org/drawingml/2006/main" xmlns:r="http://schemas.openxmlformats.org/officeDocument/2006/relationships" xmlns:p="http://schemas.openxmlformats.org/presentationml/2006/main">
   <p:cSld>
     <p:spTree>
       <p:nvGrpSpPr>
-        <p:cNvPr id="157" name="Shape 157"/>
+        <p:cNvPr id="1" name="Shape 157"/>
         <p:cNvGrpSpPr/>
         <p:nvPr/>
       </p:nvGrpSpPr>
@@ -7148,7 +7333,9 @@
       <p:sp>
         <p:nvSpPr>
           <p:cNvPr id="158" name="Google Shape;158;p22"/>
-          <p:cNvSpPr txBox="1"/>
+          <p:cNvSpPr txBox="1">
+            <a:spLocks noGrp="1"/>
+          </p:cNvSpPr>
           <p:nvPr>
             <p:ph type="title"/>
           </p:nvPr>
@@ -7163,12 +7350,12 @@
           </a:prstGeom>
         </p:spPr>
         <p:txBody>
-          <a:bodyPr anchorCtr="0" anchor="b" bIns="0" lIns="0" spcFirstLastPara="1" rIns="0" wrap="square" tIns="0">
+          <a:bodyPr spcFirstLastPara="1" wrap="square" lIns="0" tIns="0" rIns="0" bIns="0" anchor="b" anchorCtr="0">
             <a:noAutofit/>
           </a:bodyPr>
           <a:lstStyle/>
           <a:p>
-            <a:pPr indent="0" lvl="0" marL="0" rtl="0" algn="l">
+            <a:pPr marL="0" lvl="0" indent="0" algn="l" rtl="0">
               <a:spcBef>
                 <a:spcPts val="0"/>
               </a:spcBef>
@@ -7188,9 +7375,11 @@
       <p:sp>
         <p:nvSpPr>
           <p:cNvPr id="159" name="Google Shape;159;p22"/>
-          <p:cNvSpPr txBox="1"/>
+          <p:cNvSpPr txBox="1">
+            <a:spLocks noGrp="1"/>
+          </p:cNvSpPr>
           <p:nvPr>
-            <p:ph idx="1" type="body"/>
+            <p:ph type="body" idx="1"/>
           </p:nvPr>
         </p:nvSpPr>
         <p:spPr>
@@ -7203,12 +7392,12 @@
           </a:prstGeom>
         </p:spPr>
         <p:txBody>
-          <a:bodyPr anchorCtr="0" anchor="t" bIns="0" lIns="0" spcFirstLastPara="1" rIns="0" wrap="square" tIns="0">
+          <a:bodyPr spcFirstLastPara="1" wrap="square" lIns="0" tIns="0" rIns="0" bIns="0" anchor="t" anchorCtr="0">
             <a:noAutofit/>
           </a:bodyPr>
           <a:lstStyle/>
           <a:p>
-            <a:pPr indent="0" lvl="0" marL="0" rtl="0" algn="l">
+            <a:pPr marL="0" lvl="0" indent="0" algn="l" rtl="0">
               <a:spcBef>
                 <a:spcPts val="600"/>
               </a:spcBef>
@@ -7219,10 +7408,14 @@
             </a:pPr>
             <a:r>
               <a:rPr lang="en"/>
-              <a:t>Fully Developed and Hosted on </a:t>
+              <a:t>Developed </a:t>
             </a:r>
             <a:r>
-              <a:rPr b="1" i="1" lang="en">
+              <a:rPr lang="en" dirty="0"/>
+              <a:t>and Hosted on </a:t>
+            </a:r>
+            <a:r>
+              <a:rPr lang="en" b="1" i="1" dirty="0">
                 <a:latin typeface="Muli"/>
                 <a:ea typeface="Muli"/>
                 <a:cs typeface="Muli"/>
@@ -7230,7 +7423,7 @@
               </a:rPr>
               <a:t>Microsoft Azure.</a:t>
             </a:r>
-            <a:endParaRPr b="1" i="1">
+            <a:endParaRPr b="1" i="1" dirty="0">
               <a:latin typeface="Muli"/>
               <a:ea typeface="Muli"/>
               <a:cs typeface="Muli"/>
@@ -7238,7 +7431,7 @@
             </a:endParaRPr>
           </a:p>
           <a:p>
-            <a:pPr indent="0" lvl="0" marL="0" rtl="0" algn="l">
+            <a:pPr marL="0" lvl="0" indent="0" algn="l" rtl="0">
               <a:spcBef>
                 <a:spcPts val="600"/>
               </a:spcBef>
@@ -7248,19 +7441,21 @@
               <a:buNone/>
             </a:pPr>
             <a:r>
-              <a:rPr lang="en"/>
+              <a:rPr lang="en" dirty="0"/>
               <a:t>Using Web App module to host our app, machine learning model is deployed on a virtual machine and code was created on the notebook.</a:t>
             </a:r>
-            <a:endParaRPr/>
+            <a:endParaRPr dirty="0"/>
           </a:p>
         </p:txBody>
       </p:sp>
       <p:sp>
         <p:nvSpPr>
           <p:cNvPr id="160" name="Google Shape;160;p22"/>
-          <p:cNvSpPr txBox="1"/>
+          <p:cNvSpPr txBox="1">
+            <a:spLocks noGrp="1"/>
+          </p:cNvSpPr>
           <p:nvPr>
-            <p:ph idx="12" type="sldNum"/>
+            <p:ph type="sldNum" idx="12"/>
           </p:nvPr>
         </p:nvSpPr>
         <p:spPr>
@@ -7273,12 +7468,12 @@
           </a:prstGeom>
         </p:spPr>
         <p:txBody>
-          <a:bodyPr anchorCtr="0" anchor="ctr" bIns="0" lIns="0" spcFirstLastPara="1" rIns="0" wrap="square" tIns="0">
+          <a:bodyPr spcFirstLastPara="1" wrap="square" lIns="0" tIns="0" rIns="0" bIns="0" anchor="ctr" anchorCtr="0">
             <a:noAutofit/>
           </a:bodyPr>
           <a:lstStyle/>
           <a:p>
-            <a:pPr indent="0" lvl="0" marL="0" rtl="0" algn="r">
+            <a:pPr marL="0" lvl="0" indent="0" algn="r" rtl="0">
               <a:spcBef>
                 <a:spcPts val="0"/>
               </a:spcBef>
@@ -7289,7 +7484,7 @@
             </a:pPr>
             <a:fld id="{00000000-1234-1234-1234-123412341234}" type="slidenum">
               <a:rPr lang="en"/>
-              <a:t>‹#›</a:t>
+              <a:t>10</a:t>
             </a:fld>
             <a:endParaRPr/>
           </a:p>
@@ -7332,11 +7527,11 @@
 </file>
 
 <file path=ppt/slides/slide11.xml><?xml version="1.0" encoding="utf-8"?>
-<p:sld xmlns:a="http://schemas.openxmlformats.org/drawingml/2006/main" xmlns:r="http://schemas.openxmlformats.org/officeDocument/2006/relationships" xmlns:mc="http://schemas.openxmlformats.org/markup-compatibility/2006" xmlns:mv="urn:schemas-microsoft-com:mac:vml" xmlns:p="http://schemas.openxmlformats.org/presentationml/2006/main" xmlns:c="http://schemas.openxmlformats.org/drawingml/2006/chart" xmlns:dgm="http://schemas.openxmlformats.org/drawingml/2006/diagram" xmlns:o="urn:schemas-microsoft-com:office:office" xmlns:v="urn:schemas-microsoft-com:vml" xmlns:pvml="urn:schemas-microsoft-com:office:powerpoint" xmlns:com="http://schemas.openxmlformats.org/drawingml/2006/compatibility" xmlns:p14="http://schemas.microsoft.com/office/powerpoint/2010/main" xmlns:p15="http://schemas.microsoft.com/office/powerpoint/2012/main">
+<p:sld xmlns:a="http://schemas.openxmlformats.org/drawingml/2006/main" xmlns:r="http://schemas.openxmlformats.org/officeDocument/2006/relationships" xmlns:p="http://schemas.openxmlformats.org/presentationml/2006/main">
   <p:cSld>
     <p:spTree>
       <p:nvGrpSpPr>
-        <p:cNvPr id="165" name="Shape 165"/>
+        <p:cNvPr id="1" name="Shape 165"/>
         <p:cNvGrpSpPr/>
         <p:nvPr/>
       </p:nvGrpSpPr>
@@ -7351,7 +7546,9 @@
       <p:sp>
         <p:nvSpPr>
           <p:cNvPr id="166" name="Google Shape;166;p23"/>
-          <p:cNvSpPr txBox="1"/>
+          <p:cNvSpPr txBox="1">
+            <a:spLocks noGrp="1"/>
+          </p:cNvSpPr>
           <p:nvPr>
             <p:ph type="title"/>
           </p:nvPr>
@@ -7366,12 +7563,12 @@
           </a:prstGeom>
         </p:spPr>
         <p:txBody>
-          <a:bodyPr anchorCtr="0" anchor="b" bIns="0" lIns="0" spcFirstLastPara="1" rIns="0" wrap="square" tIns="0">
+          <a:bodyPr spcFirstLastPara="1" wrap="square" lIns="0" tIns="0" rIns="0" bIns="0" anchor="b" anchorCtr="0">
             <a:noAutofit/>
           </a:bodyPr>
           <a:lstStyle/>
           <a:p>
-            <a:pPr indent="0" lvl="0" marL="0" rtl="0" algn="l">
+            <a:pPr marL="0" lvl="0" indent="0" algn="l" rtl="0">
               <a:spcBef>
                 <a:spcPts val="0"/>
               </a:spcBef>
@@ -7391,9 +7588,11 @@
       <p:sp>
         <p:nvSpPr>
           <p:cNvPr id="167" name="Google Shape;167;p23"/>
-          <p:cNvSpPr txBox="1"/>
+          <p:cNvSpPr txBox="1">
+            <a:spLocks noGrp="1"/>
+          </p:cNvSpPr>
           <p:nvPr>
-            <p:ph idx="1" type="body"/>
+            <p:ph type="body" idx="1"/>
           </p:nvPr>
         </p:nvSpPr>
         <p:spPr>
@@ -7406,12 +7605,12 @@
           </a:prstGeom>
         </p:spPr>
         <p:txBody>
-          <a:bodyPr anchorCtr="0" anchor="t" bIns="0" lIns="0" spcFirstLastPara="1" rIns="0" wrap="square" tIns="0">
+          <a:bodyPr spcFirstLastPara="1" wrap="square" lIns="0" tIns="0" rIns="0" bIns="0" anchor="t" anchorCtr="0">
             <a:noAutofit/>
           </a:bodyPr>
           <a:lstStyle/>
           <a:p>
-            <a:pPr indent="0" lvl="0" marL="0" rtl="0" algn="l">
+            <a:pPr marL="0" lvl="0" indent="0" algn="l" rtl="0">
               <a:spcBef>
                 <a:spcPts val="600"/>
               </a:spcBef>
@@ -7422,15 +7621,7 @@
             </a:pPr>
             <a:r>
               <a:rPr lang="en"/>
-              <a:t>The app works on live data and generates a </a:t>
-            </a:r>
-            <a:r>
-              <a:rPr lang="en"/>
-              <a:t>personalized</a:t>
-            </a:r>
-            <a:r>
-              <a:rPr lang="en"/>
-              <a:t> ML model for each coin based on its history, the live api we are using “CryptoCompare” has a 98% Up rate.</a:t>
+              <a:t>The app works on live data and generates a personalized ML model for each coin based on its history, the live api we are using “CryptoCompare” has a 98% Up rate.</a:t>
             </a:r>
             <a:endParaRPr/>
           </a:p>
@@ -7439,9 +7630,11 @@
       <p:sp>
         <p:nvSpPr>
           <p:cNvPr id="168" name="Google Shape;168;p23"/>
-          <p:cNvSpPr txBox="1"/>
+          <p:cNvSpPr txBox="1">
+            <a:spLocks noGrp="1"/>
+          </p:cNvSpPr>
           <p:nvPr>
-            <p:ph idx="12" type="sldNum"/>
+            <p:ph type="sldNum" idx="12"/>
           </p:nvPr>
         </p:nvSpPr>
         <p:spPr>
@@ -7454,12 +7647,12 @@
           </a:prstGeom>
         </p:spPr>
         <p:txBody>
-          <a:bodyPr anchorCtr="0" anchor="ctr" bIns="0" lIns="0" spcFirstLastPara="1" rIns="0" wrap="square" tIns="0">
+          <a:bodyPr spcFirstLastPara="1" wrap="square" lIns="0" tIns="0" rIns="0" bIns="0" anchor="ctr" anchorCtr="0">
             <a:noAutofit/>
           </a:bodyPr>
           <a:lstStyle/>
           <a:p>
-            <a:pPr indent="0" lvl="0" marL="0" rtl="0" algn="r">
+            <a:pPr marL="0" lvl="0" indent="0" algn="r" rtl="0">
               <a:spcBef>
                 <a:spcPts val="0"/>
               </a:spcBef>
@@ -7470,7 +7663,7 @@
             </a:pPr>
             <a:fld id="{00000000-1234-1234-1234-123412341234}" type="slidenum">
               <a:rPr lang="en"/>
-              <a:t>‹#›</a:t>
+              <a:t>11</a:t>
             </a:fld>
             <a:endParaRPr/>
           </a:p>
@@ -7513,11 +7706,11 @@
 </file>
 
 <file path=ppt/slides/slide12.xml><?xml version="1.0" encoding="utf-8"?>
-<p:sld xmlns:a="http://schemas.openxmlformats.org/drawingml/2006/main" xmlns:r="http://schemas.openxmlformats.org/officeDocument/2006/relationships" xmlns:mc="http://schemas.openxmlformats.org/markup-compatibility/2006" xmlns:mv="urn:schemas-microsoft-com:mac:vml" xmlns:p="http://schemas.openxmlformats.org/presentationml/2006/main" xmlns:c="http://schemas.openxmlformats.org/drawingml/2006/chart" xmlns:dgm="http://schemas.openxmlformats.org/drawingml/2006/diagram" xmlns:o="urn:schemas-microsoft-com:office:office" xmlns:v="urn:schemas-microsoft-com:vml" xmlns:pvml="urn:schemas-microsoft-com:office:powerpoint" xmlns:com="http://schemas.openxmlformats.org/drawingml/2006/compatibility" xmlns:p14="http://schemas.microsoft.com/office/powerpoint/2010/main" xmlns:p15="http://schemas.microsoft.com/office/powerpoint/2012/main">
+<p:sld xmlns:a="http://schemas.openxmlformats.org/drawingml/2006/main" xmlns:r="http://schemas.openxmlformats.org/officeDocument/2006/relationships" xmlns:p="http://schemas.openxmlformats.org/presentationml/2006/main">
   <p:cSld>
     <p:spTree>
       <p:nvGrpSpPr>
-        <p:cNvPr id="173" name="Shape 173"/>
+        <p:cNvPr id="1" name="Shape 173"/>
         <p:cNvGrpSpPr/>
         <p:nvPr/>
       </p:nvGrpSpPr>
@@ -7532,7 +7725,9 @@
       <p:sp>
         <p:nvSpPr>
           <p:cNvPr id="174" name="Google Shape;174;p24"/>
-          <p:cNvSpPr txBox="1"/>
+          <p:cNvSpPr txBox="1">
+            <a:spLocks noGrp="1"/>
+          </p:cNvSpPr>
           <p:nvPr>
             <p:ph type="title"/>
           </p:nvPr>
@@ -7547,12 +7742,12 @@
           </a:prstGeom>
         </p:spPr>
         <p:txBody>
-          <a:bodyPr anchorCtr="0" anchor="b" bIns="0" lIns="0" spcFirstLastPara="1" rIns="0" wrap="square" tIns="0">
+          <a:bodyPr spcFirstLastPara="1" wrap="square" lIns="0" tIns="0" rIns="0" bIns="0" anchor="b" anchorCtr="0">
             <a:noAutofit/>
           </a:bodyPr>
           <a:lstStyle/>
           <a:p>
-            <a:pPr indent="0" lvl="0" marL="0" rtl="0" algn="l">
+            <a:pPr marL="0" lvl="0" indent="0" algn="l" rtl="0">
               <a:spcBef>
                 <a:spcPts val="0"/>
               </a:spcBef>
@@ -7572,9 +7767,11 @@
       <p:sp>
         <p:nvSpPr>
           <p:cNvPr id="175" name="Google Shape;175;p24"/>
-          <p:cNvSpPr txBox="1"/>
+          <p:cNvSpPr txBox="1">
+            <a:spLocks noGrp="1"/>
+          </p:cNvSpPr>
           <p:nvPr>
-            <p:ph idx="12" type="sldNum"/>
+            <p:ph type="sldNum" idx="12"/>
           </p:nvPr>
         </p:nvSpPr>
         <p:spPr>
@@ -7587,12 +7784,12 @@
           </a:prstGeom>
         </p:spPr>
         <p:txBody>
-          <a:bodyPr anchorCtr="0" anchor="ctr" bIns="0" lIns="0" spcFirstLastPara="1" rIns="0" wrap="square" tIns="0">
+          <a:bodyPr spcFirstLastPara="1" wrap="square" lIns="0" tIns="0" rIns="0" bIns="0" anchor="ctr" anchorCtr="0">
             <a:noAutofit/>
           </a:bodyPr>
           <a:lstStyle/>
           <a:p>
-            <a:pPr indent="0" lvl="0" marL="0" rtl="0" algn="r">
+            <a:pPr marL="0" lvl="0" indent="0" algn="r" rtl="0">
               <a:spcBef>
                 <a:spcPts val="0"/>
               </a:spcBef>
@@ -7603,7 +7800,7 @@
             </a:pPr>
             <a:fld id="{00000000-1234-1234-1234-123412341234}" type="slidenum">
               <a:rPr lang="en"/>
-              <a:t>‹#›</a:t>
+              <a:t>12</a:t>
             </a:fld>
             <a:endParaRPr/>
           </a:p>
@@ -7640,9 +7837,11 @@
       <p:sp>
         <p:nvSpPr>
           <p:cNvPr id="177" name="Google Shape;177;p24"/>
-          <p:cNvSpPr txBox="1"/>
+          <p:cNvSpPr txBox="1">
+            <a:spLocks noGrp="1"/>
+          </p:cNvSpPr>
           <p:nvPr>
-            <p:ph idx="4294967295" type="subTitle"/>
+            <p:ph type="subTitle" idx="4294967295"/>
           </p:nvPr>
         </p:nvSpPr>
         <p:spPr>
@@ -7655,12 +7854,12 @@
           </a:prstGeom>
         </p:spPr>
         <p:txBody>
-          <a:bodyPr anchorCtr="0" anchor="t" bIns="0" lIns="0" spcFirstLastPara="1" rIns="0" wrap="square" tIns="0">
+          <a:bodyPr spcFirstLastPara="1" wrap="square" lIns="0" tIns="0" rIns="0" bIns="0" anchor="t" anchorCtr="0">
             <a:noAutofit/>
           </a:bodyPr>
           <a:lstStyle/>
           <a:p>
-            <a:pPr indent="0" lvl="0" marL="0" rtl="0" algn="l">
+            <a:pPr marL="0" lvl="0" indent="0" algn="l" rtl="0">
               <a:spcBef>
                 <a:spcPts val="600"/>
               </a:spcBef>
@@ -7719,11 +7918,11 @@
 </file>
 
 <file path=ppt/slides/slide13.xml><?xml version="1.0" encoding="utf-8"?>
-<p:sld xmlns:a="http://schemas.openxmlformats.org/drawingml/2006/main" xmlns:r="http://schemas.openxmlformats.org/officeDocument/2006/relationships" xmlns:mc="http://schemas.openxmlformats.org/markup-compatibility/2006" xmlns:mv="urn:schemas-microsoft-com:mac:vml" xmlns:p="http://schemas.openxmlformats.org/presentationml/2006/main" xmlns:c="http://schemas.openxmlformats.org/drawingml/2006/chart" xmlns:dgm="http://schemas.openxmlformats.org/drawingml/2006/diagram" xmlns:o="urn:schemas-microsoft-com:office:office" xmlns:v="urn:schemas-microsoft-com:vml" xmlns:pvml="urn:schemas-microsoft-com:office:powerpoint" xmlns:com="http://schemas.openxmlformats.org/drawingml/2006/compatibility" xmlns:p14="http://schemas.microsoft.com/office/powerpoint/2010/main" xmlns:p15="http://schemas.microsoft.com/office/powerpoint/2012/main">
+<p:sld xmlns:a="http://schemas.openxmlformats.org/drawingml/2006/main" xmlns:r="http://schemas.openxmlformats.org/officeDocument/2006/relationships" xmlns:p="http://schemas.openxmlformats.org/presentationml/2006/main">
   <p:cSld>
     <p:spTree>
       <p:nvGrpSpPr>
-        <p:cNvPr id="182" name="Shape 182"/>
+        <p:cNvPr id="1" name="Shape 182"/>
         <p:cNvGrpSpPr/>
         <p:nvPr/>
       </p:nvGrpSpPr>
@@ -7738,9 +7937,11 @@
       <p:sp>
         <p:nvSpPr>
           <p:cNvPr id="183" name="Google Shape;183;p25"/>
-          <p:cNvSpPr txBox="1"/>
+          <p:cNvSpPr txBox="1">
+            <a:spLocks noGrp="1"/>
+          </p:cNvSpPr>
           <p:nvPr>
-            <p:ph idx="12" type="sldNum"/>
+            <p:ph type="sldNum" idx="12"/>
           </p:nvPr>
         </p:nvSpPr>
         <p:spPr>
@@ -7753,12 +7954,12 @@
           </a:prstGeom>
         </p:spPr>
         <p:txBody>
-          <a:bodyPr anchorCtr="0" anchor="ctr" bIns="0" lIns="0" spcFirstLastPara="1" rIns="0" wrap="square" tIns="0">
+          <a:bodyPr spcFirstLastPara="1" wrap="square" lIns="0" tIns="0" rIns="0" bIns="0" anchor="ctr" anchorCtr="0">
             <a:noAutofit/>
           </a:bodyPr>
           <a:lstStyle/>
           <a:p>
-            <a:pPr indent="0" lvl="0" marL="0" rtl="0" algn="r">
+            <a:pPr marL="0" lvl="0" indent="0" algn="r" rtl="0">
               <a:spcBef>
                 <a:spcPts val="0"/>
               </a:spcBef>
@@ -7769,7 +7970,7 @@
             </a:pPr>
             <a:fld id="{00000000-1234-1234-1234-123412341234}" type="slidenum">
               <a:rPr lang="en"/>
-              <a:t>‹#›</a:t>
+              <a:t>13</a:t>
             </a:fld>
             <a:endParaRPr/>
           </a:p>
@@ -7890,9 +8091,11 @@
       <p:sp>
         <p:nvSpPr>
           <p:cNvPr id="188" name="Google Shape;188;p25"/>
-          <p:cNvSpPr txBox="1"/>
+          <p:cNvSpPr txBox="1">
+            <a:spLocks noGrp="1"/>
+          </p:cNvSpPr>
           <p:nvPr>
-            <p:ph idx="4294967295" type="ctrTitle"/>
+            <p:ph type="ctrTitle" idx="4294967295"/>
           </p:nvPr>
         </p:nvSpPr>
         <p:spPr>
@@ -7905,12 +8108,12 @@
           </a:prstGeom>
         </p:spPr>
         <p:txBody>
-          <a:bodyPr anchorCtr="0" anchor="b" bIns="0" lIns="0" spcFirstLastPara="1" rIns="0" wrap="square" tIns="0">
+          <a:bodyPr spcFirstLastPara="1" wrap="square" lIns="0" tIns="0" rIns="0" bIns="0" anchor="b" anchorCtr="0">
             <a:noAutofit/>
           </a:bodyPr>
           <a:lstStyle/>
           <a:p>
-            <a:pPr indent="0" lvl="0" marL="0" rtl="0" algn="l">
+            <a:pPr marL="0" lvl="0" indent="0" algn="l" rtl="0">
               <a:spcBef>
                 <a:spcPts val="0"/>
               </a:spcBef>
@@ -7947,12 +8150,12 @@
           </a:ln>
         </p:spPr>
         <p:txBody>
-          <a:bodyPr anchorCtr="0" anchor="t" bIns="91425" lIns="91425" spcFirstLastPara="1" rIns="91425" wrap="square" tIns="91425">
+          <a:bodyPr spcFirstLastPara="1" wrap="square" lIns="91425" tIns="91425" rIns="91425" bIns="91425" anchor="t" anchorCtr="0">
             <a:noAutofit/>
           </a:bodyPr>
           <a:lstStyle/>
           <a:p>
-            <a:pPr indent="0" lvl="0" marL="0" rtl="0" algn="l">
+            <a:pPr marL="0" lvl="0" indent="0" algn="l" rtl="0">
               <a:lnSpc>
                 <a:spcPct val="115000"/>
               </a:lnSpc>
@@ -7965,7 +8168,7 @@
               <a:buNone/>
             </a:pPr>
             <a:r>
-              <a:rPr b="1" lang="en" sz="1800">
+              <a:rPr lang="en" sz="1800" b="1">
                 <a:solidFill>
                   <a:schemeClr val="lt1"/>
                 </a:solidFill>
@@ -8000,12 +8203,12 @@
           </a:ln>
         </p:spPr>
         <p:txBody>
-          <a:bodyPr anchorCtr="0" anchor="t" bIns="91425" lIns="91425" spcFirstLastPara="1" rIns="91425" wrap="square" tIns="91425">
+          <a:bodyPr spcFirstLastPara="1" wrap="square" lIns="91425" tIns="91425" rIns="91425" bIns="91425" anchor="t" anchorCtr="0">
             <a:noAutofit/>
           </a:bodyPr>
           <a:lstStyle/>
           <a:p>
-            <a:pPr indent="0" lvl="0" marL="0" rtl="0" algn="l">
+            <a:pPr marL="0" lvl="0" indent="0" algn="l" rtl="0">
               <a:lnSpc>
                 <a:spcPct val="115000"/>
               </a:lnSpc>
@@ -8018,7 +8221,7 @@
               <a:buNone/>
             </a:pPr>
             <a:r>
-              <a:rPr b="1" lang="en" sz="1800">
+              <a:rPr lang="en" sz="1800" b="1">
                 <a:solidFill>
                   <a:schemeClr val="lt1"/>
                 </a:solidFill>
@@ -8053,12 +8256,12 @@
           </a:ln>
         </p:spPr>
         <p:txBody>
-          <a:bodyPr anchorCtr="0" anchor="t" bIns="91425" lIns="91425" spcFirstLastPara="1" rIns="91425" wrap="square" tIns="91425">
+          <a:bodyPr spcFirstLastPara="1" wrap="square" lIns="91425" tIns="91425" rIns="91425" bIns="91425" anchor="t" anchorCtr="0">
             <a:noAutofit/>
           </a:bodyPr>
           <a:lstStyle/>
           <a:p>
-            <a:pPr indent="0" lvl="0" marL="0" rtl="0" algn="l">
+            <a:pPr marL="0" lvl="0" indent="0" algn="l" rtl="0">
               <a:lnSpc>
                 <a:spcPct val="115000"/>
               </a:lnSpc>
@@ -8071,7 +8274,7 @@
               <a:buNone/>
             </a:pPr>
             <a:r>
-              <a:rPr b="1" lang="en" sz="1800">
+              <a:rPr lang="en" sz="1800" b="1">
                 <a:solidFill>
                   <a:schemeClr val="lt1"/>
                 </a:solidFill>
@@ -8106,12 +8309,12 @@
           </a:ln>
         </p:spPr>
         <p:txBody>
-          <a:bodyPr anchorCtr="0" anchor="t" bIns="91425" lIns="91425" spcFirstLastPara="1" rIns="91425" wrap="square" tIns="91425">
+          <a:bodyPr spcFirstLastPara="1" wrap="square" lIns="91425" tIns="91425" rIns="91425" bIns="91425" anchor="t" anchorCtr="0">
             <a:noAutofit/>
           </a:bodyPr>
           <a:lstStyle/>
           <a:p>
-            <a:pPr indent="0" lvl="0" marL="0" rtl="0" algn="l">
+            <a:pPr marL="0" lvl="0" indent="0" algn="l" rtl="0">
               <a:lnSpc>
                 <a:spcPct val="115000"/>
               </a:lnSpc>
@@ -8124,7 +8327,7 @@
               <a:buNone/>
             </a:pPr>
             <a:r>
-              <a:rPr b="1" lang="en" sz="1800">
+              <a:rPr lang="en" sz="1800" b="1">
                 <a:solidFill>
                   <a:schemeClr val="lt1"/>
                 </a:solidFill>
@@ -8148,11 +8351,11 @@
 </file>
 
 <file path=ppt/slides/slide14.xml><?xml version="1.0" encoding="utf-8"?>
-<p:sld xmlns:a="http://schemas.openxmlformats.org/drawingml/2006/main" xmlns:r="http://schemas.openxmlformats.org/officeDocument/2006/relationships" xmlns:mc="http://schemas.openxmlformats.org/markup-compatibility/2006" xmlns:mv="urn:schemas-microsoft-com:mac:vml" xmlns:p="http://schemas.openxmlformats.org/presentationml/2006/main" xmlns:c="http://schemas.openxmlformats.org/drawingml/2006/chart" xmlns:dgm="http://schemas.openxmlformats.org/drawingml/2006/diagram" xmlns:o="urn:schemas-microsoft-com:office:office" xmlns:v="urn:schemas-microsoft-com:vml" xmlns:pvml="urn:schemas-microsoft-com:office:powerpoint" xmlns:com="http://schemas.openxmlformats.org/drawingml/2006/compatibility" xmlns:p14="http://schemas.microsoft.com/office/powerpoint/2010/main" xmlns:p15="http://schemas.microsoft.com/office/powerpoint/2012/main">
+<p:sld xmlns:a="http://schemas.openxmlformats.org/drawingml/2006/main" xmlns:r="http://schemas.openxmlformats.org/officeDocument/2006/relationships" xmlns:p="http://schemas.openxmlformats.org/presentationml/2006/main">
   <p:cSld>
     <p:spTree>
       <p:nvGrpSpPr>
-        <p:cNvPr id="196" name="Shape 196"/>
+        <p:cNvPr id="1" name="Shape 196"/>
         <p:cNvGrpSpPr/>
         <p:nvPr/>
       </p:nvGrpSpPr>
@@ -8167,9 +8370,11 @@
       <p:sp>
         <p:nvSpPr>
           <p:cNvPr id="197" name="Google Shape;197;p26"/>
-          <p:cNvSpPr txBox="1"/>
+          <p:cNvSpPr txBox="1">
+            <a:spLocks noGrp="1"/>
+          </p:cNvSpPr>
           <p:nvPr>
-            <p:ph idx="4294967295" type="title"/>
+            <p:ph type="title" idx="4294967295"/>
           </p:nvPr>
         </p:nvSpPr>
         <p:spPr>
@@ -8182,12 +8387,12 @@
           </a:prstGeom>
         </p:spPr>
         <p:txBody>
-          <a:bodyPr anchorCtr="0" anchor="b" bIns="0" lIns="0" spcFirstLastPara="1" rIns="0" wrap="square" tIns="0">
+          <a:bodyPr spcFirstLastPara="1" wrap="square" lIns="0" tIns="0" rIns="0" bIns="0" anchor="b" anchorCtr="0">
             <a:noAutofit/>
           </a:bodyPr>
           <a:lstStyle/>
           <a:p>
-            <a:pPr indent="0" lvl="0" marL="0" rtl="0" algn="l">
+            <a:pPr marL="0" lvl="0" indent="0" algn="l" rtl="0">
               <a:spcBef>
                 <a:spcPts val="0"/>
               </a:spcBef>
@@ -8207,9 +8412,11 @@
       <p:sp>
         <p:nvSpPr>
           <p:cNvPr id="198" name="Google Shape;198;p26"/>
-          <p:cNvSpPr txBox="1"/>
+          <p:cNvSpPr txBox="1">
+            <a:spLocks noGrp="1"/>
+          </p:cNvSpPr>
           <p:nvPr>
-            <p:ph idx="12" type="sldNum"/>
+            <p:ph type="sldNum" idx="12"/>
           </p:nvPr>
         </p:nvSpPr>
         <p:spPr>
@@ -8222,12 +8429,12 @@
           </a:prstGeom>
         </p:spPr>
         <p:txBody>
-          <a:bodyPr anchorCtr="0" anchor="ctr" bIns="0" lIns="0" spcFirstLastPara="1" rIns="0" wrap="square" tIns="0">
+          <a:bodyPr spcFirstLastPara="1" wrap="square" lIns="0" tIns="0" rIns="0" bIns="0" anchor="ctr" anchorCtr="0">
             <a:noAutofit/>
           </a:bodyPr>
           <a:lstStyle/>
           <a:p>
-            <a:pPr indent="0" lvl="0" marL="0" rtl="0" algn="r">
+            <a:pPr marL="0" lvl="0" indent="0" algn="r" rtl="0">
               <a:spcBef>
                 <a:spcPts val="0"/>
               </a:spcBef>
@@ -8238,7 +8445,7 @@
             </a:pPr>
             <a:fld id="{00000000-1234-1234-1234-123412341234}" type="slidenum">
               <a:rPr lang="en"/>
-              <a:t>‹#›</a:t>
+              <a:t>14</a:t>
             </a:fld>
             <a:endParaRPr/>
           </a:p>
@@ -8303,9 +8510,11 @@
       <p:sp>
         <p:nvSpPr>
           <p:cNvPr id="201" name="Google Shape;201;p26"/>
-          <p:cNvSpPr txBox="1"/>
+          <p:cNvSpPr txBox="1">
+            <a:spLocks noGrp="1"/>
+          </p:cNvSpPr>
           <p:nvPr>
-            <p:ph idx="4294967295" type="title"/>
+            <p:ph type="title" idx="4294967295"/>
           </p:nvPr>
         </p:nvSpPr>
         <p:spPr>
@@ -8318,12 +8527,12 @@
           </a:prstGeom>
         </p:spPr>
         <p:txBody>
-          <a:bodyPr anchorCtr="0" anchor="b" bIns="0" lIns="0" spcFirstLastPara="1" rIns="0" wrap="square" tIns="0">
+          <a:bodyPr spcFirstLastPara="1" wrap="square" lIns="0" tIns="0" rIns="0" bIns="0" anchor="b" anchorCtr="0">
             <a:noAutofit/>
           </a:bodyPr>
           <a:lstStyle/>
           <a:p>
-            <a:pPr indent="0" lvl="0" marL="0" rtl="0" algn="l">
+            <a:pPr marL="0" lvl="0" indent="0" algn="l" rtl="0">
               <a:spcBef>
                 <a:spcPts val="0"/>
               </a:spcBef>
@@ -8343,9 +8552,11 @@
       <p:sp>
         <p:nvSpPr>
           <p:cNvPr id="202" name="Google Shape;202;p26"/>
-          <p:cNvSpPr txBox="1"/>
+          <p:cNvSpPr txBox="1">
+            <a:spLocks noGrp="1"/>
+          </p:cNvSpPr>
           <p:nvPr>
-            <p:ph idx="4294967295" type="title"/>
+            <p:ph type="title" idx="4294967295"/>
           </p:nvPr>
         </p:nvSpPr>
         <p:spPr>
@@ -8358,12 +8569,12 @@
           </a:prstGeom>
         </p:spPr>
         <p:txBody>
-          <a:bodyPr anchorCtr="0" anchor="b" bIns="0" lIns="0" spcFirstLastPara="1" rIns="0" wrap="square" tIns="0">
+          <a:bodyPr spcFirstLastPara="1" wrap="square" lIns="0" tIns="0" rIns="0" bIns="0" anchor="b" anchorCtr="0">
             <a:noAutofit/>
           </a:bodyPr>
           <a:lstStyle/>
           <a:p>
-            <a:pPr indent="0" lvl="0" marL="0" rtl="0" algn="l">
+            <a:pPr marL="0" lvl="0" indent="0" algn="l" rtl="0">
               <a:spcBef>
                 <a:spcPts val="0"/>
               </a:spcBef>
@@ -8374,11 +8585,7 @@
             </a:pPr>
             <a:r>
               <a:rPr lang="en"/>
-              <a:t>Website</a:t>
-            </a:r>
-            <a:r>
-              <a:rPr lang="en"/>
-              <a:t>: mlh-jaipur.azurewebsites.net</a:t>
+              <a:t>Website: mlh-jaipur.azurewebsites.net</a:t>
             </a:r>
             <a:endParaRPr/>
           </a:p>
@@ -8393,11 +8600,11 @@
 </file>
 
 <file path=ppt/slides/slide15.xml><?xml version="1.0" encoding="utf-8"?>
-<p:sld xmlns:a="http://schemas.openxmlformats.org/drawingml/2006/main" xmlns:r="http://schemas.openxmlformats.org/officeDocument/2006/relationships" xmlns:mc="http://schemas.openxmlformats.org/markup-compatibility/2006" xmlns:mv="urn:schemas-microsoft-com:mac:vml" xmlns:p="http://schemas.openxmlformats.org/presentationml/2006/main" xmlns:c="http://schemas.openxmlformats.org/drawingml/2006/chart" xmlns:dgm="http://schemas.openxmlformats.org/drawingml/2006/diagram" xmlns:o="urn:schemas-microsoft-com:office:office" xmlns:v="urn:schemas-microsoft-com:vml" xmlns:pvml="urn:schemas-microsoft-com:office:powerpoint" xmlns:com="http://schemas.openxmlformats.org/drawingml/2006/compatibility" xmlns:p14="http://schemas.microsoft.com/office/powerpoint/2010/main" xmlns:p15="http://schemas.microsoft.com/office/powerpoint/2012/main">
+<p:sld xmlns:a="http://schemas.openxmlformats.org/drawingml/2006/main" xmlns:r="http://schemas.openxmlformats.org/officeDocument/2006/relationships" xmlns:p="http://schemas.openxmlformats.org/presentationml/2006/main">
   <p:cSld>
     <p:spTree>
       <p:nvGrpSpPr>
-        <p:cNvPr id="206" name="Shape 206"/>
+        <p:cNvPr id="1" name="Shape 206"/>
         <p:cNvGrpSpPr/>
         <p:nvPr/>
       </p:nvGrpSpPr>
@@ -8412,9 +8619,11 @@
       <p:sp>
         <p:nvSpPr>
           <p:cNvPr id="207" name="Google Shape;207;p27"/>
-          <p:cNvSpPr txBox="1"/>
+          <p:cNvSpPr txBox="1">
+            <a:spLocks noGrp="1"/>
+          </p:cNvSpPr>
           <p:nvPr>
-            <p:ph idx="12" type="sldNum"/>
+            <p:ph type="sldNum" idx="12"/>
           </p:nvPr>
         </p:nvSpPr>
         <p:spPr>
@@ -8427,12 +8636,12 @@
           </a:prstGeom>
         </p:spPr>
         <p:txBody>
-          <a:bodyPr anchorCtr="0" anchor="ctr" bIns="0" lIns="0" spcFirstLastPara="1" rIns="0" wrap="square" tIns="0">
+          <a:bodyPr spcFirstLastPara="1" wrap="square" lIns="0" tIns="0" rIns="0" bIns="0" anchor="ctr" anchorCtr="0">
             <a:noAutofit/>
           </a:bodyPr>
           <a:lstStyle/>
           <a:p>
-            <a:pPr indent="0" lvl="0" marL="0" rtl="0" algn="r">
+            <a:pPr marL="0" lvl="0" indent="0" algn="r" rtl="0">
               <a:spcBef>
                 <a:spcPts val="0"/>
               </a:spcBef>
@@ -8443,7 +8652,7 @@
             </a:pPr>
             <a:fld id="{00000000-1234-1234-1234-123412341234}" type="slidenum">
               <a:rPr lang="en"/>
-              <a:t>‹#›</a:t>
+              <a:t>15</a:t>
             </a:fld>
             <a:endParaRPr/>
           </a:p>
@@ -8452,9 +8661,11 @@
       <p:sp>
         <p:nvSpPr>
           <p:cNvPr id="208" name="Google Shape;208;p27"/>
-          <p:cNvSpPr txBox="1"/>
+          <p:cNvSpPr txBox="1">
+            <a:spLocks noGrp="1"/>
+          </p:cNvSpPr>
           <p:nvPr>
-            <p:ph idx="4294967295" type="ctrTitle"/>
+            <p:ph type="ctrTitle" idx="4294967295"/>
           </p:nvPr>
         </p:nvSpPr>
         <p:spPr>
@@ -8467,12 +8678,12 @@
           </a:prstGeom>
         </p:spPr>
         <p:txBody>
-          <a:bodyPr anchorCtr="0" anchor="b" bIns="0" lIns="0" spcFirstLastPara="1" rIns="0" wrap="square" tIns="0">
+          <a:bodyPr spcFirstLastPara="1" wrap="square" lIns="0" tIns="0" rIns="0" bIns="0" anchor="b" anchorCtr="0">
             <a:noAutofit/>
           </a:bodyPr>
           <a:lstStyle/>
           <a:p>
-            <a:pPr indent="0" lvl="0" marL="0" rtl="0" algn="l">
+            <a:pPr marL="0" lvl="0" indent="0" algn="l" rtl="0">
               <a:spcBef>
                 <a:spcPts val="0"/>
               </a:spcBef>
@@ -8492,9 +8703,11 @@
       <p:sp>
         <p:nvSpPr>
           <p:cNvPr id="209" name="Google Shape;209;p27"/>
-          <p:cNvSpPr txBox="1"/>
+          <p:cNvSpPr txBox="1">
+            <a:spLocks noGrp="1"/>
+          </p:cNvSpPr>
           <p:nvPr>
-            <p:ph idx="4294967295" type="subTitle"/>
+            <p:ph type="subTitle" idx="4294967295"/>
           </p:nvPr>
         </p:nvSpPr>
         <p:spPr>
@@ -8507,12 +8720,12 @@
           </a:prstGeom>
         </p:spPr>
         <p:txBody>
-          <a:bodyPr anchorCtr="0" anchor="t" bIns="0" lIns="0" spcFirstLastPara="1" rIns="0" wrap="square" tIns="0">
+          <a:bodyPr spcFirstLastPara="1" wrap="square" lIns="0" tIns="0" rIns="0" bIns="0" anchor="t" anchorCtr="0">
             <a:noAutofit/>
           </a:bodyPr>
           <a:lstStyle/>
           <a:p>
-            <a:pPr indent="0" lvl="0" marL="0" rtl="0" algn="l">
+            <a:pPr marL="0" lvl="0" indent="0" algn="l" rtl="0">
               <a:spcBef>
                 <a:spcPts val="600"/>
               </a:spcBef>
@@ -8522,7 +8735,7 @@
               <a:buNone/>
             </a:pPr>
             <a:r>
-              <a:rPr b="1" lang="en" sz="1800">
+              <a:rPr lang="en" sz="1800" b="1">
                 <a:latin typeface="Muli"/>
                 <a:ea typeface="Muli"/>
                 <a:cs typeface="Muli"/>
@@ -8530,7 +8743,7 @@
               </a:rPr>
               <a:t>Any questions?</a:t>
             </a:r>
-            <a:endParaRPr b="1" sz="1800">
+            <a:endParaRPr sz="1800" b="1">
               <a:latin typeface="Muli"/>
               <a:ea typeface="Muli"/>
               <a:cs typeface="Muli"/>
@@ -8538,7 +8751,7 @@
             </a:endParaRPr>
           </a:p>
           <a:p>
-            <a:pPr indent="0" lvl="0" marL="0" rtl="0" algn="l">
+            <a:pPr marL="0" lvl="0" indent="0" algn="l" rtl="0">
               <a:spcBef>
                 <a:spcPts val="600"/>
               </a:spcBef>
@@ -8547,9 +8760,6 @@
               </a:spcAft>
               <a:buNone/>
             </a:pPr>
-            <a:r>
-              <a:t/>
-            </a:r>
             <a:endParaRPr sz="1800"/>
           </a:p>
         </p:txBody>
@@ -8647,11 +8857,11 @@
 </file>
 
 <file path=ppt/slides/slide2.xml><?xml version="1.0" encoding="utf-8"?>
-<p:sld xmlns:a="http://schemas.openxmlformats.org/drawingml/2006/main" xmlns:r="http://schemas.openxmlformats.org/officeDocument/2006/relationships" xmlns:mc="http://schemas.openxmlformats.org/markup-compatibility/2006" xmlns:mv="urn:schemas-microsoft-com:mac:vml" xmlns:p="http://schemas.openxmlformats.org/presentationml/2006/main" xmlns:c="http://schemas.openxmlformats.org/drawingml/2006/chart" xmlns:dgm="http://schemas.openxmlformats.org/drawingml/2006/diagram" xmlns:o="urn:schemas-microsoft-com:office:office" xmlns:v="urn:schemas-microsoft-com:vml" xmlns:pvml="urn:schemas-microsoft-com:office:powerpoint" xmlns:com="http://schemas.openxmlformats.org/drawingml/2006/compatibility" xmlns:p14="http://schemas.microsoft.com/office/powerpoint/2010/main" xmlns:p15="http://schemas.microsoft.com/office/powerpoint/2012/main">
+<p:sld xmlns:a="http://schemas.openxmlformats.org/drawingml/2006/main" xmlns:r="http://schemas.openxmlformats.org/officeDocument/2006/relationships" xmlns:p="http://schemas.openxmlformats.org/presentationml/2006/main">
   <p:cSld>
     <p:spTree>
       <p:nvGrpSpPr>
-        <p:cNvPr id="71" name="Shape 71"/>
+        <p:cNvPr id="1" name="Shape 71"/>
         <p:cNvGrpSpPr/>
         <p:nvPr/>
       </p:nvGrpSpPr>
@@ -8666,9 +8876,11 @@
       <p:sp>
         <p:nvSpPr>
           <p:cNvPr id="72" name="Google Shape;72;p14"/>
-          <p:cNvSpPr txBox="1"/>
+          <p:cNvSpPr txBox="1">
+            <a:spLocks noGrp="1"/>
+          </p:cNvSpPr>
           <p:nvPr>
-            <p:ph idx="4294967295" type="ctrTitle"/>
+            <p:ph type="ctrTitle" idx="4294967295"/>
           </p:nvPr>
         </p:nvSpPr>
         <p:spPr>
@@ -8681,12 +8893,12 @@
           </a:prstGeom>
         </p:spPr>
         <p:txBody>
-          <a:bodyPr anchorCtr="0" anchor="b" bIns="0" lIns="0" spcFirstLastPara="1" rIns="0" wrap="square" tIns="0">
+          <a:bodyPr spcFirstLastPara="1" wrap="square" lIns="0" tIns="0" rIns="0" bIns="0" anchor="b" anchorCtr="0">
             <a:noAutofit/>
           </a:bodyPr>
           <a:lstStyle/>
           <a:p>
-            <a:pPr indent="0" lvl="0" marL="0" rtl="0" algn="l">
+            <a:pPr marL="0" lvl="0" indent="0" algn="l" rtl="0">
               <a:spcBef>
                 <a:spcPts val="0"/>
               </a:spcBef>
@@ -8706,9 +8918,11 @@
       <p:sp>
         <p:nvSpPr>
           <p:cNvPr id="73" name="Google Shape;73;p14"/>
-          <p:cNvSpPr txBox="1"/>
+          <p:cNvSpPr txBox="1">
+            <a:spLocks noGrp="1"/>
+          </p:cNvSpPr>
           <p:nvPr>
-            <p:ph idx="4294967295" type="subTitle"/>
+            <p:ph type="subTitle" idx="4294967295"/>
           </p:nvPr>
         </p:nvSpPr>
         <p:spPr>
@@ -8721,12 +8935,12 @@
           </a:prstGeom>
         </p:spPr>
         <p:txBody>
-          <a:bodyPr anchorCtr="0" anchor="t" bIns="0" lIns="0" spcFirstLastPara="1" rIns="0" wrap="square" tIns="0">
+          <a:bodyPr spcFirstLastPara="1" wrap="square" lIns="0" tIns="0" rIns="0" bIns="0" anchor="t" anchorCtr="0">
             <a:noAutofit/>
           </a:bodyPr>
           <a:lstStyle/>
           <a:p>
-            <a:pPr indent="0" lvl="0" marL="0" rtl="0" algn="l">
+            <a:pPr marL="0" lvl="0" indent="0" algn="l" rtl="0">
               <a:spcBef>
                 <a:spcPts val="600"/>
               </a:spcBef>
@@ -8736,7 +8950,7 @@
               <a:buNone/>
             </a:pPr>
             <a:r>
-              <a:rPr b="1" lang="en" sz="1800">
+              <a:rPr lang="en" sz="1800" b="1">
                 <a:latin typeface="Muli"/>
                 <a:ea typeface="Muli"/>
                 <a:cs typeface="Muli"/>
@@ -8744,7 +8958,7 @@
               </a:rPr>
               <a:t>This is team Pandas</a:t>
             </a:r>
-            <a:endParaRPr b="1" sz="1800">
+            <a:endParaRPr sz="1800" b="1">
               <a:latin typeface="Muli"/>
               <a:ea typeface="Muli"/>
               <a:cs typeface="Muli"/>
@@ -8752,7 +8966,7 @@
             </a:endParaRPr>
           </a:p>
           <a:p>
-            <a:pPr indent="0" lvl="0" marL="0" rtl="0" algn="l">
+            <a:pPr marL="0" lvl="0" indent="0" algn="l" rtl="0">
               <a:spcBef>
                 <a:spcPts val="600"/>
               </a:spcBef>
@@ -8770,16 +8984,18 @@
               <a:rPr lang="en" sz="1800"/>
               <a:t>We are here to showcase  our project - “Kryptonics” is a ML based assist app which helps you to get the best crypto’s to invest.</a:t>
             </a:r>
-            <a:endParaRPr b="1" sz="1800"/>
+            <a:endParaRPr sz="1800" b="1"/>
           </a:p>
         </p:txBody>
       </p:sp>
       <p:sp>
         <p:nvSpPr>
           <p:cNvPr id="74" name="Google Shape;74;p14"/>
-          <p:cNvSpPr txBox="1"/>
+          <p:cNvSpPr txBox="1">
+            <a:spLocks noGrp="1"/>
+          </p:cNvSpPr>
           <p:nvPr>
-            <p:ph idx="12" type="sldNum"/>
+            <p:ph type="sldNum" idx="12"/>
           </p:nvPr>
         </p:nvSpPr>
         <p:spPr>
@@ -8792,12 +9008,12 @@
           </a:prstGeom>
         </p:spPr>
         <p:txBody>
-          <a:bodyPr anchorCtr="0" anchor="ctr" bIns="0" lIns="0" spcFirstLastPara="1" rIns="0" wrap="square" tIns="0">
+          <a:bodyPr spcFirstLastPara="1" wrap="square" lIns="0" tIns="0" rIns="0" bIns="0" anchor="ctr" anchorCtr="0">
             <a:noAutofit/>
           </a:bodyPr>
           <a:lstStyle/>
           <a:p>
-            <a:pPr indent="0" lvl="0" marL="0" rtl="0" algn="r">
+            <a:pPr marL="0" lvl="0" indent="0" algn="r" rtl="0">
               <a:spcBef>
                 <a:spcPts val="0"/>
               </a:spcBef>
@@ -8808,7 +9024,7 @@
             </a:pPr>
             <a:fld id="{00000000-1234-1234-1234-123412341234}" type="slidenum">
               <a:rPr lang="en"/>
-              <a:t>‹#›</a:t>
+              <a:t>2</a:t>
             </a:fld>
             <a:endParaRPr/>
           </a:p>
@@ -8824,7 +9040,7 @@
           <a:blip r:embed="rId3">
             <a:alphaModFix/>
           </a:blip>
-          <a:srcRect b="21826" l="0" r="0" t="0"/>
+          <a:srcRect b="21826"/>
           <a:stretch/>
         </p:blipFill>
         <p:spPr>
@@ -8861,12 +9077,12 @@
           </a:ln>
         </p:spPr>
         <p:txBody>
-          <a:bodyPr anchorCtr="0" anchor="t" bIns="91425" lIns="91425" spcFirstLastPara="1" rIns="91425" wrap="square" tIns="91425">
+          <a:bodyPr spcFirstLastPara="1" wrap="square" lIns="91425" tIns="91425" rIns="91425" bIns="91425" anchor="t" anchorCtr="0">
             <a:noAutofit/>
           </a:bodyPr>
           <a:lstStyle/>
           <a:p>
-            <a:pPr indent="0" lvl="0" marL="0" rtl="0" algn="l">
+            <a:pPr marL="0" lvl="0" indent="0" algn="l" rtl="0">
               <a:lnSpc>
                 <a:spcPct val="115000"/>
               </a:lnSpc>
@@ -8879,7 +9095,7 @@
               <a:buNone/>
             </a:pPr>
             <a:r>
-              <a:rPr b="1" lang="en" sz="1800">
+              <a:rPr lang="en" sz="1800" b="1">
                 <a:solidFill>
                   <a:schemeClr val="lt1"/>
                 </a:solidFill>
@@ -8903,11 +9119,11 @@
 </file>
 
 <file path=ppt/slides/slide3.xml><?xml version="1.0" encoding="utf-8"?>
-<p:sld xmlns:a="http://schemas.openxmlformats.org/drawingml/2006/main" xmlns:r="http://schemas.openxmlformats.org/officeDocument/2006/relationships" xmlns:mc="http://schemas.openxmlformats.org/markup-compatibility/2006" xmlns:mv="urn:schemas-microsoft-com:mac:vml" xmlns:p="http://schemas.openxmlformats.org/presentationml/2006/main" xmlns:c="http://schemas.openxmlformats.org/drawingml/2006/chart" xmlns:dgm="http://schemas.openxmlformats.org/drawingml/2006/diagram" xmlns:o="urn:schemas-microsoft-com:office:office" xmlns:v="urn:schemas-microsoft-com:vml" xmlns:pvml="urn:schemas-microsoft-com:office:powerpoint" xmlns:com="http://schemas.openxmlformats.org/drawingml/2006/compatibility" xmlns:p14="http://schemas.microsoft.com/office/powerpoint/2010/main" xmlns:p15="http://schemas.microsoft.com/office/powerpoint/2012/main">
+<p:sld xmlns:a="http://schemas.openxmlformats.org/drawingml/2006/main" xmlns:r="http://schemas.openxmlformats.org/officeDocument/2006/relationships" xmlns:p="http://schemas.openxmlformats.org/presentationml/2006/main">
   <p:cSld>
     <p:spTree>
       <p:nvGrpSpPr>
-        <p:cNvPr id="80" name="Shape 80"/>
+        <p:cNvPr id="1" name="Shape 80"/>
         <p:cNvGrpSpPr/>
         <p:nvPr/>
       </p:nvGrpSpPr>
@@ -8922,7 +9138,9 @@
       <p:sp>
         <p:nvSpPr>
           <p:cNvPr id="81" name="Google Shape;81;p15"/>
-          <p:cNvSpPr txBox="1"/>
+          <p:cNvSpPr txBox="1">
+            <a:spLocks noGrp="1"/>
+          </p:cNvSpPr>
           <p:nvPr>
             <p:ph type="ctrTitle"/>
           </p:nvPr>
@@ -8937,12 +9155,12 @@
           </a:prstGeom>
         </p:spPr>
         <p:txBody>
-          <a:bodyPr anchorCtr="0" anchor="b" bIns="0" lIns="0" spcFirstLastPara="1" rIns="0" wrap="square" tIns="0">
+          <a:bodyPr spcFirstLastPara="1" wrap="square" lIns="0" tIns="0" rIns="0" bIns="0" anchor="b" anchorCtr="0">
             <a:noAutofit/>
           </a:bodyPr>
           <a:lstStyle/>
           <a:p>
-            <a:pPr indent="0" lvl="0" marL="0" rtl="0" algn="l">
+            <a:pPr marL="0" lvl="0" indent="0" algn="l" rtl="0">
               <a:spcBef>
                 <a:spcPts val="0"/>
               </a:spcBef>
@@ -8958,7 +9176,7 @@
             <a:endParaRPr/>
           </a:p>
           <a:p>
-            <a:pPr indent="0" lvl="0" marL="0" rtl="0" algn="l">
+            <a:pPr marL="0" lvl="0" indent="0" algn="l" rtl="0">
               <a:spcBef>
                 <a:spcPts val="0"/>
               </a:spcBef>
@@ -8978,9 +9196,11 @@
       <p:sp>
         <p:nvSpPr>
           <p:cNvPr id="82" name="Google Shape;82;p15"/>
-          <p:cNvSpPr txBox="1"/>
+          <p:cNvSpPr txBox="1">
+            <a:spLocks noGrp="1"/>
+          </p:cNvSpPr>
           <p:nvPr>
-            <p:ph idx="1" type="subTitle"/>
+            <p:ph type="subTitle" idx="1"/>
           </p:nvPr>
         </p:nvSpPr>
         <p:spPr>
@@ -8993,12 +9213,12 @@
           </a:prstGeom>
         </p:spPr>
         <p:txBody>
-          <a:bodyPr anchorCtr="0" anchor="t" bIns="0" lIns="0" spcFirstLastPara="1" rIns="0" wrap="square" tIns="0">
+          <a:bodyPr spcFirstLastPara="1" wrap="square" lIns="0" tIns="0" rIns="0" bIns="0" anchor="t" anchorCtr="0">
             <a:noAutofit/>
           </a:bodyPr>
           <a:lstStyle/>
           <a:p>
-            <a:pPr indent="0" lvl="0" marL="0" rtl="0" algn="l">
+            <a:pPr marL="0" lvl="0" indent="0" algn="l" rtl="0">
               <a:spcBef>
                 <a:spcPts val="0"/>
               </a:spcBef>
@@ -9108,11 +9328,11 @@
 </file>
 
 <file path=ppt/slides/slide4.xml><?xml version="1.0" encoding="utf-8"?>
-<p:sld xmlns:a="http://schemas.openxmlformats.org/drawingml/2006/main" xmlns:r="http://schemas.openxmlformats.org/officeDocument/2006/relationships" xmlns:mc="http://schemas.openxmlformats.org/markup-compatibility/2006" xmlns:mv="urn:schemas-microsoft-com:mac:vml" xmlns:p="http://schemas.openxmlformats.org/presentationml/2006/main" xmlns:c="http://schemas.openxmlformats.org/drawingml/2006/chart" xmlns:dgm="http://schemas.openxmlformats.org/drawingml/2006/diagram" xmlns:o="urn:schemas-microsoft-com:office:office" xmlns:v="urn:schemas-microsoft-com:vml" xmlns:pvml="urn:schemas-microsoft-com:office:powerpoint" xmlns:com="http://schemas.openxmlformats.org/drawingml/2006/compatibility" xmlns:p14="http://schemas.microsoft.com/office/powerpoint/2010/main" xmlns:p15="http://schemas.microsoft.com/office/powerpoint/2012/main">
+<p:sld xmlns:a="http://schemas.openxmlformats.org/drawingml/2006/main" xmlns:r="http://schemas.openxmlformats.org/officeDocument/2006/relationships" xmlns:p="http://schemas.openxmlformats.org/presentationml/2006/main">
   <p:cSld>
     <p:spTree>
       <p:nvGrpSpPr>
-        <p:cNvPr id="89" name="Shape 89"/>
+        <p:cNvPr id="1" name="Shape 89"/>
         <p:cNvGrpSpPr/>
         <p:nvPr/>
       </p:nvGrpSpPr>
@@ -9127,9 +9347,11 @@
       <p:sp>
         <p:nvSpPr>
           <p:cNvPr id="90" name="Google Shape;90;p16"/>
-          <p:cNvSpPr txBox="1"/>
+          <p:cNvSpPr txBox="1">
+            <a:spLocks noGrp="1"/>
+          </p:cNvSpPr>
           <p:nvPr>
-            <p:ph idx="1" type="body"/>
+            <p:ph type="body" idx="1"/>
           </p:nvPr>
         </p:nvSpPr>
         <p:spPr>
@@ -9142,12 +9364,12 @@
           </a:prstGeom>
         </p:spPr>
         <p:txBody>
-          <a:bodyPr anchorCtr="0" anchor="t" bIns="0" lIns="0" spcFirstLastPara="1" rIns="0" wrap="square" tIns="0">
+          <a:bodyPr spcFirstLastPara="1" wrap="square" lIns="0" tIns="0" rIns="0" bIns="0" anchor="t" anchorCtr="0">
             <a:noAutofit/>
           </a:bodyPr>
           <a:lstStyle/>
           <a:p>
-            <a:pPr indent="0" lvl="0" marL="0" rtl="0" algn="l">
+            <a:pPr marL="0" lvl="0" indent="0" algn="l" rtl="0">
               <a:spcBef>
                 <a:spcPts val="600"/>
               </a:spcBef>
@@ -9163,7 +9385,7 @@
             <a:endParaRPr/>
           </a:p>
           <a:p>
-            <a:pPr indent="0" lvl="0" marL="0" rtl="0" algn="l">
+            <a:pPr marL="0" lvl="0" indent="0" algn="l" rtl="0">
               <a:spcBef>
                 <a:spcPts val="600"/>
               </a:spcBef>
@@ -9174,11 +9396,7 @@
             </a:pPr>
             <a:r>
               <a:rPr lang="en"/>
-              <a:t>So we came up with Kryptonic a unique WebApp that lets you compare different cryptocurrencies and suggests a personalised cryptocurrency for a given amount of time, based upon a Machine learning model... and all of it happens real-time!</a:t>
-            </a:r>
-            <a:r>
-              <a:rPr lang="en"/>
-              <a:t> </a:t>
+              <a:t>So we came up with Kryptonic a unique WebApp that lets you compare different cryptocurrencies and suggests a personalised cryptocurrency for a given amount of time, based upon a Machine learning model... and all of it happens real-time! </a:t>
             </a:r>
             <a:endParaRPr/>
           </a:p>
@@ -9187,9 +9405,11 @@
       <p:sp>
         <p:nvSpPr>
           <p:cNvPr id="91" name="Google Shape;91;p16"/>
-          <p:cNvSpPr txBox="1"/>
+          <p:cNvSpPr txBox="1">
+            <a:spLocks noGrp="1"/>
+          </p:cNvSpPr>
           <p:nvPr>
-            <p:ph idx="12" type="sldNum"/>
+            <p:ph type="sldNum" idx="12"/>
           </p:nvPr>
         </p:nvSpPr>
         <p:spPr>
@@ -9202,12 +9422,12 @@
           </a:prstGeom>
         </p:spPr>
         <p:txBody>
-          <a:bodyPr anchorCtr="0" anchor="ctr" bIns="0" lIns="0" spcFirstLastPara="1" rIns="0" wrap="square" tIns="0">
+          <a:bodyPr spcFirstLastPara="1" wrap="square" lIns="0" tIns="0" rIns="0" bIns="0" anchor="ctr" anchorCtr="0">
             <a:noAutofit/>
           </a:bodyPr>
           <a:lstStyle/>
           <a:p>
-            <a:pPr indent="0" lvl="0" marL="0" rtl="0" algn="r">
+            <a:pPr marL="0" lvl="0" indent="0" algn="r" rtl="0">
               <a:spcBef>
                 <a:spcPts val="0"/>
               </a:spcBef>
@@ -9218,7 +9438,7 @@
             </a:pPr>
             <a:fld id="{00000000-1234-1234-1234-123412341234}" type="slidenum">
               <a:rPr lang="en"/>
-              <a:t>‹#›</a:t>
+              <a:t>4</a:t>
             </a:fld>
             <a:endParaRPr/>
           </a:p>
@@ -9233,11 +9453,11 @@
 </file>
 
 <file path=ppt/slides/slide5.xml><?xml version="1.0" encoding="utf-8"?>
-<p:sld xmlns:a="http://schemas.openxmlformats.org/drawingml/2006/main" xmlns:r="http://schemas.openxmlformats.org/officeDocument/2006/relationships" xmlns:mc="http://schemas.openxmlformats.org/markup-compatibility/2006" xmlns:mv="urn:schemas-microsoft-com:mac:vml" xmlns:p="http://schemas.openxmlformats.org/presentationml/2006/main" xmlns:c="http://schemas.openxmlformats.org/drawingml/2006/chart" xmlns:dgm="http://schemas.openxmlformats.org/drawingml/2006/diagram" xmlns:o="urn:schemas-microsoft-com:office:office" xmlns:v="urn:schemas-microsoft-com:vml" xmlns:pvml="urn:schemas-microsoft-com:office:powerpoint" xmlns:com="http://schemas.openxmlformats.org/drawingml/2006/compatibility" xmlns:p14="http://schemas.microsoft.com/office/powerpoint/2010/main" xmlns:p15="http://schemas.microsoft.com/office/powerpoint/2012/main">
+<p:sld xmlns:a="http://schemas.openxmlformats.org/drawingml/2006/main" xmlns:r="http://schemas.openxmlformats.org/officeDocument/2006/relationships" xmlns:p="http://schemas.openxmlformats.org/presentationml/2006/main">
   <p:cSld>
     <p:spTree>
       <p:nvGrpSpPr>
-        <p:cNvPr id="95" name="Shape 95"/>
+        <p:cNvPr id="1" name="Shape 95"/>
         <p:cNvGrpSpPr/>
         <p:nvPr/>
       </p:nvGrpSpPr>
@@ -9252,9 +9472,11 @@
       <p:sp>
         <p:nvSpPr>
           <p:cNvPr id="96" name="Google Shape;96;p17"/>
-          <p:cNvSpPr txBox="1"/>
+          <p:cNvSpPr txBox="1">
+            <a:spLocks noGrp="1"/>
+          </p:cNvSpPr>
           <p:nvPr>
-            <p:ph idx="4294967295" type="ctrTitle"/>
+            <p:ph type="ctrTitle" idx="4294967295"/>
           </p:nvPr>
         </p:nvSpPr>
         <p:spPr>
@@ -9267,12 +9489,12 @@
           </a:prstGeom>
         </p:spPr>
         <p:txBody>
-          <a:bodyPr anchorCtr="0" anchor="b" bIns="0" lIns="0" spcFirstLastPara="1" rIns="0" wrap="square" tIns="0">
+          <a:bodyPr spcFirstLastPara="1" wrap="square" lIns="0" tIns="0" rIns="0" bIns="0" anchor="b" anchorCtr="0">
             <a:noAutofit/>
           </a:bodyPr>
           <a:lstStyle/>
           <a:p>
-            <a:pPr indent="0" lvl="0" marL="0" rtl="0" algn="l">
+            <a:pPr marL="0" lvl="0" indent="0" algn="l" rtl="0">
               <a:spcBef>
                 <a:spcPts val="0"/>
               </a:spcBef>
@@ -9283,11 +9505,7 @@
             </a:pPr>
             <a:r>
               <a:rPr lang="en" sz="4800"/>
-              <a:t>1,200,000,000</a:t>
-            </a:r>
-            <a:r>
-              <a:rPr lang="en" sz="4800"/>
-              <a:t>$</a:t>
+              <a:t>1,200,000,000$</a:t>
             </a:r>
             <a:endParaRPr sz="4800"/>
           </a:p>
@@ -9296,9 +9514,11 @@
       <p:sp>
         <p:nvSpPr>
           <p:cNvPr id="97" name="Google Shape;97;p17"/>
-          <p:cNvSpPr txBox="1"/>
+          <p:cNvSpPr txBox="1">
+            <a:spLocks noGrp="1"/>
+          </p:cNvSpPr>
           <p:nvPr>
-            <p:ph idx="4294967295" type="subTitle"/>
+            <p:ph type="subTitle" idx="4294967295"/>
           </p:nvPr>
         </p:nvSpPr>
         <p:spPr>
@@ -9311,12 +9531,12 @@
           </a:prstGeom>
         </p:spPr>
         <p:txBody>
-          <a:bodyPr anchorCtr="0" anchor="t" bIns="0" lIns="0" spcFirstLastPara="1" rIns="0" wrap="square" tIns="0">
+          <a:bodyPr spcFirstLastPara="1" wrap="square" lIns="0" tIns="0" rIns="0" bIns="0" anchor="t" anchorCtr="0">
             <a:noAutofit/>
           </a:bodyPr>
           <a:lstStyle/>
           <a:p>
-            <a:pPr indent="0" lvl="0" marL="0" rtl="0" algn="l">
+            <a:pPr marL="0" lvl="0" indent="0" algn="l" rtl="0">
               <a:spcBef>
                 <a:spcPts val="600"/>
               </a:spcBef>
@@ -9336,9 +9556,11 @@
       <p:sp>
         <p:nvSpPr>
           <p:cNvPr id="98" name="Google Shape;98;p17"/>
-          <p:cNvSpPr txBox="1"/>
+          <p:cNvSpPr txBox="1">
+            <a:spLocks noGrp="1"/>
+          </p:cNvSpPr>
           <p:nvPr>
-            <p:ph idx="4294967295" type="ctrTitle"/>
+            <p:ph type="ctrTitle" idx="4294967295"/>
           </p:nvPr>
         </p:nvSpPr>
         <p:spPr>
@@ -9351,12 +9573,12 @@
           </a:prstGeom>
         </p:spPr>
         <p:txBody>
-          <a:bodyPr anchorCtr="0" anchor="b" bIns="0" lIns="0" spcFirstLastPara="1" rIns="0" wrap="square" tIns="0">
+          <a:bodyPr spcFirstLastPara="1" wrap="square" lIns="0" tIns="0" rIns="0" bIns="0" anchor="b" anchorCtr="0">
             <a:noAutofit/>
           </a:bodyPr>
           <a:lstStyle/>
           <a:p>
-            <a:pPr indent="0" lvl="0" marL="0" rtl="0" algn="l">
+            <a:pPr marL="0" lvl="0" indent="0" algn="l" rtl="0">
               <a:spcBef>
                 <a:spcPts val="0"/>
               </a:spcBef>
@@ -9376,9 +9598,11 @@
       <p:sp>
         <p:nvSpPr>
           <p:cNvPr id="99" name="Google Shape;99;p17"/>
-          <p:cNvSpPr txBox="1"/>
+          <p:cNvSpPr txBox="1">
+            <a:spLocks noGrp="1"/>
+          </p:cNvSpPr>
           <p:nvPr>
-            <p:ph idx="4294967295" type="subTitle"/>
+            <p:ph type="subTitle" idx="4294967295"/>
           </p:nvPr>
         </p:nvSpPr>
         <p:spPr>
@@ -9391,12 +9615,12 @@
           </a:prstGeom>
         </p:spPr>
         <p:txBody>
-          <a:bodyPr anchorCtr="0" anchor="t" bIns="0" lIns="0" spcFirstLastPara="1" rIns="0" wrap="square" tIns="0">
+          <a:bodyPr spcFirstLastPara="1" wrap="square" lIns="0" tIns="0" rIns="0" bIns="0" anchor="t" anchorCtr="0">
             <a:noAutofit/>
           </a:bodyPr>
           <a:lstStyle/>
           <a:p>
-            <a:pPr indent="0" lvl="0" marL="0" rtl="0" algn="l">
+            <a:pPr marL="0" lvl="0" indent="0" algn="l" rtl="0">
               <a:spcBef>
                 <a:spcPts val="600"/>
               </a:spcBef>
@@ -9416,9 +9640,11 @@
       <p:sp>
         <p:nvSpPr>
           <p:cNvPr id="100" name="Google Shape;100;p17"/>
-          <p:cNvSpPr txBox="1"/>
+          <p:cNvSpPr txBox="1">
+            <a:spLocks noGrp="1"/>
+          </p:cNvSpPr>
           <p:nvPr>
-            <p:ph idx="4294967295" type="ctrTitle"/>
+            <p:ph type="ctrTitle" idx="4294967295"/>
           </p:nvPr>
         </p:nvSpPr>
         <p:spPr>
@@ -9431,12 +9657,12 @@
           </a:prstGeom>
         </p:spPr>
         <p:txBody>
-          <a:bodyPr anchorCtr="0" anchor="b" bIns="0" lIns="0" spcFirstLastPara="1" rIns="0" wrap="square" tIns="0">
+          <a:bodyPr spcFirstLastPara="1" wrap="square" lIns="0" tIns="0" rIns="0" bIns="0" anchor="b" anchorCtr="0">
             <a:noAutofit/>
           </a:bodyPr>
           <a:lstStyle/>
           <a:p>
-            <a:pPr indent="0" lvl="0" marL="0" rtl="0" algn="l">
+            <a:pPr marL="0" lvl="0" indent="0" algn="l" rtl="0">
               <a:spcBef>
                 <a:spcPts val="0"/>
               </a:spcBef>
@@ -9447,11 +9673,7 @@
             </a:pPr>
             <a:r>
               <a:rPr lang="en" sz="4800"/>
-              <a:t>42,290,501</a:t>
-            </a:r>
-            <a:r>
-              <a:rPr lang="en" sz="4800"/>
-              <a:t> users</a:t>
+              <a:t>42,290,501 users</a:t>
             </a:r>
             <a:endParaRPr sz="4800"/>
           </a:p>
@@ -9460,9 +9682,11 @@
       <p:sp>
         <p:nvSpPr>
           <p:cNvPr id="101" name="Google Shape;101;p17"/>
-          <p:cNvSpPr txBox="1"/>
+          <p:cNvSpPr txBox="1">
+            <a:spLocks noGrp="1"/>
+          </p:cNvSpPr>
           <p:nvPr>
-            <p:ph idx="4294967295" type="subTitle"/>
+            <p:ph type="subTitle" idx="4294967295"/>
           </p:nvPr>
         </p:nvSpPr>
         <p:spPr>
@@ -9475,12 +9699,12 @@
           </a:prstGeom>
         </p:spPr>
         <p:txBody>
-          <a:bodyPr anchorCtr="0" anchor="t" bIns="0" lIns="0" spcFirstLastPara="1" rIns="0" wrap="square" tIns="0">
+          <a:bodyPr spcFirstLastPara="1" wrap="square" lIns="0" tIns="0" rIns="0" bIns="0" anchor="t" anchorCtr="0">
             <a:noAutofit/>
           </a:bodyPr>
           <a:lstStyle/>
           <a:p>
-            <a:pPr indent="0" lvl="0" marL="0" rtl="0" algn="l">
+            <a:pPr marL="0" lvl="0" indent="0" algn="l" rtl="0">
               <a:spcBef>
                 <a:spcPts val="600"/>
               </a:spcBef>
@@ -9500,9 +9724,11 @@
       <p:sp>
         <p:nvSpPr>
           <p:cNvPr id="102" name="Google Shape;102;p17"/>
-          <p:cNvSpPr txBox="1"/>
+          <p:cNvSpPr txBox="1">
+            <a:spLocks noGrp="1"/>
+          </p:cNvSpPr>
           <p:nvPr>
-            <p:ph idx="12" type="sldNum"/>
+            <p:ph type="sldNum" idx="12"/>
           </p:nvPr>
         </p:nvSpPr>
         <p:spPr>
@@ -9515,12 +9741,12 @@
           </a:prstGeom>
         </p:spPr>
         <p:txBody>
-          <a:bodyPr anchorCtr="0" anchor="ctr" bIns="0" lIns="0" spcFirstLastPara="1" rIns="0" wrap="square" tIns="0">
+          <a:bodyPr spcFirstLastPara="1" wrap="square" lIns="0" tIns="0" rIns="0" bIns="0" anchor="ctr" anchorCtr="0">
             <a:noAutofit/>
           </a:bodyPr>
           <a:lstStyle/>
           <a:p>
-            <a:pPr indent="0" lvl="0" marL="0" rtl="0" algn="r">
+            <a:pPr marL="0" lvl="0" indent="0" algn="r" rtl="0">
               <a:spcBef>
                 <a:spcPts val="0"/>
               </a:spcBef>
@@ -9531,7 +9757,7 @@
             </a:pPr>
             <a:fld id="{00000000-1234-1234-1234-123412341234}" type="slidenum">
               <a:rPr lang="en"/>
-              <a:t>‹#›</a:t>
+              <a:t>5</a:t>
             </a:fld>
             <a:endParaRPr/>
           </a:p>
@@ -9546,11 +9772,11 @@
 </file>
 
 <file path=ppt/slides/slide6.xml><?xml version="1.0" encoding="utf-8"?>
-<p:sld xmlns:a="http://schemas.openxmlformats.org/drawingml/2006/main" xmlns:r="http://schemas.openxmlformats.org/officeDocument/2006/relationships" xmlns:mc="http://schemas.openxmlformats.org/markup-compatibility/2006" xmlns:mv="urn:schemas-microsoft-com:mac:vml" xmlns:p="http://schemas.openxmlformats.org/presentationml/2006/main" xmlns:c="http://schemas.openxmlformats.org/drawingml/2006/chart" xmlns:dgm="http://schemas.openxmlformats.org/drawingml/2006/diagram" xmlns:o="urn:schemas-microsoft-com:office:office" xmlns:v="urn:schemas-microsoft-com:vml" xmlns:pvml="urn:schemas-microsoft-com:office:powerpoint" xmlns:com="http://schemas.openxmlformats.org/drawingml/2006/compatibility" xmlns:p14="http://schemas.microsoft.com/office/powerpoint/2010/main" xmlns:p15="http://schemas.microsoft.com/office/powerpoint/2012/main">
+<p:sld xmlns:a="http://schemas.openxmlformats.org/drawingml/2006/main" xmlns:r="http://schemas.openxmlformats.org/officeDocument/2006/relationships" xmlns:p="http://schemas.openxmlformats.org/presentationml/2006/main">
   <p:cSld>
     <p:spTree>
       <p:nvGrpSpPr>
-        <p:cNvPr id="106" name="Shape 106"/>
+        <p:cNvPr id="1" name="Shape 106"/>
         <p:cNvGrpSpPr/>
         <p:nvPr/>
       </p:nvGrpSpPr>
@@ -9593,9 +9819,11 @@
       <p:sp>
         <p:nvSpPr>
           <p:cNvPr id="108" name="Google Shape;108;p18"/>
-          <p:cNvSpPr txBox="1"/>
+          <p:cNvSpPr txBox="1">
+            <a:spLocks noGrp="1"/>
+          </p:cNvSpPr>
           <p:nvPr>
-            <p:ph idx="4294967295" type="ctrTitle"/>
+            <p:ph type="ctrTitle" idx="4294967295"/>
           </p:nvPr>
         </p:nvSpPr>
         <p:spPr>
@@ -9608,12 +9836,12 @@
           </a:prstGeom>
         </p:spPr>
         <p:txBody>
-          <a:bodyPr anchorCtr="0" anchor="t" bIns="0" lIns="0" spcFirstLastPara="1" rIns="0" wrap="square" tIns="0">
+          <a:bodyPr spcFirstLastPara="1" wrap="square" lIns="0" tIns="0" rIns="0" bIns="0" anchor="t" anchorCtr="0">
             <a:noAutofit/>
           </a:bodyPr>
           <a:lstStyle/>
           <a:p>
-            <a:pPr indent="0" lvl="0" marL="0" rtl="0" algn="l">
+            <a:pPr marL="0" lvl="0" indent="0" algn="l" rtl="0">
               <a:spcBef>
                 <a:spcPts val="0"/>
               </a:spcBef>
@@ -9629,7 +9857,7 @@
             <a:endParaRPr sz="6000"/>
           </a:p>
           <a:p>
-            <a:pPr indent="0" lvl="0" marL="0" rtl="0" algn="l">
+            <a:pPr marL="0" lvl="0" indent="0" algn="l" rtl="0">
               <a:spcBef>
                 <a:spcPts val="0"/>
               </a:spcBef>
@@ -9649,9 +9877,11 @@
       <p:sp>
         <p:nvSpPr>
           <p:cNvPr id="109" name="Google Shape;109;p18"/>
-          <p:cNvSpPr txBox="1"/>
+          <p:cNvSpPr txBox="1">
+            <a:spLocks noGrp="1"/>
+          </p:cNvSpPr>
           <p:nvPr>
-            <p:ph idx="4294967295" type="subTitle"/>
+            <p:ph type="subTitle" idx="4294967295"/>
           </p:nvPr>
         </p:nvSpPr>
         <p:spPr>
@@ -9664,12 +9894,12 @@
           </a:prstGeom>
         </p:spPr>
         <p:txBody>
-          <a:bodyPr anchorCtr="0" anchor="t" bIns="0" lIns="0" spcFirstLastPara="1" rIns="0" wrap="square" tIns="0">
+          <a:bodyPr spcFirstLastPara="1" wrap="square" lIns="0" tIns="0" rIns="0" bIns="0" anchor="t" anchorCtr="0">
             <a:noAutofit/>
           </a:bodyPr>
           <a:lstStyle/>
           <a:p>
-            <a:pPr indent="0" lvl="0" marL="0" rtl="0" algn="l">
+            <a:pPr marL="0" lvl="0" indent="0" algn="l" rtl="0">
               <a:spcBef>
                 <a:spcPts val="600"/>
               </a:spcBef>
@@ -9689,9 +9919,11 @@
       <p:sp>
         <p:nvSpPr>
           <p:cNvPr id="110" name="Google Shape;110;p18"/>
-          <p:cNvSpPr txBox="1"/>
+          <p:cNvSpPr txBox="1">
+            <a:spLocks noGrp="1"/>
+          </p:cNvSpPr>
           <p:nvPr>
-            <p:ph idx="12" type="sldNum"/>
+            <p:ph type="sldNum" idx="12"/>
           </p:nvPr>
         </p:nvSpPr>
         <p:spPr>
@@ -9704,12 +9936,12 @@
           </a:prstGeom>
         </p:spPr>
         <p:txBody>
-          <a:bodyPr anchorCtr="0" anchor="ctr" bIns="0" lIns="0" spcFirstLastPara="1" rIns="0" wrap="square" tIns="0">
+          <a:bodyPr spcFirstLastPara="1" wrap="square" lIns="0" tIns="0" rIns="0" bIns="0" anchor="ctr" anchorCtr="0">
             <a:noAutofit/>
           </a:bodyPr>
           <a:lstStyle/>
           <a:p>
-            <a:pPr indent="0" lvl="0" marL="0" rtl="0" algn="r">
+            <a:pPr marL="0" lvl="0" indent="0" algn="r" rtl="0">
               <a:spcBef>
                 <a:spcPts val="0"/>
               </a:spcBef>
@@ -9720,7 +9952,7 @@
             </a:pPr>
             <a:fld id="{00000000-1234-1234-1234-123412341234}" type="slidenum">
               <a:rPr lang="en"/>
-              <a:t>‹#›</a:t>
+              <a:t>6</a:t>
             </a:fld>
             <a:endParaRPr/>
           </a:p>
@@ -9909,14 +10141,14 @@
             <a:avLst/>
           </a:prstGeom>
           <a:noFill/>
-          <a:ln cap="rnd" cmpd="sng" w="19050">
+          <a:ln w="19050" cap="rnd" cmpd="sng">
             <a:solidFill>
               <a:schemeClr val="accent3"/>
             </a:solidFill>
             <a:prstDash val="dash"/>
             <a:round/>
-            <a:headEnd len="med" w="med" type="none"/>
-            <a:tailEnd len="med" w="med" type="none"/>
+            <a:headEnd type="none" w="med" len="med"/>
+            <a:tailEnd type="none" w="med" len="med"/>
           </a:ln>
         </p:spPr>
       </p:cxnSp>
@@ -9935,14 +10167,14 @@
             <a:avLst/>
           </a:prstGeom>
           <a:noFill/>
-          <a:ln cap="rnd" cmpd="sng" w="19050">
+          <a:ln w="19050" cap="rnd" cmpd="sng">
             <a:solidFill>
               <a:schemeClr val="accent6"/>
             </a:solidFill>
             <a:prstDash val="dash"/>
             <a:round/>
-            <a:headEnd len="med" w="med" type="none"/>
-            <a:tailEnd len="med" w="med" type="none"/>
+            <a:headEnd type="none" w="med" len="med"/>
+            <a:tailEnd type="none" w="med" len="med"/>
           </a:ln>
         </p:spPr>
       </p:cxnSp>
@@ -9989,14 +10221,14 @@
             <a:avLst/>
           </a:prstGeom>
           <a:noFill/>
-          <a:ln cap="rnd" cmpd="sng" w="19050">
+          <a:ln w="19050" cap="rnd" cmpd="sng">
             <a:solidFill>
               <a:schemeClr val="accent3"/>
             </a:solidFill>
             <a:prstDash val="dash"/>
             <a:round/>
-            <a:headEnd len="med" w="med" type="none"/>
-            <a:tailEnd len="med" w="med" type="none"/>
+            <a:headEnd type="none" w="med" len="med"/>
+            <a:tailEnd type="none" w="med" len="med"/>
           </a:ln>
         </p:spPr>
       </p:cxnSp>
@@ -10015,14 +10247,14 @@
             <a:avLst/>
           </a:prstGeom>
           <a:noFill/>
-          <a:ln cap="rnd" cmpd="sng" w="19050">
+          <a:ln w="19050" cap="rnd" cmpd="sng">
             <a:solidFill>
               <a:schemeClr val="accent1"/>
             </a:solidFill>
             <a:prstDash val="dash"/>
             <a:round/>
-            <a:headEnd len="med" w="med" type="none"/>
-            <a:tailEnd len="med" w="med" type="none"/>
+            <a:headEnd type="none" w="med" len="med"/>
+            <a:tailEnd type="none" w="med" len="med"/>
           </a:ln>
         </p:spPr>
       </p:cxnSp>
@@ -10123,8 +10355,8 @@
           </a:xfrm>
           <a:prstGeom prst="upDownArrow">
             <a:avLst>
-              <a:gd fmla="val 50000" name="adj1"/>
-              <a:gd fmla="val 50000" name="adj2"/>
+              <a:gd name="adj1" fmla="val 50000"/>
+              <a:gd name="adj2" fmla="val 50000"/>
             </a:avLst>
           </a:prstGeom>
           <a:gradFill>
@@ -10145,12 +10377,12 @@
           </a:ln>
         </p:spPr>
         <p:txBody>
-          <a:bodyPr anchorCtr="0" anchor="ctr" bIns="91425" lIns="91425" spcFirstLastPara="1" rIns="91425" wrap="square" tIns="91425">
+          <a:bodyPr spcFirstLastPara="1" wrap="square" lIns="91425" tIns="91425" rIns="91425" bIns="91425" anchor="ctr" anchorCtr="0">
             <a:noAutofit/>
           </a:bodyPr>
           <a:lstStyle/>
           <a:p>
-            <a:pPr indent="0" lvl="0" marL="0" rtl="0" algn="l">
+            <a:pPr marL="0" lvl="0" indent="0" algn="l" rtl="0">
               <a:spcBef>
                 <a:spcPts val="0"/>
               </a:spcBef>
@@ -10159,9 +10391,6 @@
               </a:spcAft>
               <a:buNone/>
             </a:pPr>
-            <a:r>
-              <a:t/>
-            </a:r>
             <a:endParaRPr/>
           </a:p>
         </p:txBody>
@@ -10175,11 +10404,11 @@
 </file>
 
 <file path=ppt/slides/slide7.xml><?xml version="1.0" encoding="utf-8"?>
-<p:sld xmlns:a="http://schemas.openxmlformats.org/drawingml/2006/main" xmlns:r="http://schemas.openxmlformats.org/officeDocument/2006/relationships" xmlns:mc="http://schemas.openxmlformats.org/markup-compatibility/2006" xmlns:mv="urn:schemas-microsoft-com:mac:vml" xmlns:p="http://schemas.openxmlformats.org/presentationml/2006/main" xmlns:c="http://schemas.openxmlformats.org/drawingml/2006/chart" xmlns:dgm="http://schemas.openxmlformats.org/drawingml/2006/diagram" xmlns:o="urn:schemas-microsoft-com:office:office" xmlns:v="urn:schemas-microsoft-com:vml" xmlns:pvml="urn:schemas-microsoft-com:office:powerpoint" xmlns:com="http://schemas.openxmlformats.org/drawingml/2006/compatibility" xmlns:p14="http://schemas.microsoft.com/office/powerpoint/2010/main" xmlns:p15="http://schemas.microsoft.com/office/powerpoint/2012/main">
+<p:sld xmlns:a="http://schemas.openxmlformats.org/drawingml/2006/main" xmlns:r="http://schemas.openxmlformats.org/officeDocument/2006/relationships" xmlns:p="http://schemas.openxmlformats.org/presentationml/2006/main">
   <p:cSld>
     <p:spTree>
       <p:nvGrpSpPr>
-        <p:cNvPr id="129" name="Shape 129"/>
+        <p:cNvPr id="1" name="Shape 129"/>
         <p:cNvGrpSpPr/>
         <p:nvPr/>
       </p:nvGrpSpPr>
@@ -10194,7 +10423,9 @@
       <p:sp>
         <p:nvSpPr>
           <p:cNvPr id="130" name="Google Shape;130;p19"/>
-          <p:cNvSpPr txBox="1"/>
+          <p:cNvSpPr txBox="1">
+            <a:spLocks noGrp="1"/>
+          </p:cNvSpPr>
           <p:nvPr>
             <p:ph type="title"/>
           </p:nvPr>
@@ -10209,12 +10440,12 @@
           </a:prstGeom>
         </p:spPr>
         <p:txBody>
-          <a:bodyPr anchorCtr="0" anchor="b" bIns="0" lIns="0" spcFirstLastPara="1" rIns="0" wrap="square" tIns="0">
+          <a:bodyPr spcFirstLastPara="1" wrap="square" lIns="0" tIns="0" rIns="0" bIns="0" anchor="b" anchorCtr="0">
             <a:noAutofit/>
           </a:bodyPr>
           <a:lstStyle/>
           <a:p>
-            <a:pPr indent="0" lvl="0" marL="0" rtl="0" algn="l">
+            <a:pPr marL="0" lvl="0" indent="0" algn="l" rtl="0">
               <a:spcBef>
                 <a:spcPts val="0"/>
               </a:spcBef>
@@ -10234,9 +10465,11 @@
       <p:sp>
         <p:nvSpPr>
           <p:cNvPr id="131" name="Google Shape;131;p19"/>
-          <p:cNvSpPr txBox="1"/>
+          <p:cNvSpPr txBox="1">
+            <a:spLocks noGrp="1"/>
+          </p:cNvSpPr>
           <p:nvPr>
-            <p:ph idx="12" type="sldNum"/>
+            <p:ph type="sldNum" idx="12"/>
           </p:nvPr>
         </p:nvSpPr>
         <p:spPr>
@@ -10249,12 +10482,12 @@
           </a:prstGeom>
         </p:spPr>
         <p:txBody>
-          <a:bodyPr anchorCtr="0" anchor="ctr" bIns="0" lIns="0" spcFirstLastPara="1" rIns="0" wrap="square" tIns="0">
+          <a:bodyPr spcFirstLastPara="1" wrap="square" lIns="0" tIns="0" rIns="0" bIns="0" anchor="ctr" anchorCtr="0">
             <a:noAutofit/>
           </a:bodyPr>
           <a:lstStyle/>
           <a:p>
-            <a:pPr indent="0" lvl="0" marL="0" rtl="0" algn="r">
+            <a:pPr marL="0" lvl="0" indent="0" algn="r" rtl="0">
               <a:spcBef>
                 <a:spcPts val="0"/>
               </a:spcBef>
@@ -10265,7 +10498,7 @@
             </a:pPr>
             <a:fld id="{00000000-1234-1234-1234-123412341234}" type="slidenum">
               <a:rPr lang="en"/>
-              <a:t>‹#›</a:t>
+              <a:t>7</a:t>
             </a:fld>
             <a:endParaRPr/>
           </a:p>
@@ -10291,12 +10524,12 @@
           </a:ln>
         </p:spPr>
         <p:txBody>
-          <a:bodyPr anchorCtr="0" anchor="t" bIns="91425" lIns="91425" spcFirstLastPara="1" rIns="91425" wrap="square" tIns="91425">
+          <a:bodyPr spcFirstLastPara="1" wrap="square" lIns="91425" tIns="91425" rIns="91425" bIns="91425" anchor="t" anchorCtr="0">
             <a:noAutofit/>
           </a:bodyPr>
           <a:lstStyle/>
           <a:p>
-            <a:pPr indent="0" lvl="0" marL="0" rtl="0" algn="l">
+            <a:pPr marL="0" lvl="0" indent="0" algn="l" rtl="0">
               <a:spcBef>
                 <a:spcPts val="0"/>
               </a:spcBef>
@@ -10347,11 +10580,11 @@
 </file>
 
 <file path=ppt/slides/slide8.xml><?xml version="1.0" encoding="utf-8"?>
-<p:sld xmlns:a="http://schemas.openxmlformats.org/drawingml/2006/main" xmlns:r="http://schemas.openxmlformats.org/officeDocument/2006/relationships" xmlns:mc="http://schemas.openxmlformats.org/markup-compatibility/2006" xmlns:mv="urn:schemas-microsoft-com:mac:vml" xmlns:p="http://schemas.openxmlformats.org/presentationml/2006/main" xmlns:c="http://schemas.openxmlformats.org/drawingml/2006/chart" xmlns:dgm="http://schemas.openxmlformats.org/drawingml/2006/diagram" xmlns:o="urn:schemas-microsoft-com:office:office" xmlns:v="urn:schemas-microsoft-com:vml" xmlns:pvml="urn:schemas-microsoft-com:office:powerpoint" xmlns:com="http://schemas.openxmlformats.org/drawingml/2006/compatibility" xmlns:p14="http://schemas.microsoft.com/office/powerpoint/2010/main" xmlns:p15="http://schemas.microsoft.com/office/powerpoint/2012/main">
+<p:sld xmlns:a="http://schemas.openxmlformats.org/drawingml/2006/main" xmlns:r="http://schemas.openxmlformats.org/officeDocument/2006/relationships" xmlns:p="http://schemas.openxmlformats.org/presentationml/2006/main">
   <p:cSld>
     <p:spTree>
       <p:nvGrpSpPr>
-        <p:cNvPr id="136" name="Shape 136"/>
+        <p:cNvPr id="1" name="Shape 136"/>
         <p:cNvGrpSpPr/>
         <p:nvPr/>
       </p:nvGrpSpPr>
@@ -10366,7 +10599,9 @@
       <p:sp>
         <p:nvSpPr>
           <p:cNvPr id="137" name="Google Shape;137;p20"/>
-          <p:cNvSpPr txBox="1"/>
+          <p:cNvSpPr txBox="1">
+            <a:spLocks noGrp="1"/>
+          </p:cNvSpPr>
           <p:nvPr>
             <p:ph type="title"/>
           </p:nvPr>
@@ -10381,12 +10616,12 @@
           </a:prstGeom>
         </p:spPr>
         <p:txBody>
-          <a:bodyPr anchorCtr="0" anchor="b" bIns="0" lIns="0" spcFirstLastPara="1" rIns="0" wrap="square" tIns="0">
+          <a:bodyPr spcFirstLastPara="1" wrap="square" lIns="0" tIns="0" rIns="0" bIns="0" anchor="b" anchorCtr="0">
             <a:noAutofit/>
           </a:bodyPr>
           <a:lstStyle/>
           <a:p>
-            <a:pPr indent="0" lvl="0" marL="0" rtl="0" algn="l">
+            <a:pPr marL="0" lvl="0" indent="0" algn="l" rtl="0">
               <a:spcBef>
                 <a:spcPts val="0"/>
               </a:spcBef>
@@ -10406,9 +10641,11 @@
       <p:sp>
         <p:nvSpPr>
           <p:cNvPr id="138" name="Google Shape;138;p20"/>
-          <p:cNvSpPr txBox="1"/>
+          <p:cNvSpPr txBox="1">
+            <a:spLocks noGrp="1"/>
+          </p:cNvSpPr>
           <p:nvPr>
-            <p:ph idx="1" type="body"/>
+            <p:ph type="body" idx="1"/>
           </p:nvPr>
         </p:nvSpPr>
         <p:spPr>
@@ -10421,12 +10658,12 @@
           </a:prstGeom>
         </p:spPr>
         <p:txBody>
-          <a:bodyPr anchorCtr="0" anchor="t" bIns="0" lIns="0" spcFirstLastPara="1" rIns="0" wrap="square" tIns="0">
+          <a:bodyPr spcFirstLastPara="1" wrap="square" lIns="0" tIns="0" rIns="0" bIns="0" anchor="t" anchorCtr="0">
             <a:noAutofit/>
           </a:bodyPr>
           <a:lstStyle/>
           <a:p>
-            <a:pPr indent="0" lvl="0" marL="0" rtl="0" algn="l">
+            <a:pPr marL="0" lvl="0" indent="0" algn="l" rtl="0">
               <a:spcBef>
                 <a:spcPts val="600"/>
               </a:spcBef>
@@ -10446,9 +10683,11 @@
       <p:sp>
         <p:nvSpPr>
           <p:cNvPr id="139" name="Google Shape;139;p20"/>
-          <p:cNvSpPr txBox="1"/>
+          <p:cNvSpPr txBox="1">
+            <a:spLocks noGrp="1"/>
+          </p:cNvSpPr>
           <p:nvPr>
-            <p:ph idx="12" type="sldNum"/>
+            <p:ph type="sldNum" idx="12"/>
           </p:nvPr>
         </p:nvSpPr>
         <p:spPr>
@@ -10461,12 +10700,12 @@
           </a:prstGeom>
         </p:spPr>
         <p:txBody>
-          <a:bodyPr anchorCtr="0" anchor="ctr" bIns="0" lIns="0" spcFirstLastPara="1" rIns="0" wrap="square" tIns="0">
+          <a:bodyPr spcFirstLastPara="1" wrap="square" lIns="0" tIns="0" rIns="0" bIns="0" anchor="ctr" anchorCtr="0">
             <a:noAutofit/>
           </a:bodyPr>
           <a:lstStyle/>
           <a:p>
-            <a:pPr indent="0" lvl="0" marL="0" rtl="0" algn="r">
+            <a:pPr marL="0" lvl="0" indent="0" algn="r" rtl="0">
               <a:spcBef>
                 <a:spcPts val="0"/>
               </a:spcBef>
@@ -10477,7 +10716,7 @@
             </a:pPr>
             <a:fld id="{00000000-1234-1234-1234-123412341234}" type="slidenum">
               <a:rPr lang="en"/>
-              <a:t>‹#›</a:t>
+              <a:t>8</a:t>
             </a:fld>
             <a:endParaRPr/>
           </a:p>
@@ -10493,7 +10732,7 @@
           <a:blip r:embed="rId3">
             <a:alphaModFix/>
           </a:blip>
-          <a:srcRect b="0" l="0" r="9958" t="0"/>
+          <a:srcRect r="9958"/>
           <a:stretch/>
         </p:blipFill>
         <p:spPr>
@@ -10503,8 +10742,8 @@
           </a:xfrm>
           <a:prstGeom prst="hexagon">
             <a:avLst>
-              <a:gd fmla="val 25000" name="adj"/>
-              <a:gd fmla="val 115470" name="vf"/>
+              <a:gd name="adj" fmla="val 25000"/>
+              <a:gd name="vf" fmla="val 115470"/>
             </a:avLst>
           </a:prstGeom>
           <a:noFill/>
@@ -10512,7 +10751,7 @@
             <a:noFill/>
           </a:ln>
           <a:effectLst>
-            <a:outerShdw blurRad="257175" rotWithShape="0" algn="bl" dir="5400000" dist="57150">
+            <a:outerShdw blurRad="257175" dist="57150" dir="5400000" algn="bl" rotWithShape="0">
               <a:schemeClr val="dk1">
                 <a:alpha val="50000"/>
               </a:schemeClr>
@@ -10529,11 +10768,11 @@
 </file>
 
 <file path=ppt/slides/slide9.xml><?xml version="1.0" encoding="utf-8"?>
-<p:sld xmlns:a="http://schemas.openxmlformats.org/drawingml/2006/main" xmlns:r="http://schemas.openxmlformats.org/officeDocument/2006/relationships" xmlns:mc="http://schemas.openxmlformats.org/markup-compatibility/2006" xmlns:mv="urn:schemas-microsoft-com:mac:vml" xmlns:p="http://schemas.openxmlformats.org/presentationml/2006/main" xmlns:c="http://schemas.openxmlformats.org/drawingml/2006/chart" xmlns:dgm="http://schemas.openxmlformats.org/drawingml/2006/diagram" xmlns:o="urn:schemas-microsoft-com:office:office" xmlns:v="urn:schemas-microsoft-com:vml" xmlns:pvml="urn:schemas-microsoft-com:office:powerpoint" xmlns:com="http://schemas.openxmlformats.org/drawingml/2006/compatibility" xmlns:p14="http://schemas.microsoft.com/office/powerpoint/2010/main" xmlns:p15="http://schemas.microsoft.com/office/powerpoint/2012/main">
+<p:sld xmlns:a="http://schemas.openxmlformats.org/drawingml/2006/main" xmlns:r="http://schemas.openxmlformats.org/officeDocument/2006/relationships" xmlns:p="http://schemas.openxmlformats.org/presentationml/2006/main">
   <p:cSld>
     <p:spTree>
       <p:nvGrpSpPr>
-        <p:cNvPr id="144" name="Shape 144"/>
+        <p:cNvPr id="1" name="Shape 144"/>
         <p:cNvGrpSpPr/>
         <p:nvPr/>
       </p:nvGrpSpPr>
@@ -10548,9 +10787,11 @@
       <p:sp>
         <p:nvSpPr>
           <p:cNvPr id="145" name="Google Shape;145;p21"/>
-          <p:cNvSpPr txBox="1"/>
+          <p:cNvSpPr txBox="1">
+            <a:spLocks noGrp="1"/>
+          </p:cNvSpPr>
           <p:nvPr>
-            <p:ph idx="12" type="sldNum"/>
+            <p:ph type="sldNum" idx="12"/>
           </p:nvPr>
         </p:nvSpPr>
         <p:spPr>
@@ -10563,12 +10804,12 @@
           </a:prstGeom>
         </p:spPr>
         <p:txBody>
-          <a:bodyPr anchorCtr="0" anchor="ctr" bIns="0" lIns="0" spcFirstLastPara="1" rIns="0" wrap="square" tIns="0">
+          <a:bodyPr spcFirstLastPara="1" wrap="square" lIns="0" tIns="0" rIns="0" bIns="0" anchor="ctr" anchorCtr="0">
             <a:noAutofit/>
           </a:bodyPr>
           <a:lstStyle/>
           <a:p>
-            <a:pPr indent="0" lvl="0" marL="0" rtl="0" algn="r">
+            <a:pPr marL="0" lvl="0" indent="0" algn="r" rtl="0">
               <a:spcBef>
                 <a:spcPts val="0"/>
               </a:spcBef>
@@ -10579,7 +10820,7 @@
             </a:pPr>
             <a:fld id="{00000000-1234-1234-1234-123412341234}" type="slidenum">
               <a:rPr lang="en"/>
-              <a:t>‹#›</a:t>
+              <a:t>9</a:t>
             </a:fld>
             <a:endParaRPr/>
           </a:p>
@@ -10605,12 +10846,12 @@
           </a:ln>
         </p:spPr>
         <p:txBody>
-          <a:bodyPr anchorCtr="0" anchor="ctr" bIns="91425" lIns="91425" spcFirstLastPara="1" rIns="91425" wrap="square" tIns="91425">
+          <a:bodyPr spcFirstLastPara="1" wrap="square" lIns="91425" tIns="91425" rIns="91425" bIns="91425" anchor="ctr" anchorCtr="0">
             <a:noAutofit/>
           </a:bodyPr>
           <a:lstStyle/>
           <a:p>
-            <a:pPr indent="0" lvl="0" marL="0" rtl="0" algn="ctr">
+            <a:pPr marL="0" lvl="0" indent="0" algn="ctr" rtl="0">
               <a:spcBef>
                 <a:spcPts val="0"/>
               </a:spcBef>
@@ -10669,9 +10910,13 @@
               <a:ext cx="5161606" cy="3454973"/>
             </a:xfrm>
             <a:custGeom>
-              <a:rect b="b" l="l" r="r" t="t"/>
+              <a:avLst/>
+              <a:gdLst/>
+              <a:ahLst/>
+              <a:cxnLst/>
+              <a:rect l="l" t="t" r="r" b="b"/>
               <a:pathLst>
-                <a:path extrusionOk="0" h="3454973" w="5161606">
+                <a:path w="5161606" h="3454973" extrusionOk="0">
                   <a:moveTo>
                     <a:pt x="4992053" y="0"/>
                   </a:moveTo>
@@ -10743,12 +10988,12 @@
             </a:ln>
           </p:spPr>
           <p:txBody>
-            <a:bodyPr anchorCtr="0" anchor="ctr" bIns="45700" lIns="91425" spcFirstLastPara="1" rIns="91425" wrap="square" tIns="45700">
+            <a:bodyPr spcFirstLastPara="1" wrap="square" lIns="91425" tIns="45700" rIns="91425" bIns="45700" anchor="ctr" anchorCtr="0">
               <a:noAutofit/>
             </a:bodyPr>
             <a:lstStyle/>
             <a:p>
-              <a:pPr indent="0" lvl="0" marL="0" marR="0" rtl="0" algn="l">
+              <a:pPr marL="0" marR="0" lvl="0" indent="0" algn="l" rtl="0">
                 <a:spcBef>
                   <a:spcPts val="0"/>
                 </a:spcBef>
@@ -10757,9 +11002,6 @@
                 </a:spcAft>
                 <a:buNone/>
               </a:pPr>
-              <a:r>
-                <a:t/>
-              </a:r>
               <a:endParaRPr sz="1800">
                 <a:solidFill>
                   <a:srgbClr val="000000"/>
@@ -10784,9 +11026,13 @@
               <a:ext cx="6173152" cy="95178"/>
             </a:xfrm>
             <a:custGeom>
-              <a:rect b="b" l="l" r="r" t="t"/>
+              <a:avLst/>
+              <a:gdLst/>
+              <a:ahLst/>
+              <a:cxnLst/>
+              <a:rect l="l" t="t" r="r" b="b"/>
               <a:pathLst>
-                <a:path extrusionOk="0" h="95178" w="6173152">
+                <a:path w="6173152" h="95178" extrusionOk="0">
                   <a:moveTo>
                     <a:pt x="0" y="0"/>
                   </a:moveTo>
@@ -10818,12 +11064,12 @@
             </a:ln>
           </p:spPr>
           <p:txBody>
-            <a:bodyPr anchorCtr="0" anchor="ctr" bIns="45700" lIns="91425" spcFirstLastPara="1" rIns="91425" wrap="square" tIns="45700">
+            <a:bodyPr spcFirstLastPara="1" wrap="square" lIns="91425" tIns="45700" rIns="91425" bIns="45700" anchor="ctr" anchorCtr="0">
               <a:noAutofit/>
             </a:bodyPr>
             <a:lstStyle/>
             <a:p>
-              <a:pPr indent="0" lvl="0" marL="0" marR="0" rtl="0" algn="l">
+              <a:pPr marL="0" marR="0" lvl="0" indent="0" algn="l" rtl="0">
                 <a:spcBef>
                   <a:spcPts val="0"/>
                 </a:spcBef>
@@ -10832,9 +11078,6 @@
                 </a:spcAft>
                 <a:buNone/>
               </a:pPr>
-              <a:r>
-                <a:t/>
-              </a:r>
               <a:endParaRPr sz="1800">
                 <a:solidFill>
                   <a:srgbClr val="000000"/>
@@ -10859,9 +11102,13 @@
               <a:ext cx="6172200" cy="76142"/>
             </a:xfrm>
             <a:custGeom>
-              <a:rect b="b" l="l" r="r" t="t"/>
+              <a:avLst/>
+              <a:gdLst/>
+              <a:ahLst/>
+              <a:cxnLst/>
+              <a:rect l="l" t="t" r="r" b="b"/>
               <a:pathLst>
-                <a:path extrusionOk="0" h="76142" w="6172200">
+                <a:path w="6172200" h="76142" extrusionOk="0">
                   <a:moveTo>
                     <a:pt x="0" y="76143"/>
                   </a:moveTo>
@@ -10886,12 +11133,12 @@
             </a:ln>
           </p:spPr>
           <p:txBody>
-            <a:bodyPr anchorCtr="0" anchor="ctr" bIns="45700" lIns="91425" spcFirstLastPara="1" rIns="91425" wrap="square" tIns="45700">
+            <a:bodyPr spcFirstLastPara="1" wrap="square" lIns="91425" tIns="45700" rIns="91425" bIns="45700" anchor="ctr" anchorCtr="0">
               <a:noAutofit/>
             </a:bodyPr>
             <a:lstStyle/>
             <a:p>
-              <a:pPr indent="0" lvl="0" marL="0" marR="0" rtl="0" algn="l">
+              <a:pPr marL="0" marR="0" lvl="0" indent="0" algn="l" rtl="0">
                 <a:spcBef>
                   <a:spcPts val="0"/>
                 </a:spcBef>
@@ -10900,9 +11147,6 @@
                 </a:spcAft>
                 <a:buNone/>
               </a:pPr>
-              <a:r>
-                <a:t/>
-              </a:r>
               <a:endParaRPr sz="1800">
                 <a:solidFill>
                   <a:srgbClr val="000000"/>
@@ -10927,9 +11171,13 @@
               <a:ext cx="903922" cy="47589"/>
             </a:xfrm>
             <a:custGeom>
-              <a:rect b="b" l="l" r="r" t="t"/>
+              <a:avLst/>
+              <a:gdLst/>
+              <a:ahLst/>
+              <a:cxnLst/>
+              <a:rect l="l" t="t" r="r" b="b"/>
               <a:pathLst>
-                <a:path extrusionOk="0" h="47589" w="903922">
+                <a:path w="903922" h="47589" extrusionOk="0">
                   <a:moveTo>
                     <a:pt x="0" y="0"/>
                   </a:moveTo>
@@ -10961,12 +11209,12 @@
             </a:ln>
           </p:spPr>
           <p:txBody>
-            <a:bodyPr anchorCtr="0" anchor="ctr" bIns="45700" lIns="91425" spcFirstLastPara="1" rIns="91425" wrap="square" tIns="45700">
+            <a:bodyPr spcFirstLastPara="1" wrap="square" lIns="91425" tIns="45700" rIns="91425" bIns="45700" anchor="ctr" anchorCtr="0">
               <a:noAutofit/>
             </a:bodyPr>
             <a:lstStyle/>
             <a:p>
-              <a:pPr indent="0" lvl="0" marL="0" marR="0" rtl="0" algn="l">
+              <a:pPr marL="0" marR="0" lvl="0" indent="0" algn="l" rtl="0">
                 <a:spcBef>
                   <a:spcPts val="0"/>
                 </a:spcBef>
@@ -10975,9 +11223,6 @@
                 </a:spcAft>
                 <a:buNone/>
               </a:pPr>
-              <a:r>
-                <a:t/>
-              </a:r>
               <a:endParaRPr sz="1800">
                 <a:solidFill>
                   <a:srgbClr val="000000"/>
@@ -10994,9 +11239,11 @@
       <p:sp>
         <p:nvSpPr>
           <p:cNvPr id="152" name="Google Shape;152;p21"/>
-          <p:cNvSpPr txBox="1"/>
+          <p:cNvSpPr txBox="1">
+            <a:spLocks noGrp="1"/>
+          </p:cNvSpPr>
           <p:nvPr>
-            <p:ph idx="4294967295" type="body"/>
+            <p:ph type="body" idx="4294967295"/>
           </p:nvPr>
         </p:nvSpPr>
         <p:spPr>
@@ -11009,12 +11256,12 @@
           </a:prstGeom>
         </p:spPr>
         <p:txBody>
-          <a:bodyPr anchorCtr="0" anchor="ctr" bIns="0" lIns="0" spcFirstLastPara="1" rIns="0" wrap="square" tIns="0">
+          <a:bodyPr spcFirstLastPara="1" wrap="square" lIns="0" tIns="0" rIns="0" bIns="0" anchor="ctr" anchorCtr="0">
             <a:noAutofit/>
           </a:bodyPr>
           <a:lstStyle/>
           <a:p>
-            <a:pPr indent="0" lvl="0" marL="0" rtl="0" algn="l">
+            <a:pPr marL="0" lvl="0" indent="0" algn="l" rtl="0">
               <a:spcBef>
                 <a:spcPts val="600"/>
               </a:spcBef>
@@ -11040,7 +11287,7 @@
             </a:endParaRPr>
           </a:p>
           <a:p>
-            <a:pPr indent="0" lvl="0" marL="0" rtl="0" algn="l">
+            <a:pPr marL="0" lvl="0" indent="0" algn="l" rtl="0">
               <a:spcBef>
                 <a:spcPts val="600"/>
               </a:spcBef>
@@ -11067,7 +11314,7 @@
           <a:blip r:embed="rId3">
             <a:alphaModFix/>
           </a:blip>
-          <a:srcRect b="0" l="0" r="0" t="6463"/>
+          <a:srcRect t="6463"/>
           <a:stretch/>
         </p:blipFill>
         <p:spPr>
@@ -11093,7 +11340,7 @@
 </file>
 
 <file path=ppt/theme/theme1.xml><?xml version="1.0" encoding="utf-8"?>
-<a:theme xmlns:a="http://schemas.openxmlformats.org/drawingml/2006/main" xmlns:r="http://schemas.openxmlformats.org/officeDocument/2006/relationships" name="Aliena template">
+<a:theme xmlns:a="http://schemas.openxmlformats.org/drawingml/2006/main" name="Aliena template">
   <a:themeElements>
     <a:clrScheme name="Custom 347">
       <a:dk1>
@@ -11368,11 +11615,13 @@
       </a:bgFillStyleLst>
     </a:fmtScheme>
   </a:themeElements>
+  <a:objectDefaults/>
+  <a:extraClrSchemeLst/>
 </a:theme>
 </file>
 
 <file path=ppt/theme/theme2.xml><?xml version="1.0" encoding="utf-8"?>
-<a:theme xmlns:a="http://schemas.openxmlformats.org/drawingml/2006/main" xmlns:r="http://schemas.openxmlformats.org/officeDocument/2006/relationships">
+<a:theme xmlns:a="http://schemas.openxmlformats.org/drawingml/2006/main">
   <a:themeElements>
     <a:clrScheme name="Default">
       <a:dk1>
@@ -11647,5 +11896,7 @@
       </a:bgFillStyleLst>
     </a:fmtScheme>
   </a:themeElements>
+  <a:objectDefaults/>
+  <a:extraClrSchemeLst/>
 </a:theme>
 </file>